--- a/rough-diag.pptx
+++ b/rough-diag.pptx
@@ -19,6 +19,12 @@
     <p:sldId id="267" r:id="rId13"/>
     <p:sldId id="268" r:id="rId14"/>
     <p:sldId id="269" r:id="rId15"/>
+    <p:sldId id="270" r:id="rId16"/>
+    <p:sldId id="271" r:id="rId17"/>
+    <p:sldId id="272" r:id="rId18"/>
+    <p:sldId id="273" r:id="rId19"/>
+    <p:sldId id="274" r:id="rId20"/>
+    <p:sldId id="275" r:id="rId21"/>
   </p:sldIdLst>
   <p:sldSz cx="9144000" cy="5143500" type="screen16x9"/>
   <p:notesSz cx="6858000" cy="9144000"/>
@@ -301,7 +307,8 @@
           <a:p>
             <a:fld id="{DC7B2E4C-C239-4644-B0EC-3358EA1C320D}" type="datetimeFigureOut">
               <a:rPr lang="en-US" smtClean="0"/>
-              <a:t>6/10/2019</a:t>
+              <a:pPr/>
+              <a:t>6/13/2019</a:t>
             </a:fld>
             <a:endParaRPr lang="en-US"/>
           </a:p>
@@ -343,6 +350,7 @@
           <a:p>
             <a:fld id="{69630AF1-454F-4525-AF3B-C5039F99A243}" type="slidenum">
               <a:rPr lang="en-US" smtClean="0"/>
+              <a:pPr/>
               <a:t>‹#›</a:t>
             </a:fld>
             <a:endParaRPr lang="en-US"/>
@@ -466,7 +474,8 @@
           <a:p>
             <a:fld id="{DC7B2E4C-C239-4644-B0EC-3358EA1C320D}" type="datetimeFigureOut">
               <a:rPr lang="en-US" smtClean="0"/>
-              <a:t>6/10/2019</a:t>
+              <a:pPr/>
+              <a:t>6/13/2019</a:t>
             </a:fld>
             <a:endParaRPr lang="en-US"/>
           </a:p>
@@ -508,6 +517,7 @@
           <a:p>
             <a:fld id="{69630AF1-454F-4525-AF3B-C5039F99A243}" type="slidenum">
               <a:rPr lang="en-US" smtClean="0"/>
+              <a:pPr/>
               <a:t>‹#›</a:t>
             </a:fld>
             <a:endParaRPr lang="en-US"/>
@@ -641,7 +651,8 @@
           <a:p>
             <a:fld id="{DC7B2E4C-C239-4644-B0EC-3358EA1C320D}" type="datetimeFigureOut">
               <a:rPr lang="en-US" smtClean="0"/>
-              <a:t>6/10/2019</a:t>
+              <a:pPr/>
+              <a:t>6/13/2019</a:t>
             </a:fld>
             <a:endParaRPr lang="en-US"/>
           </a:p>
@@ -683,6 +694,7 @@
           <a:p>
             <a:fld id="{69630AF1-454F-4525-AF3B-C5039F99A243}" type="slidenum">
               <a:rPr lang="en-US" smtClean="0"/>
+              <a:pPr/>
               <a:t>‹#›</a:t>
             </a:fld>
             <a:endParaRPr lang="en-US"/>
@@ -806,7 +818,8 @@
           <a:p>
             <a:fld id="{DC7B2E4C-C239-4644-B0EC-3358EA1C320D}" type="datetimeFigureOut">
               <a:rPr lang="en-US" smtClean="0"/>
-              <a:t>6/10/2019</a:t>
+              <a:pPr/>
+              <a:t>6/13/2019</a:t>
             </a:fld>
             <a:endParaRPr lang="en-US"/>
           </a:p>
@@ -848,6 +861,7 @@
           <a:p>
             <a:fld id="{69630AF1-454F-4525-AF3B-C5039F99A243}" type="slidenum">
               <a:rPr lang="en-US" smtClean="0"/>
+              <a:pPr/>
               <a:t>‹#›</a:t>
             </a:fld>
             <a:endParaRPr lang="en-US"/>
@@ -1047,7 +1061,8 @@
           <a:p>
             <a:fld id="{DC7B2E4C-C239-4644-B0EC-3358EA1C320D}" type="datetimeFigureOut">
               <a:rPr lang="en-US" smtClean="0"/>
-              <a:t>6/10/2019</a:t>
+              <a:pPr/>
+              <a:t>6/13/2019</a:t>
             </a:fld>
             <a:endParaRPr lang="en-US"/>
           </a:p>
@@ -1089,6 +1104,7 @@
           <a:p>
             <a:fld id="{69630AF1-454F-4525-AF3B-C5039F99A243}" type="slidenum">
               <a:rPr lang="en-US" smtClean="0"/>
+              <a:pPr/>
               <a:t>‹#›</a:t>
             </a:fld>
             <a:endParaRPr lang="en-US"/>
@@ -1330,7 +1346,8 @@
           <a:p>
             <a:fld id="{DC7B2E4C-C239-4644-B0EC-3358EA1C320D}" type="datetimeFigureOut">
               <a:rPr lang="en-US" smtClean="0"/>
-              <a:t>6/10/2019</a:t>
+              <a:pPr/>
+              <a:t>6/13/2019</a:t>
             </a:fld>
             <a:endParaRPr lang="en-US"/>
           </a:p>
@@ -1372,6 +1389,7 @@
           <a:p>
             <a:fld id="{69630AF1-454F-4525-AF3B-C5039F99A243}" type="slidenum">
               <a:rPr lang="en-US" smtClean="0"/>
+              <a:pPr/>
               <a:t>‹#›</a:t>
             </a:fld>
             <a:endParaRPr lang="en-US"/>
@@ -1747,7 +1765,8 @@
           <a:p>
             <a:fld id="{DC7B2E4C-C239-4644-B0EC-3358EA1C320D}" type="datetimeFigureOut">
               <a:rPr lang="en-US" smtClean="0"/>
-              <a:t>6/10/2019</a:t>
+              <a:pPr/>
+              <a:t>6/13/2019</a:t>
             </a:fld>
             <a:endParaRPr lang="en-US"/>
           </a:p>
@@ -1789,6 +1808,7 @@
           <a:p>
             <a:fld id="{69630AF1-454F-4525-AF3B-C5039F99A243}" type="slidenum">
               <a:rPr lang="en-US" smtClean="0"/>
+              <a:pPr/>
               <a:t>‹#›</a:t>
             </a:fld>
             <a:endParaRPr lang="en-US"/>
@@ -1860,7 +1880,8 @@
           <a:p>
             <a:fld id="{DC7B2E4C-C239-4644-B0EC-3358EA1C320D}" type="datetimeFigureOut">
               <a:rPr lang="en-US" smtClean="0"/>
-              <a:t>6/10/2019</a:t>
+              <a:pPr/>
+              <a:t>6/13/2019</a:t>
             </a:fld>
             <a:endParaRPr lang="en-US"/>
           </a:p>
@@ -1902,6 +1923,7 @@
           <a:p>
             <a:fld id="{69630AF1-454F-4525-AF3B-C5039F99A243}" type="slidenum">
               <a:rPr lang="en-US" smtClean="0"/>
+              <a:pPr/>
               <a:t>‹#›</a:t>
             </a:fld>
             <a:endParaRPr lang="en-US"/>
@@ -1950,7 +1972,8 @@
           <a:p>
             <a:fld id="{DC7B2E4C-C239-4644-B0EC-3358EA1C320D}" type="datetimeFigureOut">
               <a:rPr lang="en-US" smtClean="0"/>
-              <a:t>6/10/2019</a:t>
+              <a:pPr/>
+              <a:t>6/13/2019</a:t>
             </a:fld>
             <a:endParaRPr lang="en-US"/>
           </a:p>
@@ -1992,6 +2015,7 @@
           <a:p>
             <a:fld id="{69630AF1-454F-4525-AF3B-C5039F99A243}" type="slidenum">
               <a:rPr lang="en-US" smtClean="0"/>
+              <a:pPr/>
               <a:t>‹#›</a:t>
             </a:fld>
             <a:endParaRPr lang="en-US"/>
@@ -2222,7 +2246,8 @@
           <a:p>
             <a:fld id="{DC7B2E4C-C239-4644-B0EC-3358EA1C320D}" type="datetimeFigureOut">
               <a:rPr lang="en-US" smtClean="0"/>
-              <a:t>6/10/2019</a:t>
+              <a:pPr/>
+              <a:t>6/13/2019</a:t>
             </a:fld>
             <a:endParaRPr lang="en-US"/>
           </a:p>
@@ -2264,6 +2289,7 @@
           <a:p>
             <a:fld id="{69630AF1-454F-4525-AF3B-C5039F99A243}" type="slidenum">
               <a:rPr lang="en-US" smtClean="0"/>
+              <a:pPr/>
               <a:t>‹#›</a:t>
             </a:fld>
             <a:endParaRPr lang="en-US"/>
@@ -2470,7 +2496,8 @@
           <a:p>
             <a:fld id="{DC7B2E4C-C239-4644-B0EC-3358EA1C320D}" type="datetimeFigureOut">
               <a:rPr lang="en-US" smtClean="0"/>
-              <a:t>6/10/2019</a:t>
+              <a:pPr/>
+              <a:t>6/13/2019</a:t>
             </a:fld>
             <a:endParaRPr lang="en-US"/>
           </a:p>
@@ -2512,6 +2539,7 @@
           <a:p>
             <a:fld id="{69630AF1-454F-4525-AF3B-C5039F99A243}" type="slidenum">
               <a:rPr lang="en-US" smtClean="0"/>
+              <a:pPr/>
               <a:t>‹#›</a:t>
             </a:fld>
             <a:endParaRPr lang="en-US"/>
@@ -2678,7 +2706,8 @@
           <a:p>
             <a:fld id="{DC7B2E4C-C239-4644-B0EC-3358EA1C320D}" type="datetimeFigureOut">
               <a:rPr lang="en-US" smtClean="0"/>
-              <a:t>6/10/2019</a:t>
+              <a:pPr/>
+              <a:t>6/13/2019</a:t>
             </a:fld>
             <a:endParaRPr lang="en-US"/>
           </a:p>
@@ -2756,6 +2785,7 @@
           <a:p>
             <a:fld id="{69630AF1-454F-4525-AF3B-C5039F99A243}" type="slidenum">
               <a:rPr lang="en-US" smtClean="0"/>
+              <a:pPr/>
               <a:t>‹#›</a:t>
             </a:fld>
             <a:endParaRPr lang="en-US"/>
@@ -6498,6 +6528,50 @@
           </a:p>
         </p:txBody>
       </p:sp>
+      <p:sp>
+        <p:nvSpPr>
+          <p:cNvPr id="29" name="Rectangle 28"/>
+          <p:cNvSpPr/>
+          <p:nvPr/>
+        </p:nvSpPr>
+        <p:spPr>
+          <a:xfrm>
+            <a:off x="7543800" y="3486150"/>
+            <a:ext cx="990600" cy="1219200"/>
+          </a:xfrm>
+          <a:prstGeom prst="rect">
+            <a:avLst/>
+          </a:prstGeom>
+        </p:spPr>
+        <p:style>
+          <a:lnRef idx="2">
+            <a:schemeClr val="accent1">
+              <a:shade val="50000"/>
+            </a:schemeClr>
+          </a:lnRef>
+          <a:fillRef idx="1">
+            <a:schemeClr val="accent1"/>
+          </a:fillRef>
+          <a:effectRef idx="0">
+            <a:schemeClr val="accent1"/>
+          </a:effectRef>
+          <a:fontRef idx="minor">
+            <a:schemeClr val="lt1"/>
+          </a:fontRef>
+        </p:style>
+        <p:txBody>
+          <a:bodyPr rtlCol="0" anchor="ctr"/>
+          <a:lstStyle/>
+          <a:p>
+            <a:pPr algn="ctr"/>
+            <a:r>
+              <a:rPr lang="en-US" dirty="0" err="1" smtClean="0"/>
+              <a:t>nginx</a:t>
+            </a:r>
+            <a:endParaRPr lang="en-US" dirty="0"/>
+          </a:p>
+        </p:txBody>
+      </p:sp>
     </p:spTree>
   </p:cSld>
   <p:clrMapOvr>
@@ -7172,6 +7246,4598 @@
           <a:xfrm>
             <a:off x="5715000" y="2114550"/>
             <a:ext cx="1143000" cy="1600200"/>
+          </a:xfrm>
+          <a:prstGeom prst="straightConnector1">
+            <a:avLst/>
+          </a:prstGeom>
+          <a:ln>
+            <a:tailEnd type="arrow"/>
+          </a:ln>
+        </p:spPr>
+        <p:style>
+          <a:lnRef idx="1">
+            <a:schemeClr val="accent1"/>
+          </a:lnRef>
+          <a:fillRef idx="0">
+            <a:schemeClr val="accent1"/>
+          </a:fillRef>
+          <a:effectRef idx="0">
+            <a:schemeClr val="accent1"/>
+          </a:effectRef>
+          <a:fontRef idx="minor">
+            <a:schemeClr val="tx1"/>
+          </a:fontRef>
+        </p:style>
+      </p:cxnSp>
+    </p:spTree>
+  </p:cSld>
+  <p:clrMapOvr>
+    <a:masterClrMapping/>
+  </p:clrMapOvr>
+</p:sld>
+</file>
+
+<file path=ppt/slides/slide15.xml><?xml version="1.0" encoding="utf-8"?>
+<p:sld xmlns:a="http://schemas.openxmlformats.org/drawingml/2006/main" xmlns:r="http://schemas.openxmlformats.org/officeDocument/2006/relationships" xmlns:p="http://schemas.openxmlformats.org/presentationml/2006/main">
+  <p:cSld>
+    <p:spTree>
+      <p:nvGrpSpPr>
+        <p:cNvPr id="1" name=""/>
+        <p:cNvGrpSpPr/>
+        <p:nvPr/>
+      </p:nvGrpSpPr>
+      <p:grpSpPr>
+        <a:xfrm>
+          <a:off x="0" y="0"/>
+          <a:ext cx="0" cy="0"/>
+          <a:chOff x="0" y="0"/>
+          <a:chExt cx="0" cy="0"/>
+        </a:xfrm>
+      </p:grpSpPr>
+      <p:sp>
+        <p:nvSpPr>
+          <p:cNvPr id="2" name="Can 1"/>
+          <p:cNvSpPr/>
+          <p:nvPr/>
+        </p:nvSpPr>
+        <p:spPr>
+          <a:xfrm>
+            <a:off x="7010400" y="361950"/>
+            <a:ext cx="914400" cy="914400"/>
+          </a:xfrm>
+          <a:prstGeom prst="can">
+            <a:avLst/>
+          </a:prstGeom>
+        </p:spPr>
+        <p:style>
+          <a:lnRef idx="2">
+            <a:schemeClr val="accent1">
+              <a:shade val="50000"/>
+            </a:schemeClr>
+          </a:lnRef>
+          <a:fillRef idx="1">
+            <a:schemeClr val="accent1"/>
+          </a:fillRef>
+          <a:effectRef idx="0">
+            <a:schemeClr val="accent1"/>
+          </a:effectRef>
+          <a:fontRef idx="minor">
+            <a:schemeClr val="lt1"/>
+          </a:fontRef>
+        </p:style>
+        <p:txBody>
+          <a:bodyPr rtlCol="0" anchor="ctr"/>
+          <a:lstStyle/>
+          <a:p>
+            <a:pPr algn="ctr"/>
+            <a:r>
+              <a:rPr lang="en-US" dirty="0" err="1" smtClean="0"/>
+              <a:t>mysql</a:t>
+            </a:r>
+            <a:endParaRPr lang="en-US" dirty="0"/>
+          </a:p>
+        </p:txBody>
+      </p:sp>
+      <p:sp>
+        <p:nvSpPr>
+          <p:cNvPr id="3" name="Rectangle 2"/>
+          <p:cNvSpPr/>
+          <p:nvPr/>
+        </p:nvSpPr>
+        <p:spPr>
+          <a:xfrm>
+            <a:off x="4572000" y="438150"/>
+            <a:ext cx="1219200" cy="762000"/>
+          </a:xfrm>
+          <a:prstGeom prst="rect">
+            <a:avLst/>
+          </a:prstGeom>
+        </p:spPr>
+        <p:style>
+          <a:lnRef idx="2">
+            <a:schemeClr val="accent1">
+              <a:shade val="50000"/>
+            </a:schemeClr>
+          </a:lnRef>
+          <a:fillRef idx="1">
+            <a:schemeClr val="accent1"/>
+          </a:fillRef>
+          <a:effectRef idx="0">
+            <a:schemeClr val="accent1"/>
+          </a:effectRef>
+          <a:fontRef idx="minor">
+            <a:schemeClr val="lt1"/>
+          </a:fontRef>
+        </p:style>
+        <p:txBody>
+          <a:bodyPr rtlCol="0" anchor="ctr"/>
+          <a:lstStyle/>
+          <a:p>
+            <a:pPr algn="ctr"/>
+            <a:r>
+              <a:rPr lang="en-US" dirty="0" smtClean="0"/>
+              <a:t>tomcat</a:t>
+            </a:r>
+            <a:endParaRPr lang="en-US" dirty="0"/>
+          </a:p>
+        </p:txBody>
+      </p:sp>
+      <p:cxnSp>
+        <p:nvCxnSpPr>
+          <p:cNvPr id="5" name="Straight Arrow Connector 4"/>
+          <p:cNvCxnSpPr>
+            <a:stCxn id="3" idx="3"/>
+            <a:endCxn id="2" idx="2"/>
+          </p:cNvCxnSpPr>
+          <p:nvPr/>
+        </p:nvCxnSpPr>
+        <p:spPr>
+          <a:xfrm>
+            <a:off x="5791200" y="819150"/>
+            <a:ext cx="1219200" cy="0"/>
+          </a:xfrm>
+          <a:prstGeom prst="straightConnector1">
+            <a:avLst/>
+          </a:prstGeom>
+          <a:ln>
+            <a:tailEnd type="arrow"/>
+          </a:ln>
+        </p:spPr>
+        <p:style>
+          <a:lnRef idx="1">
+            <a:schemeClr val="accent1"/>
+          </a:lnRef>
+          <a:fillRef idx="0">
+            <a:schemeClr val="accent1"/>
+          </a:fillRef>
+          <a:effectRef idx="0">
+            <a:schemeClr val="accent1"/>
+          </a:effectRef>
+          <a:fontRef idx="minor">
+            <a:schemeClr val="tx1"/>
+          </a:fontRef>
+        </p:style>
+      </p:cxnSp>
+      <p:sp>
+        <p:nvSpPr>
+          <p:cNvPr id="6" name="Smiley Face 5"/>
+          <p:cNvSpPr/>
+          <p:nvPr/>
+        </p:nvSpPr>
+        <p:spPr>
+          <a:xfrm>
+            <a:off x="228600" y="994886"/>
+            <a:ext cx="533400" cy="533400"/>
+          </a:xfrm>
+          <a:prstGeom prst="smileyFace">
+            <a:avLst/>
+          </a:prstGeom>
+        </p:spPr>
+        <p:style>
+          <a:lnRef idx="2">
+            <a:schemeClr val="accent1">
+              <a:shade val="50000"/>
+            </a:schemeClr>
+          </a:lnRef>
+          <a:fillRef idx="1">
+            <a:schemeClr val="accent1"/>
+          </a:fillRef>
+          <a:effectRef idx="0">
+            <a:schemeClr val="accent1"/>
+          </a:effectRef>
+          <a:fontRef idx="minor">
+            <a:schemeClr val="lt1"/>
+          </a:fontRef>
+        </p:style>
+        <p:txBody>
+          <a:bodyPr rtlCol="0" anchor="ctr"/>
+          <a:lstStyle/>
+          <a:p>
+            <a:pPr algn="ctr"/>
+            <a:endParaRPr lang="en-US"/>
+          </a:p>
+        </p:txBody>
+      </p:sp>
+      <p:cxnSp>
+        <p:nvCxnSpPr>
+          <p:cNvPr id="8" name="Straight Arrow Connector 7"/>
+          <p:cNvCxnSpPr>
+            <a:stCxn id="6" idx="6"/>
+          </p:cNvCxnSpPr>
+          <p:nvPr/>
+        </p:nvCxnSpPr>
+        <p:spPr>
+          <a:xfrm>
+            <a:off x="762000" y="1261586"/>
+            <a:ext cx="381000" cy="14764"/>
+          </a:xfrm>
+          <a:prstGeom prst="straightConnector1">
+            <a:avLst/>
+          </a:prstGeom>
+          <a:ln>
+            <a:tailEnd type="arrow"/>
+          </a:ln>
+        </p:spPr>
+        <p:style>
+          <a:lnRef idx="1">
+            <a:schemeClr val="accent1"/>
+          </a:lnRef>
+          <a:fillRef idx="0">
+            <a:schemeClr val="accent1"/>
+          </a:fillRef>
+          <a:effectRef idx="0">
+            <a:schemeClr val="accent1"/>
+          </a:effectRef>
+          <a:fontRef idx="minor">
+            <a:schemeClr val="tx1"/>
+          </a:fontRef>
+        </p:style>
+      </p:cxnSp>
+      <p:sp>
+        <p:nvSpPr>
+          <p:cNvPr id="12" name="TextBox 11"/>
+          <p:cNvSpPr txBox="1"/>
+          <p:nvPr/>
+        </p:nvSpPr>
+        <p:spPr>
+          <a:xfrm>
+            <a:off x="6857108" y="1200150"/>
+            <a:ext cx="1372492" cy="307777"/>
+          </a:xfrm>
+          <a:prstGeom prst="rect">
+            <a:avLst/>
+          </a:prstGeom>
+          <a:noFill/>
+        </p:spPr>
+        <p:txBody>
+          <a:bodyPr wrap="none" rtlCol="0">
+            <a:spAutoFit/>
+          </a:bodyPr>
+          <a:lstStyle/>
+          <a:p>
+            <a:r>
+              <a:rPr lang="en-US" sz="1400" dirty="0" smtClean="0"/>
+              <a:t>12.4.23.45:3306</a:t>
+            </a:r>
+            <a:endParaRPr lang="en-US" dirty="0"/>
+          </a:p>
+        </p:txBody>
+      </p:sp>
+      <p:sp>
+        <p:nvSpPr>
+          <p:cNvPr id="13" name="TextBox 12"/>
+          <p:cNvSpPr txBox="1"/>
+          <p:nvPr/>
+        </p:nvSpPr>
+        <p:spPr>
+          <a:xfrm>
+            <a:off x="4495800" y="1200150"/>
+            <a:ext cx="1372492" cy="307777"/>
+          </a:xfrm>
+          <a:prstGeom prst="rect">
+            <a:avLst/>
+          </a:prstGeom>
+          <a:noFill/>
+        </p:spPr>
+        <p:txBody>
+          <a:bodyPr wrap="none" rtlCol="0">
+            <a:spAutoFit/>
+          </a:bodyPr>
+          <a:lstStyle/>
+          <a:p>
+            <a:r>
+              <a:rPr lang="en-US" sz="1400" dirty="0" smtClean="0"/>
+              <a:t>12.4.23.46:8080</a:t>
+            </a:r>
+            <a:endParaRPr lang="en-US" dirty="0"/>
+          </a:p>
+        </p:txBody>
+      </p:sp>
+      <p:sp>
+        <p:nvSpPr>
+          <p:cNvPr id="14" name="Rectangle 13"/>
+          <p:cNvSpPr/>
+          <p:nvPr/>
+        </p:nvSpPr>
+        <p:spPr>
+          <a:xfrm>
+            <a:off x="4572000" y="1578173"/>
+            <a:ext cx="1219200" cy="762000"/>
+          </a:xfrm>
+          <a:prstGeom prst="rect">
+            <a:avLst/>
+          </a:prstGeom>
+        </p:spPr>
+        <p:style>
+          <a:lnRef idx="2">
+            <a:schemeClr val="accent1">
+              <a:shade val="50000"/>
+            </a:schemeClr>
+          </a:lnRef>
+          <a:fillRef idx="1">
+            <a:schemeClr val="accent1"/>
+          </a:fillRef>
+          <a:effectRef idx="0">
+            <a:schemeClr val="accent1"/>
+          </a:effectRef>
+          <a:fontRef idx="minor">
+            <a:schemeClr val="lt1"/>
+          </a:fontRef>
+        </p:style>
+        <p:txBody>
+          <a:bodyPr rtlCol="0" anchor="ctr"/>
+          <a:lstStyle/>
+          <a:p>
+            <a:pPr algn="ctr"/>
+            <a:r>
+              <a:rPr lang="en-US" dirty="0" smtClean="0"/>
+              <a:t>tomcat</a:t>
+            </a:r>
+            <a:endParaRPr lang="en-US" dirty="0"/>
+          </a:p>
+        </p:txBody>
+      </p:sp>
+      <p:sp>
+        <p:nvSpPr>
+          <p:cNvPr id="15" name="TextBox 14"/>
+          <p:cNvSpPr txBox="1"/>
+          <p:nvPr/>
+        </p:nvSpPr>
+        <p:spPr>
+          <a:xfrm>
+            <a:off x="4495800" y="2340173"/>
+            <a:ext cx="1372492" cy="307777"/>
+          </a:xfrm>
+          <a:prstGeom prst="rect">
+            <a:avLst/>
+          </a:prstGeom>
+          <a:noFill/>
+        </p:spPr>
+        <p:txBody>
+          <a:bodyPr wrap="none" rtlCol="0">
+            <a:spAutoFit/>
+          </a:bodyPr>
+          <a:lstStyle/>
+          <a:p>
+            <a:r>
+              <a:rPr lang="en-US" sz="1400" dirty="0" smtClean="0"/>
+              <a:t>12.4.23.47:8080</a:t>
+            </a:r>
+            <a:endParaRPr lang="en-US" dirty="0"/>
+          </a:p>
+        </p:txBody>
+      </p:sp>
+      <p:cxnSp>
+        <p:nvCxnSpPr>
+          <p:cNvPr id="19" name="Straight Arrow Connector 18"/>
+          <p:cNvCxnSpPr>
+            <a:stCxn id="14" idx="3"/>
+            <a:endCxn id="2" idx="2"/>
+          </p:cNvCxnSpPr>
+          <p:nvPr/>
+        </p:nvCxnSpPr>
+        <p:spPr>
+          <a:xfrm flipV="1">
+            <a:off x="5791200" y="819150"/>
+            <a:ext cx="1219200" cy="1140023"/>
+          </a:xfrm>
+          <a:prstGeom prst="straightConnector1">
+            <a:avLst/>
+          </a:prstGeom>
+          <a:ln>
+            <a:tailEnd type="arrow"/>
+          </a:ln>
+        </p:spPr>
+        <p:style>
+          <a:lnRef idx="1">
+            <a:schemeClr val="accent1"/>
+          </a:lnRef>
+          <a:fillRef idx="0">
+            <a:schemeClr val="accent1"/>
+          </a:fillRef>
+          <a:effectRef idx="0">
+            <a:schemeClr val="accent1"/>
+          </a:effectRef>
+          <a:fontRef idx="minor">
+            <a:schemeClr val="tx1"/>
+          </a:fontRef>
+        </p:style>
+      </p:cxnSp>
+      <p:sp>
+        <p:nvSpPr>
+          <p:cNvPr id="21" name="Rectangle 20"/>
+          <p:cNvSpPr/>
+          <p:nvPr/>
+        </p:nvSpPr>
+        <p:spPr>
+          <a:xfrm>
+            <a:off x="2286000" y="918686"/>
+            <a:ext cx="1143000" cy="762000"/>
+          </a:xfrm>
+          <a:prstGeom prst="rect">
+            <a:avLst/>
+          </a:prstGeom>
+        </p:spPr>
+        <p:style>
+          <a:lnRef idx="2">
+            <a:schemeClr val="accent1">
+              <a:shade val="50000"/>
+            </a:schemeClr>
+          </a:lnRef>
+          <a:fillRef idx="1">
+            <a:schemeClr val="accent1"/>
+          </a:fillRef>
+          <a:effectRef idx="0">
+            <a:schemeClr val="accent1"/>
+          </a:effectRef>
+          <a:fontRef idx="minor">
+            <a:schemeClr val="lt1"/>
+          </a:fontRef>
+        </p:style>
+        <p:txBody>
+          <a:bodyPr rtlCol="0" anchor="ctr"/>
+          <a:lstStyle/>
+          <a:p>
+            <a:pPr algn="ctr"/>
+            <a:r>
+              <a:rPr lang="en-US" dirty="0" smtClean="0"/>
+              <a:t>ha-proxy</a:t>
+            </a:r>
+            <a:endParaRPr lang="en-US" dirty="0"/>
+          </a:p>
+        </p:txBody>
+      </p:sp>
+      <p:sp>
+        <p:nvSpPr>
+          <p:cNvPr id="23" name="TextBox 22"/>
+          <p:cNvSpPr txBox="1"/>
+          <p:nvPr/>
+        </p:nvSpPr>
+        <p:spPr>
+          <a:xfrm>
+            <a:off x="2286000" y="613886"/>
+            <a:ext cx="1189749" cy="307777"/>
+          </a:xfrm>
+          <a:prstGeom prst="rect">
+            <a:avLst/>
+          </a:prstGeom>
+          <a:noFill/>
+        </p:spPr>
+        <p:txBody>
+          <a:bodyPr wrap="none" rtlCol="0">
+            <a:spAutoFit/>
+          </a:bodyPr>
+          <a:lstStyle/>
+          <a:p>
+            <a:r>
+              <a:rPr lang="en-US" sz="1400" dirty="0" smtClean="0"/>
+              <a:t>12.4.23.48:80</a:t>
+            </a:r>
+            <a:endParaRPr lang="en-US" dirty="0"/>
+          </a:p>
+        </p:txBody>
+      </p:sp>
+      <p:sp>
+        <p:nvSpPr>
+          <p:cNvPr id="24" name="TextBox 23"/>
+          <p:cNvSpPr txBox="1"/>
+          <p:nvPr/>
+        </p:nvSpPr>
+        <p:spPr>
+          <a:xfrm>
+            <a:off x="2286001" y="1680686"/>
+            <a:ext cx="1904999" cy="738664"/>
+          </a:xfrm>
+          <a:prstGeom prst="rect">
+            <a:avLst/>
+          </a:prstGeom>
+          <a:noFill/>
+        </p:spPr>
+        <p:txBody>
+          <a:bodyPr wrap="square" rtlCol="0">
+            <a:spAutoFit/>
+          </a:bodyPr>
+          <a:lstStyle/>
+          <a:p>
+            <a:r>
+              <a:rPr lang="en-US" sz="1400" dirty="0" err="1" smtClean="0"/>
+              <a:t>Backends</a:t>
+            </a:r>
+            <a:r>
+              <a:rPr lang="en-US" sz="1400" dirty="0" smtClean="0"/>
+              <a:t>: round-robin</a:t>
+            </a:r>
+          </a:p>
+          <a:p>
+            <a:r>
+              <a:rPr lang="en-US" sz="1400" dirty="0" smtClean="0"/>
+              <a:t>         </a:t>
+            </a:r>
+            <a:r>
+              <a:rPr lang="en-US" sz="1400" dirty="0" smtClean="0"/>
+              <a:t>12.4.23.46:8080</a:t>
+            </a:r>
+          </a:p>
+          <a:p>
+            <a:r>
+              <a:rPr lang="en-US" sz="1400" dirty="0" smtClean="0"/>
+              <a:t>         12.4.23.47:8080</a:t>
+            </a:r>
+            <a:endParaRPr lang="en-US" dirty="0"/>
+          </a:p>
+        </p:txBody>
+      </p:sp>
+      <p:cxnSp>
+        <p:nvCxnSpPr>
+          <p:cNvPr id="28" name="Straight Arrow Connector 27"/>
+          <p:cNvCxnSpPr>
+            <a:stCxn id="21" idx="3"/>
+            <a:endCxn id="3" idx="1"/>
+          </p:cNvCxnSpPr>
+          <p:nvPr/>
+        </p:nvCxnSpPr>
+        <p:spPr>
+          <a:xfrm flipV="1">
+            <a:off x="3429000" y="819150"/>
+            <a:ext cx="1143000" cy="480536"/>
+          </a:xfrm>
+          <a:prstGeom prst="straightConnector1">
+            <a:avLst/>
+          </a:prstGeom>
+          <a:ln>
+            <a:tailEnd type="arrow"/>
+          </a:ln>
+        </p:spPr>
+        <p:style>
+          <a:lnRef idx="1">
+            <a:schemeClr val="accent1"/>
+          </a:lnRef>
+          <a:fillRef idx="0">
+            <a:schemeClr val="accent1"/>
+          </a:fillRef>
+          <a:effectRef idx="0">
+            <a:schemeClr val="accent1"/>
+          </a:effectRef>
+          <a:fontRef idx="minor">
+            <a:schemeClr val="tx1"/>
+          </a:fontRef>
+        </p:style>
+      </p:cxnSp>
+      <p:cxnSp>
+        <p:nvCxnSpPr>
+          <p:cNvPr id="30" name="Straight Arrow Connector 29"/>
+          <p:cNvCxnSpPr>
+            <a:stCxn id="21" idx="3"/>
+            <a:endCxn id="14" idx="1"/>
+          </p:cNvCxnSpPr>
+          <p:nvPr/>
+        </p:nvCxnSpPr>
+        <p:spPr>
+          <a:xfrm>
+            <a:off x="3429000" y="1299686"/>
+            <a:ext cx="1143000" cy="659487"/>
+          </a:xfrm>
+          <a:prstGeom prst="straightConnector1">
+            <a:avLst/>
+          </a:prstGeom>
+          <a:ln>
+            <a:tailEnd type="arrow"/>
+          </a:ln>
+        </p:spPr>
+        <p:style>
+          <a:lnRef idx="1">
+            <a:schemeClr val="accent1"/>
+          </a:lnRef>
+          <a:fillRef idx="0">
+            <a:schemeClr val="accent1"/>
+          </a:fillRef>
+          <a:effectRef idx="0">
+            <a:schemeClr val="accent1"/>
+          </a:effectRef>
+          <a:fontRef idx="minor">
+            <a:schemeClr val="tx1"/>
+          </a:fontRef>
+        </p:style>
+      </p:cxnSp>
+      <p:sp>
+        <p:nvSpPr>
+          <p:cNvPr id="38" name="Oval 37"/>
+          <p:cNvSpPr/>
+          <p:nvPr/>
+        </p:nvSpPr>
+        <p:spPr>
+          <a:xfrm>
+            <a:off x="914400" y="0"/>
+            <a:ext cx="914400" cy="381000"/>
+          </a:xfrm>
+          <a:prstGeom prst="ellipse">
+            <a:avLst/>
+          </a:prstGeom>
+        </p:spPr>
+        <p:style>
+          <a:lnRef idx="2">
+            <a:schemeClr val="accent1">
+              <a:shade val="50000"/>
+            </a:schemeClr>
+          </a:lnRef>
+          <a:fillRef idx="1">
+            <a:schemeClr val="accent1"/>
+          </a:fillRef>
+          <a:effectRef idx="0">
+            <a:schemeClr val="accent1"/>
+          </a:effectRef>
+          <a:fontRef idx="minor">
+            <a:schemeClr val="lt1"/>
+          </a:fontRef>
+        </p:style>
+        <p:txBody>
+          <a:bodyPr rtlCol="0" anchor="ctr"/>
+          <a:lstStyle/>
+          <a:p>
+            <a:pPr algn="ctr"/>
+            <a:r>
+              <a:rPr lang="en-US" dirty="0" err="1" smtClean="0"/>
+              <a:t>dns</a:t>
+            </a:r>
+            <a:endParaRPr lang="en-US" dirty="0"/>
+          </a:p>
+        </p:txBody>
+      </p:sp>
+      <p:sp>
+        <p:nvSpPr>
+          <p:cNvPr id="39" name="TextBox 38"/>
+          <p:cNvSpPr txBox="1"/>
+          <p:nvPr/>
+        </p:nvSpPr>
+        <p:spPr>
+          <a:xfrm>
+            <a:off x="685800" y="381000"/>
+            <a:ext cx="1568058" cy="261610"/>
+          </a:xfrm>
+          <a:prstGeom prst="rect">
+            <a:avLst/>
+          </a:prstGeom>
+          <a:noFill/>
+        </p:spPr>
+        <p:txBody>
+          <a:bodyPr wrap="none" rtlCol="0">
+            <a:spAutoFit/>
+          </a:bodyPr>
+          <a:lstStyle/>
+          <a:p>
+            <a:r>
+              <a:rPr lang="en-US" sz="1100" dirty="0" smtClean="0"/>
+              <a:t>App:80 -&gt; 12.4.23.48:80</a:t>
+            </a:r>
+            <a:endParaRPr lang="en-US" sz="1100" dirty="0"/>
+          </a:p>
+        </p:txBody>
+      </p:sp>
+      <p:sp>
+        <p:nvSpPr>
+          <p:cNvPr id="40" name="TextBox 39"/>
+          <p:cNvSpPr txBox="1"/>
+          <p:nvPr/>
+        </p:nvSpPr>
+        <p:spPr>
+          <a:xfrm>
+            <a:off x="152400" y="4183618"/>
+            <a:ext cx="835485" cy="369332"/>
+          </a:xfrm>
+          <a:prstGeom prst="rect">
+            <a:avLst/>
+          </a:prstGeom>
+          <a:noFill/>
+        </p:spPr>
+        <p:txBody>
+          <a:bodyPr wrap="none" rtlCol="0">
+            <a:spAutoFit/>
+          </a:bodyPr>
+          <a:lstStyle/>
+          <a:p>
+            <a:r>
+              <a:rPr lang="en-US" dirty="0" smtClean="0"/>
+              <a:t>app:80</a:t>
+            </a:r>
+            <a:endParaRPr lang="en-US" dirty="0"/>
+          </a:p>
+        </p:txBody>
+      </p:sp>
+      <p:cxnSp>
+        <p:nvCxnSpPr>
+          <p:cNvPr id="42" name="Straight Arrow Connector 41"/>
+          <p:cNvCxnSpPr>
+            <a:stCxn id="40" idx="3"/>
+          </p:cNvCxnSpPr>
+          <p:nvPr/>
+        </p:nvCxnSpPr>
+        <p:spPr>
+          <a:xfrm flipV="1">
+            <a:off x="987885" y="4324350"/>
+            <a:ext cx="993315" cy="43934"/>
+          </a:xfrm>
+          <a:prstGeom prst="straightConnector1">
+            <a:avLst/>
+          </a:prstGeom>
+          <a:ln>
+            <a:tailEnd type="arrow"/>
+          </a:ln>
+        </p:spPr>
+        <p:style>
+          <a:lnRef idx="1">
+            <a:schemeClr val="accent1"/>
+          </a:lnRef>
+          <a:fillRef idx="0">
+            <a:schemeClr val="accent1"/>
+          </a:fillRef>
+          <a:effectRef idx="0">
+            <a:schemeClr val="accent1"/>
+          </a:effectRef>
+          <a:fontRef idx="minor">
+            <a:schemeClr val="tx1"/>
+          </a:fontRef>
+        </p:style>
+      </p:cxnSp>
+      <p:sp>
+        <p:nvSpPr>
+          <p:cNvPr id="45" name="TextBox 44"/>
+          <p:cNvSpPr txBox="1"/>
+          <p:nvPr/>
+        </p:nvSpPr>
+        <p:spPr>
+          <a:xfrm>
+            <a:off x="990600" y="3943350"/>
+            <a:ext cx="999889" cy="307777"/>
+          </a:xfrm>
+          <a:prstGeom prst="rect">
+            <a:avLst/>
+          </a:prstGeom>
+          <a:noFill/>
+        </p:spPr>
+        <p:txBody>
+          <a:bodyPr wrap="none" rtlCol="0">
+            <a:spAutoFit/>
+          </a:bodyPr>
+          <a:lstStyle/>
+          <a:p>
+            <a:r>
+              <a:rPr lang="en-US" sz="1400" dirty="0" err="1" smtClean="0"/>
+              <a:t>Dns</a:t>
+            </a:r>
+            <a:r>
+              <a:rPr lang="en-US" sz="1400" dirty="0" smtClean="0"/>
+              <a:t> lookup</a:t>
+            </a:r>
+            <a:endParaRPr lang="en-US" dirty="0"/>
+          </a:p>
+        </p:txBody>
+      </p:sp>
+      <p:sp>
+        <p:nvSpPr>
+          <p:cNvPr id="46" name="TextBox 45"/>
+          <p:cNvSpPr txBox="1"/>
+          <p:nvPr/>
+        </p:nvSpPr>
+        <p:spPr>
+          <a:xfrm>
+            <a:off x="1981200" y="4171950"/>
+            <a:ext cx="1189749" cy="307777"/>
+          </a:xfrm>
+          <a:prstGeom prst="rect">
+            <a:avLst/>
+          </a:prstGeom>
+          <a:noFill/>
+        </p:spPr>
+        <p:txBody>
+          <a:bodyPr wrap="none" rtlCol="0">
+            <a:spAutoFit/>
+          </a:bodyPr>
+          <a:lstStyle/>
+          <a:p>
+            <a:r>
+              <a:rPr lang="en-US" sz="1400" dirty="0" smtClean="0"/>
+              <a:t>12.4.23.48:80</a:t>
+            </a:r>
+            <a:endParaRPr lang="en-US" dirty="0"/>
+          </a:p>
+        </p:txBody>
+      </p:sp>
+      <p:cxnSp>
+        <p:nvCxnSpPr>
+          <p:cNvPr id="47" name="Straight Arrow Connector 46"/>
+          <p:cNvCxnSpPr/>
+          <p:nvPr/>
+        </p:nvCxnSpPr>
+        <p:spPr>
+          <a:xfrm>
+            <a:off x="3048000" y="4292084"/>
+            <a:ext cx="1371600" cy="32266"/>
+          </a:xfrm>
+          <a:prstGeom prst="straightConnector1">
+            <a:avLst/>
+          </a:prstGeom>
+          <a:ln>
+            <a:tailEnd type="arrow"/>
+          </a:ln>
+        </p:spPr>
+        <p:style>
+          <a:lnRef idx="1">
+            <a:schemeClr val="accent1"/>
+          </a:lnRef>
+          <a:fillRef idx="0">
+            <a:schemeClr val="accent1"/>
+          </a:fillRef>
+          <a:effectRef idx="0">
+            <a:schemeClr val="accent1"/>
+          </a:effectRef>
+          <a:fontRef idx="minor">
+            <a:schemeClr val="tx1"/>
+          </a:fontRef>
+        </p:style>
+      </p:cxnSp>
+      <p:sp>
+        <p:nvSpPr>
+          <p:cNvPr id="49" name="TextBox 48"/>
+          <p:cNvSpPr txBox="1"/>
+          <p:nvPr/>
+        </p:nvSpPr>
+        <p:spPr>
+          <a:xfrm>
+            <a:off x="3276600" y="4095750"/>
+            <a:ext cx="612347" cy="276999"/>
+          </a:xfrm>
+          <a:prstGeom prst="rect">
+            <a:avLst/>
+          </a:prstGeom>
+          <a:noFill/>
+        </p:spPr>
+        <p:txBody>
+          <a:bodyPr wrap="none" rtlCol="0">
+            <a:spAutoFit/>
+          </a:bodyPr>
+          <a:lstStyle/>
+          <a:p>
+            <a:r>
+              <a:rPr lang="en-US" sz="1200" dirty="0" smtClean="0"/>
+              <a:t>lookup</a:t>
+            </a:r>
+            <a:endParaRPr lang="en-US" dirty="0"/>
+          </a:p>
+        </p:txBody>
+      </p:sp>
+      <p:sp>
+        <p:nvSpPr>
+          <p:cNvPr id="50" name="Rectangle 49"/>
+          <p:cNvSpPr/>
+          <p:nvPr/>
+        </p:nvSpPr>
+        <p:spPr>
+          <a:xfrm>
+            <a:off x="4419600" y="4171950"/>
+            <a:ext cx="1205779" cy="276999"/>
+          </a:xfrm>
+          <a:prstGeom prst="rect">
+            <a:avLst/>
+          </a:prstGeom>
+        </p:spPr>
+        <p:txBody>
+          <a:bodyPr wrap="none">
+            <a:spAutoFit/>
+          </a:bodyPr>
+          <a:lstStyle/>
+          <a:p>
+            <a:r>
+              <a:rPr lang="en-US" sz="1200" dirty="0" smtClean="0"/>
+              <a:t>12.4.23.47:8080</a:t>
+            </a:r>
+            <a:endParaRPr lang="en-US" sz="1200" dirty="0"/>
+          </a:p>
+        </p:txBody>
+      </p:sp>
+      <p:cxnSp>
+        <p:nvCxnSpPr>
+          <p:cNvPr id="52" name="Straight Arrow Connector 51"/>
+          <p:cNvCxnSpPr>
+            <a:endCxn id="15" idx="2"/>
+          </p:cNvCxnSpPr>
+          <p:nvPr/>
+        </p:nvCxnSpPr>
+        <p:spPr>
+          <a:xfrm flipV="1">
+            <a:off x="5181600" y="2647950"/>
+            <a:ext cx="446" cy="1524000"/>
+          </a:xfrm>
+          <a:prstGeom prst="straightConnector1">
+            <a:avLst/>
+          </a:prstGeom>
+          <a:ln>
+            <a:tailEnd type="arrow"/>
+          </a:ln>
+        </p:spPr>
+        <p:style>
+          <a:lnRef idx="1">
+            <a:schemeClr val="accent1"/>
+          </a:lnRef>
+          <a:fillRef idx="0">
+            <a:schemeClr val="accent1"/>
+          </a:fillRef>
+          <a:effectRef idx="0">
+            <a:schemeClr val="accent1"/>
+          </a:effectRef>
+          <a:fontRef idx="minor">
+            <a:schemeClr val="tx1"/>
+          </a:fontRef>
+        </p:style>
+      </p:cxnSp>
+      <p:sp>
+        <p:nvSpPr>
+          <p:cNvPr id="53" name="Rectangle 52"/>
+          <p:cNvSpPr/>
+          <p:nvPr/>
+        </p:nvSpPr>
+        <p:spPr>
+          <a:xfrm>
+            <a:off x="5486400" y="2724150"/>
+            <a:ext cx="1219200" cy="762000"/>
+          </a:xfrm>
+          <a:prstGeom prst="rect">
+            <a:avLst/>
+          </a:prstGeom>
+        </p:spPr>
+        <p:style>
+          <a:lnRef idx="2">
+            <a:schemeClr val="accent1">
+              <a:shade val="50000"/>
+            </a:schemeClr>
+          </a:lnRef>
+          <a:fillRef idx="1">
+            <a:schemeClr val="accent1"/>
+          </a:fillRef>
+          <a:effectRef idx="0">
+            <a:schemeClr val="accent1"/>
+          </a:effectRef>
+          <a:fontRef idx="minor">
+            <a:schemeClr val="lt1"/>
+          </a:fontRef>
+        </p:style>
+        <p:txBody>
+          <a:bodyPr rtlCol="0" anchor="ctr"/>
+          <a:lstStyle/>
+          <a:p>
+            <a:pPr algn="ctr"/>
+            <a:r>
+              <a:rPr lang="en-US" dirty="0" smtClean="0"/>
+              <a:t>tomcat</a:t>
+            </a:r>
+            <a:endParaRPr lang="en-US" dirty="0"/>
+          </a:p>
+        </p:txBody>
+      </p:sp>
+      <p:sp>
+        <p:nvSpPr>
+          <p:cNvPr id="54" name="TextBox 53"/>
+          <p:cNvSpPr txBox="1"/>
+          <p:nvPr/>
+        </p:nvSpPr>
+        <p:spPr>
+          <a:xfrm>
+            <a:off x="5410200" y="3486150"/>
+            <a:ext cx="1372492" cy="307777"/>
+          </a:xfrm>
+          <a:prstGeom prst="rect">
+            <a:avLst/>
+          </a:prstGeom>
+          <a:noFill/>
+        </p:spPr>
+        <p:txBody>
+          <a:bodyPr wrap="none" rtlCol="0">
+            <a:spAutoFit/>
+          </a:bodyPr>
+          <a:lstStyle/>
+          <a:p>
+            <a:r>
+              <a:rPr lang="en-US" sz="1400" dirty="0" smtClean="0"/>
+              <a:t>12.4.23.47:8080</a:t>
+            </a:r>
+            <a:endParaRPr lang="en-US" dirty="0"/>
+          </a:p>
+        </p:txBody>
+      </p:sp>
+    </p:spTree>
+  </p:cSld>
+  <p:clrMapOvr>
+    <a:masterClrMapping/>
+  </p:clrMapOvr>
+</p:sld>
+</file>
+
+<file path=ppt/slides/slide16.xml><?xml version="1.0" encoding="utf-8"?>
+<p:sld xmlns:a="http://schemas.openxmlformats.org/drawingml/2006/main" xmlns:r="http://schemas.openxmlformats.org/officeDocument/2006/relationships" xmlns:p="http://schemas.openxmlformats.org/presentationml/2006/main">
+  <p:cSld>
+    <p:spTree>
+      <p:nvGrpSpPr>
+        <p:cNvPr id="1" name=""/>
+        <p:cNvGrpSpPr/>
+        <p:nvPr/>
+      </p:nvGrpSpPr>
+      <p:grpSpPr>
+        <a:xfrm>
+          <a:off x="0" y="0"/>
+          <a:ext cx="0" cy="0"/>
+          <a:chOff x="0" y="0"/>
+          <a:chExt cx="0" cy="0"/>
+        </a:xfrm>
+      </p:grpSpPr>
+      <p:sp>
+        <p:nvSpPr>
+          <p:cNvPr id="2" name="Rectangle 1"/>
+          <p:cNvSpPr/>
+          <p:nvPr/>
+        </p:nvSpPr>
+        <p:spPr>
+          <a:xfrm>
+            <a:off x="4800600" y="133350"/>
+            <a:ext cx="4191000" cy="4629150"/>
+          </a:xfrm>
+          <a:prstGeom prst="rect">
+            <a:avLst/>
+          </a:prstGeom>
+          <a:noFill/>
+        </p:spPr>
+        <p:style>
+          <a:lnRef idx="2">
+            <a:schemeClr val="accent1">
+              <a:shade val="50000"/>
+            </a:schemeClr>
+          </a:lnRef>
+          <a:fillRef idx="1">
+            <a:schemeClr val="accent1"/>
+          </a:fillRef>
+          <a:effectRef idx="0">
+            <a:schemeClr val="accent1"/>
+          </a:effectRef>
+          <a:fontRef idx="minor">
+            <a:schemeClr val="lt1"/>
+          </a:fontRef>
+        </p:style>
+        <p:txBody>
+          <a:bodyPr rtlCol="0" anchor="ctr"/>
+          <a:lstStyle/>
+          <a:p>
+            <a:pPr algn="ctr"/>
+            <a:endParaRPr lang="en-US"/>
+          </a:p>
+        </p:txBody>
+      </p:sp>
+      <p:sp>
+        <p:nvSpPr>
+          <p:cNvPr id="3" name="TextBox 2"/>
+          <p:cNvSpPr txBox="1"/>
+          <p:nvPr/>
+        </p:nvSpPr>
+        <p:spPr>
+          <a:xfrm>
+            <a:off x="4876800" y="209550"/>
+            <a:ext cx="2054665" cy="307777"/>
+          </a:xfrm>
+          <a:prstGeom prst="rect">
+            <a:avLst/>
+          </a:prstGeom>
+          <a:noFill/>
+        </p:spPr>
+        <p:txBody>
+          <a:bodyPr wrap="none" rtlCol="0">
+            <a:spAutoFit/>
+          </a:bodyPr>
+          <a:lstStyle/>
+          <a:p>
+            <a:r>
+              <a:rPr lang="en-US" sz="1400" dirty="0" err="1" smtClean="0"/>
+              <a:t>Minikube</a:t>
+            </a:r>
+            <a:r>
+              <a:rPr lang="en-US" sz="1400" dirty="0" smtClean="0"/>
+              <a:t> 192.168.99.100</a:t>
+            </a:r>
+            <a:endParaRPr lang="en-US" sz="1400" dirty="0"/>
+          </a:p>
+        </p:txBody>
+      </p:sp>
+      <p:sp>
+        <p:nvSpPr>
+          <p:cNvPr id="4" name="Rectangle 3"/>
+          <p:cNvSpPr/>
+          <p:nvPr/>
+        </p:nvSpPr>
+        <p:spPr>
+          <a:xfrm>
+            <a:off x="7010400" y="819150"/>
+            <a:ext cx="1371600" cy="1676400"/>
+          </a:xfrm>
+          <a:prstGeom prst="rect">
+            <a:avLst/>
+          </a:prstGeom>
+          <a:noFill/>
+        </p:spPr>
+        <p:style>
+          <a:lnRef idx="2">
+            <a:schemeClr val="accent1">
+              <a:shade val="50000"/>
+            </a:schemeClr>
+          </a:lnRef>
+          <a:fillRef idx="1">
+            <a:schemeClr val="accent1"/>
+          </a:fillRef>
+          <a:effectRef idx="0">
+            <a:schemeClr val="accent1"/>
+          </a:effectRef>
+          <a:fontRef idx="minor">
+            <a:schemeClr val="lt1"/>
+          </a:fontRef>
+        </p:style>
+        <p:txBody>
+          <a:bodyPr rtlCol="0" anchor="ctr"/>
+          <a:lstStyle/>
+          <a:p>
+            <a:pPr algn="ctr"/>
+            <a:endParaRPr lang="en-US"/>
+          </a:p>
+        </p:txBody>
+      </p:sp>
+      <p:sp>
+        <p:nvSpPr>
+          <p:cNvPr id="5" name="Oval 4"/>
+          <p:cNvSpPr/>
+          <p:nvPr/>
+        </p:nvSpPr>
+        <p:spPr>
+          <a:xfrm>
+            <a:off x="7315200" y="1276350"/>
+            <a:ext cx="1066800" cy="1219200"/>
+          </a:xfrm>
+          <a:prstGeom prst="ellipse">
+            <a:avLst/>
+          </a:prstGeom>
+        </p:spPr>
+        <p:style>
+          <a:lnRef idx="2">
+            <a:schemeClr val="accent1">
+              <a:shade val="50000"/>
+            </a:schemeClr>
+          </a:lnRef>
+          <a:fillRef idx="1">
+            <a:schemeClr val="accent1"/>
+          </a:fillRef>
+          <a:effectRef idx="0">
+            <a:schemeClr val="accent1"/>
+          </a:effectRef>
+          <a:fontRef idx="minor">
+            <a:schemeClr val="lt1"/>
+          </a:fontRef>
+        </p:style>
+        <p:txBody>
+          <a:bodyPr rtlCol="0" anchor="ctr"/>
+          <a:lstStyle/>
+          <a:p>
+            <a:pPr algn="ctr"/>
+            <a:r>
+              <a:rPr lang="en-US" dirty="0" smtClean="0"/>
+              <a:t>aa:80(Target Port)</a:t>
+            </a:r>
+            <a:endParaRPr lang="en-US" dirty="0"/>
+          </a:p>
+        </p:txBody>
+      </p:sp>
+      <p:sp>
+        <p:nvSpPr>
+          <p:cNvPr id="6" name="Rectangle 5"/>
+          <p:cNvSpPr/>
+          <p:nvPr/>
+        </p:nvSpPr>
+        <p:spPr>
+          <a:xfrm>
+            <a:off x="7010400" y="511373"/>
+            <a:ext cx="2315249" cy="307777"/>
+          </a:xfrm>
+          <a:prstGeom prst="rect">
+            <a:avLst/>
+          </a:prstGeom>
+        </p:spPr>
+        <p:txBody>
+          <a:bodyPr wrap="none">
+            <a:spAutoFit/>
+          </a:bodyPr>
+          <a:lstStyle/>
+          <a:p>
+            <a:r>
+              <a:rPr lang="en-US" sz="1400" dirty="0" smtClean="0"/>
+              <a:t>172.17.0.9 (through selector)</a:t>
+            </a:r>
+            <a:endParaRPr lang="en-US" sz="1400" dirty="0"/>
+          </a:p>
+        </p:txBody>
+      </p:sp>
+      <p:sp>
+        <p:nvSpPr>
+          <p:cNvPr id="7" name="TextBox 6"/>
+          <p:cNvSpPr txBox="1"/>
+          <p:nvPr/>
+        </p:nvSpPr>
+        <p:spPr>
+          <a:xfrm>
+            <a:off x="0" y="0"/>
+            <a:ext cx="4762009" cy="1200329"/>
+          </a:xfrm>
+          <a:prstGeom prst="rect">
+            <a:avLst/>
+          </a:prstGeom>
+          <a:noFill/>
+        </p:spPr>
+        <p:txBody>
+          <a:bodyPr wrap="none" rtlCol="0">
+            <a:spAutoFit/>
+          </a:bodyPr>
+          <a:lstStyle/>
+          <a:p>
+            <a:r>
+              <a:rPr lang="en-US" dirty="0" smtClean="0"/>
+              <a:t>Service:</a:t>
+            </a:r>
+          </a:p>
+          <a:p>
+            <a:pPr marL="342900" indent="-342900">
+              <a:buAutoNum type="arabicPeriod"/>
+            </a:pPr>
+            <a:r>
+              <a:rPr lang="en-US" dirty="0" smtClean="0"/>
+              <a:t>(optional) expose a pod to the outside world </a:t>
+            </a:r>
+          </a:p>
+          <a:p>
+            <a:pPr marL="342900" indent="-342900">
+              <a:buAutoNum type="arabicPeriod"/>
+            </a:pPr>
+            <a:r>
+              <a:rPr lang="en-US" dirty="0" smtClean="0"/>
+              <a:t>Load balancing</a:t>
+            </a:r>
+          </a:p>
+          <a:p>
+            <a:pPr marL="342900" indent="-342900">
+              <a:buAutoNum type="arabicPeriod"/>
+            </a:pPr>
+            <a:r>
+              <a:rPr lang="en-US" dirty="0" smtClean="0"/>
+              <a:t>DNS mapping ( Service discovery)</a:t>
+            </a:r>
+            <a:endParaRPr lang="en-US" dirty="0"/>
+          </a:p>
+        </p:txBody>
+      </p:sp>
+      <p:sp>
+        <p:nvSpPr>
+          <p:cNvPr id="8" name="Rectangle 7"/>
+          <p:cNvSpPr/>
+          <p:nvPr/>
+        </p:nvSpPr>
+        <p:spPr>
+          <a:xfrm>
+            <a:off x="4267200" y="2038350"/>
+            <a:ext cx="1085746" cy="646331"/>
+          </a:xfrm>
+          <a:prstGeom prst="rect">
+            <a:avLst/>
+          </a:prstGeom>
+        </p:spPr>
+        <p:txBody>
+          <a:bodyPr wrap="none">
+            <a:spAutoFit/>
+          </a:bodyPr>
+          <a:lstStyle/>
+          <a:p>
+            <a:r>
+              <a:rPr lang="en-US" dirty="0" smtClean="0"/>
+              <a:t>31001</a:t>
+            </a:r>
+          </a:p>
+          <a:p>
+            <a:r>
+              <a:rPr lang="en-US" dirty="0" err="1" smtClean="0"/>
+              <a:t>NodePort</a:t>
+            </a:r>
+            <a:endParaRPr lang="en-US" dirty="0"/>
+          </a:p>
+        </p:txBody>
+      </p:sp>
+      <p:cxnSp>
+        <p:nvCxnSpPr>
+          <p:cNvPr id="10" name="Straight Arrow Connector 9"/>
+          <p:cNvCxnSpPr>
+            <a:endCxn id="8" idx="1"/>
+          </p:cNvCxnSpPr>
+          <p:nvPr/>
+        </p:nvCxnSpPr>
+        <p:spPr>
+          <a:xfrm flipV="1">
+            <a:off x="3124200" y="2361516"/>
+            <a:ext cx="1143000" cy="362634"/>
+          </a:xfrm>
+          <a:prstGeom prst="straightConnector1">
+            <a:avLst/>
+          </a:prstGeom>
+          <a:ln>
+            <a:tailEnd type="arrow"/>
+          </a:ln>
+        </p:spPr>
+        <p:style>
+          <a:lnRef idx="1">
+            <a:schemeClr val="accent1"/>
+          </a:lnRef>
+          <a:fillRef idx="0">
+            <a:schemeClr val="accent1"/>
+          </a:fillRef>
+          <a:effectRef idx="0">
+            <a:schemeClr val="accent1"/>
+          </a:effectRef>
+          <a:fontRef idx="minor">
+            <a:schemeClr val="tx1"/>
+          </a:fontRef>
+        </p:style>
+      </p:cxnSp>
+      <p:cxnSp>
+        <p:nvCxnSpPr>
+          <p:cNvPr id="12" name="Straight Arrow Connector 11"/>
+          <p:cNvCxnSpPr>
+            <a:stCxn id="8" idx="3"/>
+            <a:endCxn id="20" idx="1"/>
+          </p:cNvCxnSpPr>
+          <p:nvPr/>
+        </p:nvCxnSpPr>
+        <p:spPr>
+          <a:xfrm flipV="1">
+            <a:off x="5352946" y="2266950"/>
+            <a:ext cx="209654" cy="94566"/>
+          </a:xfrm>
+          <a:prstGeom prst="straightConnector1">
+            <a:avLst/>
+          </a:prstGeom>
+          <a:ln>
+            <a:tailEnd type="arrow"/>
+          </a:ln>
+        </p:spPr>
+        <p:style>
+          <a:lnRef idx="1">
+            <a:schemeClr val="accent1"/>
+          </a:lnRef>
+          <a:fillRef idx="0">
+            <a:schemeClr val="accent1"/>
+          </a:fillRef>
+          <a:effectRef idx="0">
+            <a:schemeClr val="accent1"/>
+          </a:effectRef>
+          <a:fontRef idx="minor">
+            <a:schemeClr val="tx1"/>
+          </a:fontRef>
+        </p:style>
+      </p:cxnSp>
+      <p:cxnSp>
+        <p:nvCxnSpPr>
+          <p:cNvPr id="14" name="Straight Arrow Connector 13"/>
+          <p:cNvCxnSpPr>
+            <a:endCxn id="5" idx="0"/>
+          </p:cNvCxnSpPr>
+          <p:nvPr/>
+        </p:nvCxnSpPr>
+        <p:spPr>
+          <a:xfrm>
+            <a:off x="7620000" y="819150"/>
+            <a:ext cx="228600" cy="457200"/>
+          </a:xfrm>
+          <a:prstGeom prst="straightConnector1">
+            <a:avLst/>
+          </a:prstGeom>
+          <a:ln>
+            <a:tailEnd type="arrow"/>
+          </a:ln>
+        </p:spPr>
+        <p:style>
+          <a:lnRef idx="1">
+            <a:schemeClr val="accent1"/>
+          </a:lnRef>
+          <a:fillRef idx="0">
+            <a:schemeClr val="accent1"/>
+          </a:fillRef>
+          <a:effectRef idx="0">
+            <a:schemeClr val="accent1"/>
+          </a:effectRef>
+          <a:fontRef idx="minor">
+            <a:schemeClr val="tx1"/>
+          </a:fontRef>
+        </p:style>
+      </p:cxnSp>
+      <p:sp>
+        <p:nvSpPr>
+          <p:cNvPr id="16" name="Rectangle 15"/>
+          <p:cNvSpPr/>
+          <p:nvPr/>
+        </p:nvSpPr>
+        <p:spPr>
+          <a:xfrm>
+            <a:off x="7086600" y="2952750"/>
+            <a:ext cx="1371600" cy="1676400"/>
+          </a:xfrm>
+          <a:prstGeom prst="rect">
+            <a:avLst/>
+          </a:prstGeom>
+          <a:noFill/>
+        </p:spPr>
+        <p:style>
+          <a:lnRef idx="2">
+            <a:schemeClr val="accent1">
+              <a:shade val="50000"/>
+            </a:schemeClr>
+          </a:lnRef>
+          <a:fillRef idx="1">
+            <a:schemeClr val="accent1"/>
+          </a:fillRef>
+          <a:effectRef idx="0">
+            <a:schemeClr val="accent1"/>
+          </a:effectRef>
+          <a:fontRef idx="minor">
+            <a:schemeClr val="lt1"/>
+          </a:fontRef>
+        </p:style>
+        <p:txBody>
+          <a:bodyPr rtlCol="0" anchor="ctr"/>
+          <a:lstStyle/>
+          <a:p>
+            <a:pPr algn="ctr"/>
+            <a:endParaRPr lang="en-US"/>
+          </a:p>
+        </p:txBody>
+      </p:sp>
+      <p:sp>
+        <p:nvSpPr>
+          <p:cNvPr id="17" name="Oval 16"/>
+          <p:cNvSpPr/>
+          <p:nvPr/>
+        </p:nvSpPr>
+        <p:spPr>
+          <a:xfrm>
+            <a:off x="7391400" y="3409950"/>
+            <a:ext cx="1066800" cy="1219200"/>
+          </a:xfrm>
+          <a:prstGeom prst="ellipse">
+            <a:avLst/>
+          </a:prstGeom>
+        </p:spPr>
+        <p:style>
+          <a:lnRef idx="2">
+            <a:schemeClr val="accent1">
+              <a:shade val="50000"/>
+            </a:schemeClr>
+          </a:lnRef>
+          <a:fillRef idx="1">
+            <a:schemeClr val="accent1"/>
+          </a:fillRef>
+          <a:effectRef idx="0">
+            <a:schemeClr val="accent1"/>
+          </a:effectRef>
+          <a:fontRef idx="minor">
+            <a:schemeClr val="lt1"/>
+          </a:fontRef>
+        </p:style>
+        <p:txBody>
+          <a:bodyPr rtlCol="0" anchor="ctr"/>
+          <a:lstStyle/>
+          <a:p>
+            <a:pPr algn="ctr"/>
+            <a:r>
+              <a:rPr lang="en-US" dirty="0" smtClean="0"/>
+              <a:t>aa:80(Target Port)</a:t>
+            </a:r>
+            <a:endParaRPr lang="en-US" dirty="0"/>
+          </a:p>
+        </p:txBody>
+      </p:sp>
+      <p:sp>
+        <p:nvSpPr>
+          <p:cNvPr id="18" name="Rectangle 17"/>
+          <p:cNvSpPr/>
+          <p:nvPr/>
+        </p:nvSpPr>
+        <p:spPr>
+          <a:xfrm>
+            <a:off x="7086600" y="2644973"/>
+            <a:ext cx="2312043" cy="307777"/>
+          </a:xfrm>
+          <a:prstGeom prst="rect">
+            <a:avLst/>
+          </a:prstGeom>
+        </p:spPr>
+        <p:txBody>
+          <a:bodyPr wrap="none">
+            <a:spAutoFit/>
+          </a:bodyPr>
+          <a:lstStyle/>
+          <a:p>
+            <a:r>
+              <a:rPr lang="en-US" sz="1400" dirty="0" smtClean="0"/>
+              <a:t>172.17.0.10(through selector</a:t>
+            </a:r>
+            <a:endParaRPr lang="en-US" sz="1400" dirty="0"/>
+          </a:p>
+        </p:txBody>
+      </p:sp>
+      <p:cxnSp>
+        <p:nvCxnSpPr>
+          <p:cNvPr id="19" name="Straight Arrow Connector 18"/>
+          <p:cNvCxnSpPr>
+            <a:endCxn id="17" idx="0"/>
+          </p:cNvCxnSpPr>
+          <p:nvPr/>
+        </p:nvCxnSpPr>
+        <p:spPr>
+          <a:xfrm>
+            <a:off x="7696200" y="2952750"/>
+            <a:ext cx="228600" cy="457200"/>
+          </a:xfrm>
+          <a:prstGeom prst="straightConnector1">
+            <a:avLst/>
+          </a:prstGeom>
+          <a:ln>
+            <a:tailEnd type="arrow"/>
+          </a:ln>
+        </p:spPr>
+        <p:style>
+          <a:lnRef idx="1">
+            <a:schemeClr val="accent1"/>
+          </a:lnRef>
+          <a:fillRef idx="0">
+            <a:schemeClr val="accent1"/>
+          </a:fillRef>
+          <a:effectRef idx="0">
+            <a:schemeClr val="accent1"/>
+          </a:effectRef>
+          <a:fontRef idx="minor">
+            <a:schemeClr val="tx1"/>
+          </a:fontRef>
+        </p:style>
+      </p:cxnSp>
+      <p:sp>
+        <p:nvSpPr>
+          <p:cNvPr id="20" name="Rectangle 19"/>
+          <p:cNvSpPr/>
+          <p:nvPr/>
+        </p:nvSpPr>
+        <p:spPr>
+          <a:xfrm>
+            <a:off x="5562600" y="1885950"/>
+            <a:ext cx="1066800" cy="762000"/>
+          </a:xfrm>
+          <a:prstGeom prst="rect">
+            <a:avLst/>
+          </a:prstGeom>
+        </p:spPr>
+        <p:style>
+          <a:lnRef idx="2">
+            <a:schemeClr val="accent1">
+              <a:shade val="50000"/>
+            </a:schemeClr>
+          </a:lnRef>
+          <a:fillRef idx="1">
+            <a:schemeClr val="accent1"/>
+          </a:fillRef>
+          <a:effectRef idx="0">
+            <a:schemeClr val="accent1"/>
+          </a:effectRef>
+          <a:fontRef idx="minor">
+            <a:schemeClr val="lt1"/>
+          </a:fontRef>
+        </p:style>
+        <p:txBody>
+          <a:bodyPr rtlCol="0" anchor="ctr"/>
+          <a:lstStyle/>
+          <a:p>
+            <a:pPr algn="ctr"/>
+            <a:endParaRPr lang="en-US"/>
+          </a:p>
+        </p:txBody>
+      </p:sp>
+      <p:sp>
+        <p:nvSpPr>
+          <p:cNvPr id="21" name="TextBox 20"/>
+          <p:cNvSpPr txBox="1"/>
+          <p:nvPr/>
+        </p:nvSpPr>
+        <p:spPr>
+          <a:xfrm>
+            <a:off x="5630165" y="1504950"/>
+            <a:ext cx="850041" cy="369332"/>
+          </a:xfrm>
+          <a:prstGeom prst="rect">
+            <a:avLst/>
+          </a:prstGeom>
+          <a:noFill/>
+        </p:spPr>
+        <p:txBody>
+          <a:bodyPr wrap="none" rtlCol="0">
+            <a:spAutoFit/>
+          </a:bodyPr>
+          <a:lstStyle/>
+          <a:p>
+            <a:r>
+              <a:rPr lang="en-US" dirty="0" smtClean="0"/>
+              <a:t>Hw-svc</a:t>
+            </a:r>
+            <a:endParaRPr lang="en-US" dirty="0"/>
+          </a:p>
+        </p:txBody>
+      </p:sp>
+      <p:cxnSp>
+        <p:nvCxnSpPr>
+          <p:cNvPr id="23" name="Straight Arrow Connector 22"/>
+          <p:cNvCxnSpPr>
+            <a:stCxn id="20" idx="3"/>
+            <a:endCxn id="6" idx="1"/>
+          </p:cNvCxnSpPr>
+          <p:nvPr/>
+        </p:nvCxnSpPr>
+        <p:spPr>
+          <a:xfrm flipV="1">
+            <a:off x="6629400" y="665262"/>
+            <a:ext cx="381000" cy="1601688"/>
+          </a:xfrm>
+          <a:prstGeom prst="straightConnector1">
+            <a:avLst/>
+          </a:prstGeom>
+          <a:ln>
+            <a:tailEnd type="arrow"/>
+          </a:ln>
+        </p:spPr>
+        <p:style>
+          <a:lnRef idx="1">
+            <a:schemeClr val="accent1"/>
+          </a:lnRef>
+          <a:fillRef idx="0">
+            <a:schemeClr val="accent1"/>
+          </a:fillRef>
+          <a:effectRef idx="0">
+            <a:schemeClr val="accent1"/>
+          </a:effectRef>
+          <a:fontRef idx="minor">
+            <a:schemeClr val="tx1"/>
+          </a:fontRef>
+        </p:style>
+      </p:cxnSp>
+      <p:cxnSp>
+        <p:nvCxnSpPr>
+          <p:cNvPr id="25" name="Straight Arrow Connector 24"/>
+          <p:cNvCxnSpPr>
+            <a:stCxn id="20" idx="3"/>
+            <a:endCxn id="18" idx="1"/>
+          </p:cNvCxnSpPr>
+          <p:nvPr/>
+        </p:nvCxnSpPr>
+        <p:spPr>
+          <a:xfrm>
+            <a:off x="6629400" y="2266950"/>
+            <a:ext cx="457200" cy="531912"/>
+          </a:xfrm>
+          <a:prstGeom prst="straightConnector1">
+            <a:avLst/>
+          </a:prstGeom>
+          <a:ln>
+            <a:tailEnd type="arrow"/>
+          </a:ln>
+        </p:spPr>
+        <p:style>
+          <a:lnRef idx="1">
+            <a:schemeClr val="accent1"/>
+          </a:lnRef>
+          <a:fillRef idx="0">
+            <a:schemeClr val="accent1"/>
+          </a:fillRef>
+          <a:effectRef idx="0">
+            <a:schemeClr val="accent1"/>
+          </a:effectRef>
+          <a:fontRef idx="minor">
+            <a:schemeClr val="tx1"/>
+          </a:fontRef>
+        </p:style>
+      </p:cxnSp>
+      <p:sp>
+        <p:nvSpPr>
+          <p:cNvPr id="26" name="Rectangle 25"/>
+          <p:cNvSpPr/>
+          <p:nvPr/>
+        </p:nvSpPr>
+        <p:spPr>
+          <a:xfrm>
+            <a:off x="5334000" y="2687419"/>
+            <a:ext cx="1601464" cy="646331"/>
+          </a:xfrm>
+          <a:prstGeom prst="rect">
+            <a:avLst/>
+          </a:prstGeom>
+        </p:spPr>
+        <p:txBody>
+          <a:bodyPr wrap="none">
+            <a:spAutoFit/>
+          </a:bodyPr>
+          <a:lstStyle/>
+          <a:p>
+            <a:r>
+              <a:rPr lang="en-US" sz="1200" dirty="0" smtClean="0"/>
+              <a:t>10.98.220.82:8888</a:t>
+            </a:r>
+          </a:p>
+          <a:p>
+            <a:r>
+              <a:rPr lang="en-US" sz="1200" dirty="0" smtClean="0"/>
+              <a:t>IP:PORT</a:t>
+            </a:r>
+          </a:p>
+          <a:p>
+            <a:r>
+              <a:rPr lang="en-US" sz="1200" dirty="0" smtClean="0"/>
+              <a:t>Service IP: service Port</a:t>
+            </a:r>
+            <a:endParaRPr lang="en-US" sz="1200" dirty="0"/>
+          </a:p>
+        </p:txBody>
+      </p:sp>
+    </p:spTree>
+  </p:cSld>
+  <p:clrMapOvr>
+    <a:masterClrMapping/>
+  </p:clrMapOvr>
+</p:sld>
+</file>
+
+<file path=ppt/slides/slide17.xml><?xml version="1.0" encoding="utf-8"?>
+<p:sld xmlns:a="http://schemas.openxmlformats.org/drawingml/2006/main" xmlns:r="http://schemas.openxmlformats.org/officeDocument/2006/relationships" xmlns:p="http://schemas.openxmlformats.org/presentationml/2006/main">
+  <p:cSld>
+    <p:spTree>
+      <p:nvGrpSpPr>
+        <p:cNvPr id="1" name=""/>
+        <p:cNvGrpSpPr/>
+        <p:nvPr/>
+      </p:nvGrpSpPr>
+      <p:grpSpPr>
+        <a:xfrm>
+          <a:off x="0" y="0"/>
+          <a:ext cx="0" cy="0"/>
+          <a:chOff x="0" y="0"/>
+          <a:chExt cx="0" cy="0"/>
+        </a:xfrm>
+      </p:grpSpPr>
+      <p:sp>
+        <p:nvSpPr>
+          <p:cNvPr id="2" name="Rectangle 1"/>
+          <p:cNvSpPr/>
+          <p:nvPr/>
+        </p:nvSpPr>
+        <p:spPr>
+          <a:xfrm>
+            <a:off x="1143000" y="133350"/>
+            <a:ext cx="7848600" cy="4629150"/>
+          </a:xfrm>
+          <a:prstGeom prst="rect">
+            <a:avLst/>
+          </a:prstGeom>
+          <a:noFill/>
+        </p:spPr>
+        <p:style>
+          <a:lnRef idx="2">
+            <a:schemeClr val="accent1">
+              <a:shade val="50000"/>
+            </a:schemeClr>
+          </a:lnRef>
+          <a:fillRef idx="1">
+            <a:schemeClr val="accent1"/>
+          </a:fillRef>
+          <a:effectRef idx="0">
+            <a:schemeClr val="accent1"/>
+          </a:effectRef>
+          <a:fontRef idx="minor">
+            <a:schemeClr val="lt1"/>
+          </a:fontRef>
+        </p:style>
+        <p:txBody>
+          <a:bodyPr rtlCol="0" anchor="ctr"/>
+          <a:lstStyle/>
+          <a:p>
+            <a:pPr algn="ctr"/>
+            <a:endParaRPr lang="en-US"/>
+          </a:p>
+        </p:txBody>
+      </p:sp>
+      <p:sp>
+        <p:nvSpPr>
+          <p:cNvPr id="3" name="TextBox 2"/>
+          <p:cNvSpPr txBox="1"/>
+          <p:nvPr/>
+        </p:nvSpPr>
+        <p:spPr>
+          <a:xfrm>
+            <a:off x="1219200" y="285750"/>
+            <a:ext cx="2054665" cy="307777"/>
+          </a:xfrm>
+          <a:prstGeom prst="rect">
+            <a:avLst/>
+          </a:prstGeom>
+          <a:noFill/>
+        </p:spPr>
+        <p:txBody>
+          <a:bodyPr wrap="none" rtlCol="0">
+            <a:spAutoFit/>
+          </a:bodyPr>
+          <a:lstStyle/>
+          <a:p>
+            <a:r>
+              <a:rPr lang="en-US" sz="1400" dirty="0" err="1" smtClean="0"/>
+              <a:t>Minikube</a:t>
+            </a:r>
+            <a:r>
+              <a:rPr lang="en-US" sz="1400" dirty="0" smtClean="0"/>
+              <a:t> 192.168.99.100</a:t>
+            </a:r>
+            <a:endParaRPr lang="en-US" sz="1400" dirty="0"/>
+          </a:p>
+        </p:txBody>
+      </p:sp>
+      <p:sp>
+        <p:nvSpPr>
+          <p:cNvPr id="4" name="Rectangle 3"/>
+          <p:cNvSpPr/>
+          <p:nvPr/>
+        </p:nvSpPr>
+        <p:spPr>
+          <a:xfrm>
+            <a:off x="1524000" y="2495550"/>
+            <a:ext cx="1371600" cy="1676400"/>
+          </a:xfrm>
+          <a:prstGeom prst="rect">
+            <a:avLst/>
+          </a:prstGeom>
+          <a:noFill/>
+        </p:spPr>
+        <p:style>
+          <a:lnRef idx="2">
+            <a:schemeClr val="accent1">
+              <a:shade val="50000"/>
+            </a:schemeClr>
+          </a:lnRef>
+          <a:fillRef idx="1">
+            <a:schemeClr val="accent1"/>
+          </a:fillRef>
+          <a:effectRef idx="0">
+            <a:schemeClr val="accent1"/>
+          </a:effectRef>
+          <a:fontRef idx="minor">
+            <a:schemeClr val="lt1"/>
+          </a:fontRef>
+        </p:style>
+        <p:txBody>
+          <a:bodyPr rtlCol="0" anchor="ctr"/>
+          <a:lstStyle/>
+          <a:p>
+            <a:pPr algn="ctr"/>
+            <a:endParaRPr lang="en-US"/>
+          </a:p>
+        </p:txBody>
+      </p:sp>
+      <p:sp>
+        <p:nvSpPr>
+          <p:cNvPr id="5" name="Oval 4"/>
+          <p:cNvSpPr/>
+          <p:nvPr/>
+        </p:nvSpPr>
+        <p:spPr>
+          <a:xfrm>
+            <a:off x="1600200" y="2571750"/>
+            <a:ext cx="1219200" cy="1371600"/>
+          </a:xfrm>
+          <a:prstGeom prst="ellipse">
+            <a:avLst/>
+          </a:prstGeom>
+        </p:spPr>
+        <p:style>
+          <a:lnRef idx="2">
+            <a:schemeClr val="accent1">
+              <a:shade val="50000"/>
+            </a:schemeClr>
+          </a:lnRef>
+          <a:fillRef idx="1">
+            <a:schemeClr val="accent1"/>
+          </a:fillRef>
+          <a:effectRef idx="0">
+            <a:schemeClr val="accent1"/>
+          </a:effectRef>
+          <a:fontRef idx="minor">
+            <a:schemeClr val="lt1"/>
+          </a:fontRef>
+        </p:style>
+        <p:txBody>
+          <a:bodyPr rtlCol="0" anchor="ctr"/>
+          <a:lstStyle/>
+          <a:p>
+            <a:pPr algn="ctr"/>
+            <a:r>
+              <a:rPr lang="en-US" sz="1400" dirty="0" smtClean="0"/>
+              <a:t>Ghost:1-alpine</a:t>
+            </a:r>
+          </a:p>
+          <a:p>
+            <a:pPr algn="ctr"/>
+            <a:r>
+              <a:rPr lang="en-US" sz="1400" dirty="0" smtClean="0"/>
+              <a:t>Host:db-svc:8888</a:t>
+            </a:r>
+          </a:p>
+          <a:p>
+            <a:pPr algn="ctr"/>
+            <a:endParaRPr lang="en-US" sz="1400" dirty="0"/>
+          </a:p>
+        </p:txBody>
+      </p:sp>
+      <p:sp>
+        <p:nvSpPr>
+          <p:cNvPr id="6" name="Rectangle 5"/>
+          <p:cNvSpPr/>
+          <p:nvPr/>
+        </p:nvSpPr>
+        <p:spPr>
+          <a:xfrm>
+            <a:off x="1524000" y="2187773"/>
+            <a:ext cx="958917" cy="307777"/>
+          </a:xfrm>
+          <a:prstGeom prst="rect">
+            <a:avLst/>
+          </a:prstGeom>
+        </p:spPr>
+        <p:txBody>
+          <a:bodyPr wrap="none">
+            <a:spAutoFit/>
+          </a:bodyPr>
+          <a:lstStyle/>
+          <a:p>
+            <a:r>
+              <a:rPr lang="en-US" sz="1400" dirty="0" smtClean="0"/>
+              <a:t>172.17.0.9</a:t>
+            </a:r>
+            <a:endParaRPr lang="en-US" sz="1400" dirty="0"/>
+          </a:p>
+        </p:txBody>
+      </p:sp>
+      <p:sp>
+        <p:nvSpPr>
+          <p:cNvPr id="7" name="Rectangle 6"/>
+          <p:cNvSpPr/>
+          <p:nvPr/>
+        </p:nvSpPr>
+        <p:spPr>
+          <a:xfrm>
+            <a:off x="4800600" y="2571750"/>
+            <a:ext cx="1371600" cy="1676400"/>
+          </a:xfrm>
+          <a:prstGeom prst="rect">
+            <a:avLst/>
+          </a:prstGeom>
+          <a:noFill/>
+        </p:spPr>
+        <p:style>
+          <a:lnRef idx="2">
+            <a:schemeClr val="accent1">
+              <a:shade val="50000"/>
+            </a:schemeClr>
+          </a:lnRef>
+          <a:fillRef idx="1">
+            <a:schemeClr val="accent1"/>
+          </a:fillRef>
+          <a:effectRef idx="0">
+            <a:schemeClr val="accent1"/>
+          </a:effectRef>
+          <a:fontRef idx="minor">
+            <a:schemeClr val="lt1"/>
+          </a:fontRef>
+        </p:style>
+        <p:txBody>
+          <a:bodyPr rtlCol="0" anchor="ctr"/>
+          <a:lstStyle/>
+          <a:p>
+            <a:pPr algn="ctr"/>
+            <a:endParaRPr lang="en-US"/>
+          </a:p>
+        </p:txBody>
+      </p:sp>
+      <p:sp>
+        <p:nvSpPr>
+          <p:cNvPr id="8" name="Oval 7"/>
+          <p:cNvSpPr/>
+          <p:nvPr/>
+        </p:nvSpPr>
+        <p:spPr>
+          <a:xfrm>
+            <a:off x="4953000" y="2800350"/>
+            <a:ext cx="1066800" cy="1219200"/>
+          </a:xfrm>
+          <a:prstGeom prst="ellipse">
+            <a:avLst/>
+          </a:prstGeom>
+        </p:spPr>
+        <p:style>
+          <a:lnRef idx="2">
+            <a:schemeClr val="accent1">
+              <a:shade val="50000"/>
+            </a:schemeClr>
+          </a:lnRef>
+          <a:fillRef idx="1">
+            <a:schemeClr val="accent1"/>
+          </a:fillRef>
+          <a:effectRef idx="0">
+            <a:schemeClr val="accent1"/>
+          </a:effectRef>
+          <a:fontRef idx="minor">
+            <a:schemeClr val="lt1"/>
+          </a:fontRef>
+        </p:style>
+        <p:txBody>
+          <a:bodyPr rtlCol="0" anchor="ctr"/>
+          <a:lstStyle/>
+          <a:p>
+            <a:pPr algn="ctr"/>
+            <a:r>
+              <a:rPr lang="en-US" sz="1400" dirty="0" smtClean="0"/>
+              <a:t>Mysql:5.7</a:t>
+            </a:r>
+          </a:p>
+          <a:p>
+            <a:pPr algn="ctr"/>
+            <a:r>
+              <a:rPr lang="en-US" sz="1400" dirty="0" smtClean="0"/>
+              <a:t>3306</a:t>
+            </a:r>
+            <a:endParaRPr lang="en-US" sz="1400" dirty="0"/>
+          </a:p>
+        </p:txBody>
+      </p:sp>
+      <p:sp>
+        <p:nvSpPr>
+          <p:cNvPr id="9" name="Rectangle 8"/>
+          <p:cNvSpPr/>
+          <p:nvPr/>
+        </p:nvSpPr>
+        <p:spPr>
+          <a:xfrm>
+            <a:off x="4800600" y="2263973"/>
+            <a:ext cx="1050288" cy="307777"/>
+          </a:xfrm>
+          <a:prstGeom prst="rect">
+            <a:avLst/>
+          </a:prstGeom>
+        </p:spPr>
+        <p:txBody>
+          <a:bodyPr wrap="none">
+            <a:spAutoFit/>
+          </a:bodyPr>
+          <a:lstStyle/>
+          <a:p>
+            <a:r>
+              <a:rPr lang="en-US" sz="1400" dirty="0" smtClean="0"/>
+              <a:t>172.17.0.10</a:t>
+            </a:r>
+            <a:endParaRPr lang="en-US" sz="1400" dirty="0"/>
+          </a:p>
+        </p:txBody>
+      </p:sp>
+      <p:sp>
+        <p:nvSpPr>
+          <p:cNvPr id="10" name="TextBox 9"/>
+          <p:cNvSpPr txBox="1"/>
+          <p:nvPr/>
+        </p:nvSpPr>
+        <p:spPr>
+          <a:xfrm>
+            <a:off x="4876800" y="1657350"/>
+            <a:ext cx="1314912" cy="369332"/>
+          </a:xfrm>
+          <a:prstGeom prst="rect">
+            <a:avLst/>
+          </a:prstGeom>
+          <a:noFill/>
+        </p:spPr>
+        <p:txBody>
+          <a:bodyPr wrap="none" rtlCol="0">
+            <a:spAutoFit/>
+          </a:bodyPr>
+          <a:lstStyle/>
+          <a:p>
+            <a:r>
+              <a:rPr lang="en-US" dirty="0" smtClean="0"/>
+              <a:t>db-svc:8888</a:t>
+            </a:r>
+            <a:endParaRPr lang="en-US" dirty="0"/>
+          </a:p>
+        </p:txBody>
+      </p:sp>
+      <p:cxnSp>
+        <p:nvCxnSpPr>
+          <p:cNvPr id="12" name="Straight Arrow Connector 11"/>
+          <p:cNvCxnSpPr>
+            <a:stCxn id="10" idx="2"/>
+            <a:endCxn id="9" idx="0"/>
+          </p:cNvCxnSpPr>
+          <p:nvPr/>
+        </p:nvCxnSpPr>
+        <p:spPr>
+          <a:xfrm flipH="1">
+            <a:off x="5325744" y="2026682"/>
+            <a:ext cx="208512" cy="237291"/>
+          </a:xfrm>
+          <a:prstGeom prst="straightConnector1">
+            <a:avLst/>
+          </a:prstGeom>
+          <a:ln>
+            <a:tailEnd type="arrow"/>
+          </a:ln>
+        </p:spPr>
+        <p:style>
+          <a:lnRef idx="1">
+            <a:schemeClr val="accent1"/>
+          </a:lnRef>
+          <a:fillRef idx="0">
+            <a:schemeClr val="accent1"/>
+          </a:fillRef>
+          <a:effectRef idx="0">
+            <a:schemeClr val="accent1"/>
+          </a:effectRef>
+          <a:fontRef idx="minor">
+            <a:schemeClr val="tx1"/>
+          </a:fontRef>
+        </p:style>
+      </p:cxnSp>
+      <p:sp>
+        <p:nvSpPr>
+          <p:cNvPr id="13" name="TextBox 12"/>
+          <p:cNvSpPr txBox="1"/>
+          <p:nvPr/>
+        </p:nvSpPr>
+        <p:spPr>
+          <a:xfrm>
+            <a:off x="1600200" y="1657350"/>
+            <a:ext cx="1057469" cy="369332"/>
+          </a:xfrm>
+          <a:prstGeom prst="rect">
+            <a:avLst/>
+          </a:prstGeom>
+          <a:noFill/>
+        </p:spPr>
+        <p:txBody>
+          <a:bodyPr wrap="none" rtlCol="0">
+            <a:spAutoFit/>
+          </a:bodyPr>
+          <a:lstStyle/>
+          <a:p>
+            <a:r>
+              <a:rPr lang="en-US" dirty="0" smtClean="0"/>
+              <a:t>ghost-svc</a:t>
+            </a:r>
+            <a:endParaRPr lang="en-US" dirty="0"/>
+          </a:p>
+        </p:txBody>
+      </p:sp>
+      <p:cxnSp>
+        <p:nvCxnSpPr>
+          <p:cNvPr id="15" name="Straight Arrow Connector 14"/>
+          <p:cNvCxnSpPr>
+            <a:stCxn id="13" idx="2"/>
+          </p:cNvCxnSpPr>
+          <p:nvPr/>
+        </p:nvCxnSpPr>
+        <p:spPr>
+          <a:xfrm>
+            <a:off x="2128935" y="2026682"/>
+            <a:ext cx="4665" cy="164068"/>
+          </a:xfrm>
+          <a:prstGeom prst="straightConnector1">
+            <a:avLst/>
+          </a:prstGeom>
+          <a:ln>
+            <a:tailEnd type="arrow"/>
+          </a:ln>
+        </p:spPr>
+        <p:style>
+          <a:lnRef idx="1">
+            <a:schemeClr val="accent1"/>
+          </a:lnRef>
+          <a:fillRef idx="0">
+            <a:schemeClr val="accent1"/>
+          </a:fillRef>
+          <a:effectRef idx="0">
+            <a:schemeClr val="accent1"/>
+          </a:effectRef>
+          <a:fontRef idx="minor">
+            <a:schemeClr val="tx1"/>
+          </a:fontRef>
+        </p:style>
+      </p:cxnSp>
+      <p:cxnSp>
+        <p:nvCxnSpPr>
+          <p:cNvPr id="17" name="Straight Arrow Connector 16"/>
+          <p:cNvCxnSpPr>
+            <a:stCxn id="13" idx="1"/>
+          </p:cNvCxnSpPr>
+          <p:nvPr/>
+        </p:nvCxnSpPr>
+        <p:spPr>
+          <a:xfrm flipH="1">
+            <a:off x="762000" y="1842016"/>
+            <a:ext cx="838200" cy="43934"/>
+          </a:xfrm>
+          <a:prstGeom prst="straightConnector1">
+            <a:avLst/>
+          </a:prstGeom>
+          <a:ln>
+            <a:tailEnd type="arrow"/>
+          </a:ln>
+        </p:spPr>
+        <p:style>
+          <a:lnRef idx="1">
+            <a:schemeClr val="accent1"/>
+          </a:lnRef>
+          <a:fillRef idx="0">
+            <a:schemeClr val="accent1"/>
+          </a:fillRef>
+          <a:effectRef idx="0">
+            <a:schemeClr val="accent1"/>
+          </a:effectRef>
+          <a:fontRef idx="minor">
+            <a:schemeClr val="tx1"/>
+          </a:fontRef>
+        </p:style>
+      </p:cxnSp>
+      <p:sp>
+        <p:nvSpPr>
+          <p:cNvPr id="18" name="TextBox 17"/>
+          <p:cNvSpPr txBox="1"/>
+          <p:nvPr/>
+        </p:nvSpPr>
+        <p:spPr>
+          <a:xfrm>
+            <a:off x="830437" y="1733550"/>
+            <a:ext cx="769763" cy="369332"/>
+          </a:xfrm>
+          <a:prstGeom prst="rect">
+            <a:avLst/>
+          </a:prstGeom>
+          <a:noFill/>
+        </p:spPr>
+        <p:txBody>
+          <a:bodyPr wrap="none" rtlCol="0">
+            <a:spAutoFit/>
+          </a:bodyPr>
+          <a:lstStyle/>
+          <a:p>
+            <a:r>
+              <a:rPr lang="en-US" dirty="0" smtClean="0"/>
+              <a:t>32023</a:t>
+            </a:r>
+            <a:endParaRPr lang="en-US" dirty="0"/>
+          </a:p>
+        </p:txBody>
+      </p:sp>
+    </p:spTree>
+  </p:cSld>
+  <p:clrMapOvr>
+    <a:masterClrMapping/>
+  </p:clrMapOvr>
+</p:sld>
+</file>
+
+<file path=ppt/slides/slide18.xml><?xml version="1.0" encoding="utf-8"?>
+<p:sld xmlns:a="http://schemas.openxmlformats.org/drawingml/2006/main" xmlns:r="http://schemas.openxmlformats.org/officeDocument/2006/relationships" xmlns:p="http://schemas.openxmlformats.org/presentationml/2006/main">
+  <p:cSld>
+    <p:spTree>
+      <p:nvGrpSpPr>
+        <p:cNvPr id="1" name=""/>
+        <p:cNvGrpSpPr/>
+        <p:nvPr/>
+      </p:nvGrpSpPr>
+      <p:grpSpPr>
+        <a:xfrm>
+          <a:off x="0" y="0"/>
+          <a:ext cx="0" cy="0"/>
+          <a:chOff x="0" y="0"/>
+          <a:chExt cx="0" cy="0"/>
+        </a:xfrm>
+      </p:grpSpPr>
+      <p:sp>
+        <p:nvSpPr>
+          <p:cNvPr id="2" name="Rectangle 1"/>
+          <p:cNvSpPr/>
+          <p:nvPr/>
+        </p:nvSpPr>
+        <p:spPr>
+          <a:xfrm>
+            <a:off x="4648200" y="590550"/>
+            <a:ext cx="2362200" cy="1981200"/>
+          </a:xfrm>
+          <a:prstGeom prst="rect">
+            <a:avLst/>
+          </a:prstGeom>
+          <a:noFill/>
+        </p:spPr>
+        <p:style>
+          <a:lnRef idx="2">
+            <a:schemeClr val="accent1">
+              <a:shade val="50000"/>
+            </a:schemeClr>
+          </a:lnRef>
+          <a:fillRef idx="1">
+            <a:schemeClr val="accent1"/>
+          </a:fillRef>
+          <a:effectRef idx="0">
+            <a:schemeClr val="accent1"/>
+          </a:effectRef>
+          <a:fontRef idx="minor">
+            <a:schemeClr val="lt1"/>
+          </a:fontRef>
+        </p:style>
+        <p:txBody>
+          <a:bodyPr rtlCol="0" anchor="ctr"/>
+          <a:lstStyle/>
+          <a:p>
+            <a:pPr algn="ctr"/>
+            <a:endParaRPr lang="en-US"/>
+          </a:p>
+        </p:txBody>
+      </p:sp>
+      <p:sp>
+        <p:nvSpPr>
+          <p:cNvPr id="3" name="Rectangle 2"/>
+          <p:cNvSpPr/>
+          <p:nvPr/>
+        </p:nvSpPr>
+        <p:spPr>
+          <a:xfrm>
+            <a:off x="6477000" y="3311723"/>
+            <a:ext cx="2362200" cy="1524000"/>
+          </a:xfrm>
+          <a:prstGeom prst="rect">
+            <a:avLst/>
+          </a:prstGeom>
+          <a:noFill/>
+        </p:spPr>
+        <p:style>
+          <a:lnRef idx="2">
+            <a:schemeClr val="accent1">
+              <a:shade val="50000"/>
+            </a:schemeClr>
+          </a:lnRef>
+          <a:fillRef idx="1">
+            <a:schemeClr val="accent1"/>
+          </a:fillRef>
+          <a:effectRef idx="0">
+            <a:schemeClr val="accent1"/>
+          </a:effectRef>
+          <a:fontRef idx="minor">
+            <a:schemeClr val="lt1"/>
+          </a:fontRef>
+        </p:style>
+        <p:txBody>
+          <a:bodyPr rtlCol="0" anchor="ctr"/>
+          <a:lstStyle/>
+          <a:p>
+            <a:pPr algn="ctr"/>
+            <a:endParaRPr lang="en-US"/>
+          </a:p>
+        </p:txBody>
+      </p:sp>
+      <p:sp>
+        <p:nvSpPr>
+          <p:cNvPr id="4" name="Rectangle 3"/>
+          <p:cNvSpPr/>
+          <p:nvPr/>
+        </p:nvSpPr>
+        <p:spPr>
+          <a:xfrm>
+            <a:off x="3048000" y="3311723"/>
+            <a:ext cx="2362200" cy="1524000"/>
+          </a:xfrm>
+          <a:prstGeom prst="rect">
+            <a:avLst/>
+          </a:prstGeom>
+          <a:noFill/>
+        </p:spPr>
+        <p:style>
+          <a:lnRef idx="2">
+            <a:schemeClr val="accent1">
+              <a:shade val="50000"/>
+            </a:schemeClr>
+          </a:lnRef>
+          <a:fillRef idx="1">
+            <a:schemeClr val="accent1"/>
+          </a:fillRef>
+          <a:effectRef idx="0">
+            <a:schemeClr val="accent1"/>
+          </a:effectRef>
+          <a:fontRef idx="minor">
+            <a:schemeClr val="lt1"/>
+          </a:fontRef>
+        </p:style>
+        <p:txBody>
+          <a:bodyPr rtlCol="0" anchor="ctr"/>
+          <a:lstStyle/>
+          <a:p>
+            <a:pPr algn="ctr"/>
+            <a:endParaRPr lang="en-US"/>
+          </a:p>
+        </p:txBody>
+      </p:sp>
+      <p:sp>
+        <p:nvSpPr>
+          <p:cNvPr id="6" name="Isosceles Triangle 5"/>
+          <p:cNvSpPr/>
+          <p:nvPr/>
+        </p:nvSpPr>
+        <p:spPr>
+          <a:xfrm>
+            <a:off x="914400" y="1047750"/>
+            <a:ext cx="609600" cy="914400"/>
+          </a:xfrm>
+          <a:prstGeom prst="triangle">
+            <a:avLst/>
+          </a:prstGeom>
+        </p:spPr>
+        <p:style>
+          <a:lnRef idx="2">
+            <a:schemeClr val="accent1">
+              <a:shade val="50000"/>
+            </a:schemeClr>
+          </a:lnRef>
+          <a:fillRef idx="1">
+            <a:schemeClr val="accent1"/>
+          </a:fillRef>
+          <a:effectRef idx="0">
+            <a:schemeClr val="accent1"/>
+          </a:effectRef>
+          <a:fontRef idx="minor">
+            <a:schemeClr val="lt1"/>
+          </a:fontRef>
+        </p:style>
+        <p:txBody>
+          <a:bodyPr rtlCol="0" anchor="ctr"/>
+          <a:lstStyle/>
+          <a:p>
+            <a:pPr algn="ctr"/>
+            <a:endParaRPr lang="en-US"/>
+          </a:p>
+        </p:txBody>
+      </p:sp>
+      <p:sp>
+        <p:nvSpPr>
+          <p:cNvPr id="5" name="Rectangle 4"/>
+          <p:cNvSpPr/>
+          <p:nvPr/>
+        </p:nvSpPr>
+        <p:spPr>
+          <a:xfrm>
+            <a:off x="228600" y="361950"/>
+            <a:ext cx="2057400" cy="1371600"/>
+          </a:xfrm>
+          <a:prstGeom prst="rect">
+            <a:avLst/>
+          </a:prstGeom>
+        </p:spPr>
+        <p:style>
+          <a:lnRef idx="2">
+            <a:schemeClr val="accent1">
+              <a:shade val="50000"/>
+            </a:schemeClr>
+          </a:lnRef>
+          <a:fillRef idx="1">
+            <a:schemeClr val="accent1"/>
+          </a:fillRef>
+          <a:effectRef idx="0">
+            <a:schemeClr val="accent1"/>
+          </a:effectRef>
+          <a:fontRef idx="minor">
+            <a:schemeClr val="lt1"/>
+          </a:fontRef>
+        </p:style>
+        <p:txBody>
+          <a:bodyPr rtlCol="0" anchor="ctr"/>
+          <a:lstStyle/>
+          <a:p>
+            <a:pPr algn="ctr"/>
+            <a:r>
+              <a:rPr lang="en-US" dirty="0" err="1" smtClean="0"/>
+              <a:t>Kubectl</a:t>
+            </a:r>
+            <a:r>
+              <a:rPr lang="en-US" dirty="0" smtClean="0"/>
+              <a:t> create..</a:t>
+            </a:r>
+            <a:endParaRPr lang="en-US" dirty="0"/>
+          </a:p>
+        </p:txBody>
+      </p:sp>
+      <p:sp>
+        <p:nvSpPr>
+          <p:cNvPr id="7" name="TextBox 6"/>
+          <p:cNvSpPr txBox="1"/>
+          <p:nvPr/>
+        </p:nvSpPr>
+        <p:spPr>
+          <a:xfrm>
+            <a:off x="6324600" y="2266950"/>
+            <a:ext cx="677430" cy="307777"/>
+          </a:xfrm>
+          <a:prstGeom prst="rect">
+            <a:avLst/>
+          </a:prstGeom>
+          <a:noFill/>
+        </p:spPr>
+        <p:txBody>
+          <a:bodyPr wrap="none" rtlCol="0">
+            <a:spAutoFit/>
+          </a:bodyPr>
+          <a:lstStyle/>
+          <a:p>
+            <a:r>
+              <a:rPr lang="en-US" sz="1400" dirty="0" err="1" smtClean="0"/>
+              <a:t>docker</a:t>
+            </a:r>
+            <a:endParaRPr lang="en-US" dirty="0"/>
+          </a:p>
+        </p:txBody>
+      </p:sp>
+      <p:sp>
+        <p:nvSpPr>
+          <p:cNvPr id="8" name="TextBox 7"/>
+          <p:cNvSpPr txBox="1"/>
+          <p:nvPr/>
+        </p:nvSpPr>
+        <p:spPr>
+          <a:xfrm>
+            <a:off x="6477000" y="4527946"/>
+            <a:ext cx="677430" cy="307777"/>
+          </a:xfrm>
+          <a:prstGeom prst="rect">
+            <a:avLst/>
+          </a:prstGeom>
+          <a:noFill/>
+        </p:spPr>
+        <p:txBody>
+          <a:bodyPr wrap="none" rtlCol="0">
+            <a:spAutoFit/>
+          </a:bodyPr>
+          <a:lstStyle/>
+          <a:p>
+            <a:r>
+              <a:rPr lang="en-US" sz="1400" dirty="0" err="1" smtClean="0"/>
+              <a:t>docker</a:t>
+            </a:r>
+            <a:endParaRPr lang="en-US" dirty="0"/>
+          </a:p>
+        </p:txBody>
+      </p:sp>
+      <p:sp>
+        <p:nvSpPr>
+          <p:cNvPr id="9" name="TextBox 8"/>
+          <p:cNvSpPr txBox="1"/>
+          <p:nvPr/>
+        </p:nvSpPr>
+        <p:spPr>
+          <a:xfrm>
+            <a:off x="4732770" y="4530923"/>
+            <a:ext cx="677430" cy="307777"/>
+          </a:xfrm>
+          <a:prstGeom prst="rect">
+            <a:avLst/>
+          </a:prstGeom>
+          <a:noFill/>
+        </p:spPr>
+        <p:txBody>
+          <a:bodyPr wrap="none" rtlCol="0">
+            <a:spAutoFit/>
+          </a:bodyPr>
+          <a:lstStyle/>
+          <a:p>
+            <a:r>
+              <a:rPr lang="en-US" sz="1400" dirty="0" err="1" smtClean="0"/>
+              <a:t>docker</a:t>
+            </a:r>
+            <a:endParaRPr lang="en-US" dirty="0"/>
+          </a:p>
+        </p:txBody>
+      </p:sp>
+      <p:sp>
+        <p:nvSpPr>
+          <p:cNvPr id="11" name="TextBox 10"/>
+          <p:cNvSpPr txBox="1"/>
+          <p:nvPr/>
+        </p:nvSpPr>
+        <p:spPr>
+          <a:xfrm>
+            <a:off x="3048000" y="4835723"/>
+            <a:ext cx="670376" cy="307777"/>
+          </a:xfrm>
+          <a:prstGeom prst="rect">
+            <a:avLst/>
+          </a:prstGeom>
+          <a:noFill/>
+        </p:spPr>
+        <p:txBody>
+          <a:bodyPr wrap="none" rtlCol="0">
+            <a:spAutoFit/>
+          </a:bodyPr>
+          <a:lstStyle/>
+          <a:p>
+            <a:r>
+              <a:rPr lang="en-US" sz="1400" dirty="0" smtClean="0"/>
+              <a:t>Node1</a:t>
+            </a:r>
+            <a:endParaRPr lang="en-US" dirty="0"/>
+          </a:p>
+        </p:txBody>
+      </p:sp>
+      <p:sp>
+        <p:nvSpPr>
+          <p:cNvPr id="12" name="TextBox 11"/>
+          <p:cNvSpPr txBox="1"/>
+          <p:nvPr/>
+        </p:nvSpPr>
+        <p:spPr>
+          <a:xfrm>
+            <a:off x="6477000" y="4835723"/>
+            <a:ext cx="670376" cy="307777"/>
+          </a:xfrm>
+          <a:prstGeom prst="rect">
+            <a:avLst/>
+          </a:prstGeom>
+          <a:noFill/>
+        </p:spPr>
+        <p:txBody>
+          <a:bodyPr wrap="none" rtlCol="0">
+            <a:spAutoFit/>
+          </a:bodyPr>
+          <a:lstStyle/>
+          <a:p>
+            <a:r>
+              <a:rPr lang="en-US" sz="1400" dirty="0" smtClean="0"/>
+              <a:t>Node2</a:t>
+            </a:r>
+            <a:endParaRPr lang="en-US" dirty="0"/>
+          </a:p>
+        </p:txBody>
+      </p:sp>
+      <p:sp>
+        <p:nvSpPr>
+          <p:cNvPr id="13" name="TextBox 12"/>
+          <p:cNvSpPr txBox="1"/>
+          <p:nvPr/>
+        </p:nvSpPr>
+        <p:spPr>
+          <a:xfrm>
+            <a:off x="4757008" y="3311723"/>
+            <a:ext cx="653192" cy="276999"/>
+          </a:xfrm>
+          <a:prstGeom prst="rect">
+            <a:avLst/>
+          </a:prstGeom>
+          <a:noFill/>
+        </p:spPr>
+        <p:txBody>
+          <a:bodyPr wrap="none" rtlCol="0">
+            <a:spAutoFit/>
+          </a:bodyPr>
+          <a:lstStyle/>
+          <a:p>
+            <a:r>
+              <a:rPr lang="en-US" sz="1200" dirty="0" err="1" smtClean="0"/>
+              <a:t>kubelet</a:t>
+            </a:r>
+            <a:endParaRPr lang="en-US" dirty="0"/>
+          </a:p>
+        </p:txBody>
+      </p:sp>
+      <p:sp>
+        <p:nvSpPr>
+          <p:cNvPr id="14" name="TextBox 13"/>
+          <p:cNvSpPr txBox="1"/>
+          <p:nvPr/>
+        </p:nvSpPr>
+        <p:spPr>
+          <a:xfrm>
+            <a:off x="6477000" y="3311723"/>
+            <a:ext cx="653192" cy="276999"/>
+          </a:xfrm>
+          <a:prstGeom prst="rect">
+            <a:avLst/>
+          </a:prstGeom>
+          <a:noFill/>
+        </p:spPr>
+        <p:txBody>
+          <a:bodyPr wrap="none" rtlCol="0">
+            <a:spAutoFit/>
+          </a:bodyPr>
+          <a:lstStyle/>
+          <a:p>
+            <a:r>
+              <a:rPr lang="en-US" sz="1200" dirty="0" err="1" smtClean="0"/>
+              <a:t>kubelet</a:t>
+            </a:r>
+            <a:endParaRPr lang="en-US" dirty="0"/>
+          </a:p>
+        </p:txBody>
+      </p:sp>
+      <p:sp>
+        <p:nvSpPr>
+          <p:cNvPr id="15" name="TextBox 14"/>
+          <p:cNvSpPr txBox="1"/>
+          <p:nvPr/>
+        </p:nvSpPr>
+        <p:spPr>
+          <a:xfrm>
+            <a:off x="6357208" y="590550"/>
+            <a:ext cx="653192" cy="276999"/>
+          </a:xfrm>
+          <a:prstGeom prst="rect">
+            <a:avLst/>
+          </a:prstGeom>
+          <a:noFill/>
+        </p:spPr>
+        <p:txBody>
+          <a:bodyPr wrap="none" rtlCol="0">
+            <a:spAutoFit/>
+          </a:bodyPr>
+          <a:lstStyle/>
+          <a:p>
+            <a:r>
+              <a:rPr lang="en-US" sz="1200" dirty="0" err="1" smtClean="0"/>
+              <a:t>kubelet</a:t>
+            </a:r>
+            <a:endParaRPr lang="en-US" dirty="0"/>
+          </a:p>
+        </p:txBody>
+      </p:sp>
+      <p:sp>
+        <p:nvSpPr>
+          <p:cNvPr id="19" name="TextBox 18"/>
+          <p:cNvSpPr txBox="1"/>
+          <p:nvPr/>
+        </p:nvSpPr>
+        <p:spPr>
+          <a:xfrm>
+            <a:off x="5867400" y="285750"/>
+            <a:ext cx="1139351" cy="307777"/>
+          </a:xfrm>
+          <a:prstGeom prst="rect">
+            <a:avLst/>
+          </a:prstGeom>
+          <a:noFill/>
+        </p:spPr>
+        <p:txBody>
+          <a:bodyPr wrap="none" rtlCol="0">
+            <a:spAutoFit/>
+          </a:bodyPr>
+          <a:lstStyle/>
+          <a:p>
+            <a:r>
+              <a:rPr lang="en-US" sz="1400" dirty="0" smtClean="0"/>
+              <a:t>Master Node</a:t>
+            </a:r>
+            <a:endParaRPr lang="en-US" dirty="0"/>
+          </a:p>
+        </p:txBody>
+      </p:sp>
+      <p:sp>
+        <p:nvSpPr>
+          <p:cNvPr id="20" name="TextBox 19"/>
+          <p:cNvSpPr txBox="1"/>
+          <p:nvPr/>
+        </p:nvSpPr>
+        <p:spPr>
+          <a:xfrm>
+            <a:off x="4800600" y="590550"/>
+            <a:ext cx="1021370" cy="338554"/>
+          </a:xfrm>
+          <a:prstGeom prst="rect">
+            <a:avLst/>
+          </a:prstGeom>
+          <a:noFill/>
+        </p:spPr>
+        <p:txBody>
+          <a:bodyPr wrap="none" rtlCol="0">
+            <a:spAutoFit/>
+          </a:bodyPr>
+          <a:lstStyle/>
+          <a:p>
+            <a:r>
+              <a:rPr lang="en-US" sz="1600" dirty="0" err="1" smtClean="0"/>
+              <a:t>api</a:t>
+            </a:r>
+            <a:r>
+              <a:rPr lang="en-US" sz="1600" dirty="0" smtClean="0"/>
+              <a:t>-server</a:t>
+            </a:r>
+            <a:endParaRPr lang="en-US" sz="1600" dirty="0"/>
+          </a:p>
+        </p:txBody>
+      </p:sp>
+      <p:cxnSp>
+        <p:nvCxnSpPr>
+          <p:cNvPr id="22" name="Straight Arrow Connector 21"/>
+          <p:cNvCxnSpPr>
+            <a:stCxn id="5" idx="3"/>
+            <a:endCxn id="20" idx="1"/>
+          </p:cNvCxnSpPr>
+          <p:nvPr/>
+        </p:nvCxnSpPr>
+        <p:spPr>
+          <a:xfrm flipV="1">
+            <a:off x="2286000" y="759827"/>
+            <a:ext cx="2514600" cy="287923"/>
+          </a:xfrm>
+          <a:prstGeom prst="straightConnector1">
+            <a:avLst/>
+          </a:prstGeom>
+          <a:ln>
+            <a:tailEnd type="arrow"/>
+          </a:ln>
+        </p:spPr>
+        <p:style>
+          <a:lnRef idx="1">
+            <a:schemeClr val="accent1"/>
+          </a:lnRef>
+          <a:fillRef idx="0">
+            <a:schemeClr val="accent1"/>
+          </a:fillRef>
+          <a:effectRef idx="0">
+            <a:schemeClr val="accent1"/>
+          </a:effectRef>
+          <a:fontRef idx="minor">
+            <a:schemeClr val="tx1"/>
+          </a:fontRef>
+        </p:style>
+      </p:cxnSp>
+      <p:sp>
+        <p:nvSpPr>
+          <p:cNvPr id="23" name="TextBox 22"/>
+          <p:cNvSpPr txBox="1"/>
+          <p:nvPr/>
+        </p:nvSpPr>
+        <p:spPr>
+          <a:xfrm>
+            <a:off x="2764636" y="709940"/>
+            <a:ext cx="1197764" cy="261610"/>
+          </a:xfrm>
+          <a:prstGeom prst="rect">
+            <a:avLst/>
+          </a:prstGeom>
+          <a:noFill/>
+        </p:spPr>
+        <p:txBody>
+          <a:bodyPr wrap="none" rtlCol="0">
+            <a:spAutoFit/>
+          </a:bodyPr>
+          <a:lstStyle/>
+          <a:p>
+            <a:r>
+              <a:rPr lang="en-US" sz="1100" dirty="0" smtClean="0"/>
+              <a:t>1. Create dep.yml</a:t>
+            </a:r>
+            <a:endParaRPr lang="en-US" dirty="0"/>
+          </a:p>
+        </p:txBody>
+      </p:sp>
+      <p:cxnSp>
+        <p:nvCxnSpPr>
+          <p:cNvPr id="26" name="Straight Arrow Connector 25"/>
+          <p:cNvCxnSpPr>
+            <a:stCxn id="20" idx="2"/>
+            <a:endCxn id="27" idx="0"/>
+          </p:cNvCxnSpPr>
+          <p:nvPr/>
+        </p:nvCxnSpPr>
+        <p:spPr>
+          <a:xfrm>
+            <a:off x="5311285" y="929104"/>
+            <a:ext cx="247293" cy="271046"/>
+          </a:xfrm>
+          <a:prstGeom prst="straightConnector1">
+            <a:avLst/>
+          </a:prstGeom>
+          <a:ln>
+            <a:tailEnd type="arrow"/>
+          </a:ln>
+        </p:spPr>
+        <p:style>
+          <a:lnRef idx="1">
+            <a:schemeClr val="accent1"/>
+          </a:lnRef>
+          <a:fillRef idx="0">
+            <a:schemeClr val="accent1"/>
+          </a:fillRef>
+          <a:effectRef idx="0">
+            <a:schemeClr val="accent1"/>
+          </a:effectRef>
+          <a:fontRef idx="minor">
+            <a:schemeClr val="tx1"/>
+          </a:fontRef>
+        </p:style>
+      </p:cxnSp>
+      <p:sp>
+        <p:nvSpPr>
+          <p:cNvPr id="27" name="TextBox 26"/>
+          <p:cNvSpPr txBox="1"/>
+          <p:nvPr/>
+        </p:nvSpPr>
+        <p:spPr>
+          <a:xfrm>
+            <a:off x="4648200" y="1200150"/>
+            <a:ext cx="1820755" cy="523220"/>
+          </a:xfrm>
+          <a:prstGeom prst="rect">
+            <a:avLst/>
+          </a:prstGeom>
+          <a:noFill/>
+        </p:spPr>
+        <p:txBody>
+          <a:bodyPr wrap="none" rtlCol="0">
+            <a:spAutoFit/>
+          </a:bodyPr>
+          <a:lstStyle/>
+          <a:p>
+            <a:r>
+              <a:rPr lang="en-US" sz="1600" dirty="0" smtClean="0"/>
+              <a:t>Controller-manager</a:t>
+            </a:r>
+          </a:p>
+          <a:p>
+            <a:r>
+              <a:rPr lang="en-US" sz="1100" dirty="0" smtClean="0"/>
+              <a:t>(</a:t>
+            </a:r>
+            <a:r>
+              <a:rPr lang="en-US" sz="1100" dirty="0" err="1" smtClean="0"/>
+              <a:t>dep</a:t>
+            </a:r>
+            <a:r>
+              <a:rPr lang="en-US" sz="1100" dirty="0" smtClean="0"/>
+              <a:t>, </a:t>
+            </a:r>
+            <a:r>
+              <a:rPr lang="en-US" sz="1100" dirty="0" err="1" smtClean="0"/>
+              <a:t>rc</a:t>
+            </a:r>
+            <a:r>
+              <a:rPr lang="en-US" sz="1100" dirty="0" smtClean="0"/>
+              <a:t>, </a:t>
+            </a:r>
+            <a:r>
+              <a:rPr lang="en-US" sz="1100" dirty="0" err="1" smtClean="0"/>
+              <a:t>rs</a:t>
+            </a:r>
+            <a:r>
+              <a:rPr lang="en-US" sz="1100" dirty="0" smtClean="0"/>
+              <a:t>, pod-def)</a:t>
+            </a:r>
+            <a:endParaRPr lang="en-US" dirty="0"/>
+          </a:p>
+        </p:txBody>
+      </p:sp>
+      <p:sp>
+        <p:nvSpPr>
+          <p:cNvPr id="28" name="TextBox 27"/>
+          <p:cNvSpPr txBox="1"/>
+          <p:nvPr/>
+        </p:nvSpPr>
+        <p:spPr>
+          <a:xfrm>
+            <a:off x="4876800" y="1885950"/>
+            <a:ext cx="997389" cy="338554"/>
+          </a:xfrm>
+          <a:prstGeom prst="rect">
+            <a:avLst/>
+          </a:prstGeom>
+          <a:noFill/>
+        </p:spPr>
+        <p:txBody>
+          <a:bodyPr wrap="none" rtlCol="0">
+            <a:spAutoFit/>
+          </a:bodyPr>
+          <a:lstStyle/>
+          <a:p>
+            <a:r>
+              <a:rPr lang="en-US" sz="1600" dirty="0" smtClean="0"/>
+              <a:t>s</a:t>
+            </a:r>
+            <a:r>
+              <a:rPr lang="en-US" sz="1600" dirty="0" smtClean="0"/>
+              <a:t>cheduler</a:t>
+            </a:r>
+            <a:endParaRPr lang="en-US" sz="1600" dirty="0"/>
+          </a:p>
+        </p:txBody>
+      </p:sp>
+      <p:cxnSp>
+        <p:nvCxnSpPr>
+          <p:cNvPr id="30" name="Straight Arrow Connector 29"/>
+          <p:cNvCxnSpPr>
+            <a:stCxn id="27" idx="2"/>
+            <a:endCxn id="28" idx="0"/>
+          </p:cNvCxnSpPr>
+          <p:nvPr/>
+        </p:nvCxnSpPr>
+        <p:spPr>
+          <a:xfrm flipH="1">
+            <a:off x="5375495" y="1723370"/>
+            <a:ext cx="183083" cy="162580"/>
+          </a:xfrm>
+          <a:prstGeom prst="straightConnector1">
+            <a:avLst/>
+          </a:prstGeom>
+          <a:ln>
+            <a:tailEnd type="arrow"/>
+          </a:ln>
+        </p:spPr>
+        <p:style>
+          <a:lnRef idx="1">
+            <a:schemeClr val="accent1"/>
+          </a:lnRef>
+          <a:fillRef idx="0">
+            <a:schemeClr val="accent1"/>
+          </a:fillRef>
+          <a:effectRef idx="0">
+            <a:schemeClr val="accent1"/>
+          </a:effectRef>
+          <a:fontRef idx="minor">
+            <a:schemeClr val="tx1"/>
+          </a:fontRef>
+        </p:style>
+      </p:cxnSp>
+      <p:cxnSp>
+        <p:nvCxnSpPr>
+          <p:cNvPr id="33" name="Straight Arrow Connector 32"/>
+          <p:cNvCxnSpPr>
+            <a:endCxn id="13" idx="0"/>
+          </p:cNvCxnSpPr>
+          <p:nvPr/>
+        </p:nvCxnSpPr>
+        <p:spPr>
+          <a:xfrm flipH="1">
+            <a:off x="5083604" y="2266950"/>
+            <a:ext cx="250396" cy="1044773"/>
+          </a:xfrm>
+          <a:prstGeom prst="straightConnector1">
+            <a:avLst/>
+          </a:prstGeom>
+          <a:ln>
+            <a:tailEnd type="arrow"/>
+          </a:ln>
+        </p:spPr>
+        <p:style>
+          <a:lnRef idx="1">
+            <a:schemeClr val="accent1"/>
+          </a:lnRef>
+          <a:fillRef idx="0">
+            <a:schemeClr val="accent1"/>
+          </a:fillRef>
+          <a:effectRef idx="0">
+            <a:schemeClr val="accent1"/>
+          </a:effectRef>
+          <a:fontRef idx="minor">
+            <a:schemeClr val="tx1"/>
+          </a:fontRef>
+        </p:style>
+      </p:cxnSp>
+      <p:sp>
+        <p:nvSpPr>
+          <p:cNvPr id="34" name="TextBox 33"/>
+          <p:cNvSpPr txBox="1"/>
+          <p:nvPr/>
+        </p:nvSpPr>
+        <p:spPr>
+          <a:xfrm>
+            <a:off x="5257800" y="923151"/>
+            <a:ext cx="263214" cy="276999"/>
+          </a:xfrm>
+          <a:prstGeom prst="rect">
+            <a:avLst/>
+          </a:prstGeom>
+          <a:noFill/>
+        </p:spPr>
+        <p:txBody>
+          <a:bodyPr wrap="none" rtlCol="0">
+            <a:spAutoFit/>
+          </a:bodyPr>
+          <a:lstStyle/>
+          <a:p>
+            <a:r>
+              <a:rPr lang="en-US" sz="1200" dirty="0" smtClean="0"/>
+              <a:t>2</a:t>
+            </a:r>
+            <a:endParaRPr lang="en-US" dirty="0"/>
+          </a:p>
+        </p:txBody>
+      </p:sp>
+      <p:sp>
+        <p:nvSpPr>
+          <p:cNvPr id="35" name="TextBox 34"/>
+          <p:cNvSpPr txBox="1"/>
+          <p:nvPr/>
+        </p:nvSpPr>
+        <p:spPr>
+          <a:xfrm>
+            <a:off x="5410200" y="1581150"/>
+            <a:ext cx="263214" cy="276999"/>
+          </a:xfrm>
+          <a:prstGeom prst="rect">
+            <a:avLst/>
+          </a:prstGeom>
+          <a:noFill/>
+        </p:spPr>
+        <p:txBody>
+          <a:bodyPr wrap="none" rtlCol="0">
+            <a:spAutoFit/>
+          </a:bodyPr>
+          <a:lstStyle/>
+          <a:p>
+            <a:r>
+              <a:rPr lang="en-US" sz="1200" dirty="0" smtClean="0"/>
+              <a:t>3</a:t>
+            </a:r>
+            <a:endParaRPr lang="en-US" dirty="0"/>
+          </a:p>
+        </p:txBody>
+      </p:sp>
+      <p:sp>
+        <p:nvSpPr>
+          <p:cNvPr id="36" name="TextBox 35"/>
+          <p:cNvSpPr txBox="1"/>
+          <p:nvPr/>
+        </p:nvSpPr>
+        <p:spPr>
+          <a:xfrm>
+            <a:off x="5029200" y="2751951"/>
+            <a:ext cx="263214" cy="276999"/>
+          </a:xfrm>
+          <a:prstGeom prst="rect">
+            <a:avLst/>
+          </a:prstGeom>
+          <a:noFill/>
+        </p:spPr>
+        <p:txBody>
+          <a:bodyPr wrap="none" rtlCol="0">
+            <a:spAutoFit/>
+          </a:bodyPr>
+          <a:lstStyle/>
+          <a:p>
+            <a:r>
+              <a:rPr lang="en-US" sz="1200" dirty="0" smtClean="0"/>
+              <a:t>4</a:t>
+            </a:r>
+            <a:endParaRPr lang="en-US" dirty="0"/>
+          </a:p>
+        </p:txBody>
+      </p:sp>
+      <p:cxnSp>
+        <p:nvCxnSpPr>
+          <p:cNvPr id="38" name="Straight Arrow Connector 37"/>
+          <p:cNvCxnSpPr>
+            <a:stCxn id="13" idx="2"/>
+            <a:endCxn id="9" idx="0"/>
+          </p:cNvCxnSpPr>
+          <p:nvPr/>
+        </p:nvCxnSpPr>
+        <p:spPr>
+          <a:xfrm flipH="1">
+            <a:off x="5071485" y="3588722"/>
+            <a:ext cx="12119" cy="942201"/>
+          </a:xfrm>
+          <a:prstGeom prst="straightConnector1">
+            <a:avLst/>
+          </a:prstGeom>
+          <a:ln>
+            <a:tailEnd type="arrow"/>
+          </a:ln>
+        </p:spPr>
+        <p:style>
+          <a:lnRef idx="1">
+            <a:schemeClr val="accent1"/>
+          </a:lnRef>
+          <a:fillRef idx="0">
+            <a:schemeClr val="accent1"/>
+          </a:fillRef>
+          <a:effectRef idx="0">
+            <a:schemeClr val="accent1"/>
+          </a:effectRef>
+          <a:fontRef idx="minor">
+            <a:schemeClr val="tx1"/>
+          </a:fontRef>
+        </p:style>
+      </p:cxnSp>
+      <p:cxnSp>
+        <p:nvCxnSpPr>
+          <p:cNvPr id="40" name="Straight Arrow Connector 39"/>
+          <p:cNvCxnSpPr/>
+          <p:nvPr/>
+        </p:nvCxnSpPr>
+        <p:spPr>
+          <a:xfrm flipH="1" flipV="1">
+            <a:off x="4724400" y="4095750"/>
+            <a:ext cx="236970" cy="436662"/>
+          </a:xfrm>
+          <a:prstGeom prst="straightConnector1">
+            <a:avLst/>
+          </a:prstGeom>
+          <a:ln>
+            <a:tailEnd type="arrow"/>
+          </a:ln>
+        </p:spPr>
+        <p:style>
+          <a:lnRef idx="1">
+            <a:schemeClr val="accent1"/>
+          </a:lnRef>
+          <a:fillRef idx="0">
+            <a:schemeClr val="accent1"/>
+          </a:fillRef>
+          <a:effectRef idx="0">
+            <a:schemeClr val="accent1"/>
+          </a:effectRef>
+          <a:fontRef idx="minor">
+            <a:schemeClr val="tx1"/>
+          </a:fontRef>
+        </p:style>
+      </p:cxnSp>
+      <p:sp>
+        <p:nvSpPr>
+          <p:cNvPr id="41" name="Oval 40"/>
+          <p:cNvSpPr/>
+          <p:nvPr/>
+        </p:nvSpPr>
+        <p:spPr>
+          <a:xfrm>
+            <a:off x="3962400" y="3867150"/>
+            <a:ext cx="838200" cy="304800"/>
+          </a:xfrm>
+          <a:prstGeom prst="ellipse">
+            <a:avLst/>
+          </a:prstGeom>
+        </p:spPr>
+        <p:style>
+          <a:lnRef idx="2">
+            <a:schemeClr val="accent1">
+              <a:shade val="50000"/>
+            </a:schemeClr>
+          </a:lnRef>
+          <a:fillRef idx="1">
+            <a:schemeClr val="accent1"/>
+          </a:fillRef>
+          <a:effectRef idx="0">
+            <a:schemeClr val="accent1"/>
+          </a:effectRef>
+          <a:fontRef idx="minor">
+            <a:schemeClr val="lt1"/>
+          </a:fontRef>
+        </p:style>
+        <p:txBody>
+          <a:bodyPr rtlCol="0" anchor="ctr"/>
+          <a:lstStyle/>
+          <a:p>
+            <a:pPr algn="ctr"/>
+            <a:r>
+              <a:rPr lang="en-US" sz="1200" dirty="0" smtClean="0"/>
+              <a:t>Pod</a:t>
+            </a:r>
+            <a:endParaRPr lang="en-US" dirty="0"/>
+          </a:p>
+        </p:txBody>
+      </p:sp>
+      <p:cxnSp>
+        <p:nvCxnSpPr>
+          <p:cNvPr id="43" name="Straight Arrow Connector 42"/>
+          <p:cNvCxnSpPr>
+            <a:endCxn id="9" idx="1"/>
+          </p:cNvCxnSpPr>
+          <p:nvPr/>
+        </p:nvCxnSpPr>
+        <p:spPr>
+          <a:xfrm>
+            <a:off x="4419600" y="4248150"/>
+            <a:ext cx="313170" cy="436662"/>
+          </a:xfrm>
+          <a:prstGeom prst="straightConnector1">
+            <a:avLst/>
+          </a:prstGeom>
+          <a:ln>
+            <a:tailEnd type="arrow"/>
+          </a:ln>
+        </p:spPr>
+        <p:style>
+          <a:lnRef idx="1">
+            <a:schemeClr val="accent1"/>
+          </a:lnRef>
+          <a:fillRef idx="0">
+            <a:schemeClr val="accent1"/>
+          </a:fillRef>
+          <a:effectRef idx="0">
+            <a:schemeClr val="accent1"/>
+          </a:effectRef>
+          <a:fontRef idx="minor">
+            <a:schemeClr val="tx1"/>
+          </a:fontRef>
+        </p:style>
+      </p:cxnSp>
+      <p:sp>
+        <p:nvSpPr>
+          <p:cNvPr id="44" name="Oval 43"/>
+          <p:cNvSpPr/>
+          <p:nvPr/>
+        </p:nvSpPr>
+        <p:spPr>
+          <a:xfrm>
+            <a:off x="3124200" y="4248150"/>
+            <a:ext cx="762000" cy="304800"/>
+          </a:xfrm>
+          <a:prstGeom prst="ellipse">
+            <a:avLst/>
+          </a:prstGeom>
+        </p:spPr>
+        <p:style>
+          <a:lnRef idx="2">
+            <a:schemeClr val="accent1">
+              <a:shade val="50000"/>
+            </a:schemeClr>
+          </a:lnRef>
+          <a:fillRef idx="1">
+            <a:schemeClr val="accent1"/>
+          </a:fillRef>
+          <a:effectRef idx="0">
+            <a:schemeClr val="accent1"/>
+          </a:effectRef>
+          <a:fontRef idx="minor">
+            <a:schemeClr val="lt1"/>
+          </a:fontRef>
+        </p:style>
+        <p:txBody>
+          <a:bodyPr rtlCol="0" anchor="ctr"/>
+          <a:lstStyle/>
+          <a:p>
+            <a:pPr algn="ctr"/>
+            <a:r>
+              <a:rPr lang="en-US" sz="1200" dirty="0" err="1" smtClean="0"/>
+              <a:t>nginx</a:t>
+            </a:r>
+            <a:endParaRPr lang="en-US" sz="1200" dirty="0"/>
+          </a:p>
+        </p:txBody>
+      </p:sp>
+      <p:cxnSp>
+        <p:nvCxnSpPr>
+          <p:cNvPr id="46" name="Straight Arrow Connector 45"/>
+          <p:cNvCxnSpPr>
+            <a:endCxn id="44" idx="6"/>
+          </p:cNvCxnSpPr>
+          <p:nvPr/>
+        </p:nvCxnSpPr>
+        <p:spPr>
+          <a:xfrm flipH="1" flipV="1">
+            <a:off x="3886200" y="4400550"/>
+            <a:ext cx="762000" cy="304800"/>
+          </a:xfrm>
+          <a:prstGeom prst="straightConnector1">
+            <a:avLst/>
+          </a:prstGeom>
+          <a:ln>
+            <a:tailEnd type="arrow"/>
+          </a:ln>
+        </p:spPr>
+        <p:style>
+          <a:lnRef idx="1">
+            <a:schemeClr val="accent1"/>
+          </a:lnRef>
+          <a:fillRef idx="0">
+            <a:schemeClr val="accent1"/>
+          </a:fillRef>
+          <a:effectRef idx="0">
+            <a:schemeClr val="accent1"/>
+          </a:effectRef>
+          <a:fontRef idx="minor">
+            <a:schemeClr val="tx1"/>
+          </a:fontRef>
+        </p:style>
+      </p:cxnSp>
+      <p:sp>
+        <p:nvSpPr>
+          <p:cNvPr id="47" name="TextBox 46"/>
+          <p:cNvSpPr txBox="1"/>
+          <p:nvPr/>
+        </p:nvSpPr>
+        <p:spPr>
+          <a:xfrm>
+            <a:off x="4953000" y="3742551"/>
+            <a:ext cx="263214" cy="276999"/>
+          </a:xfrm>
+          <a:prstGeom prst="rect">
+            <a:avLst/>
+          </a:prstGeom>
+          <a:noFill/>
+        </p:spPr>
+        <p:txBody>
+          <a:bodyPr wrap="none" rtlCol="0">
+            <a:spAutoFit/>
+          </a:bodyPr>
+          <a:lstStyle/>
+          <a:p>
+            <a:r>
+              <a:rPr lang="en-US" sz="1200" dirty="0" smtClean="0"/>
+              <a:t>5</a:t>
+            </a:r>
+            <a:endParaRPr lang="en-US" dirty="0"/>
+          </a:p>
+        </p:txBody>
+      </p:sp>
+      <p:sp>
+        <p:nvSpPr>
+          <p:cNvPr id="48" name="TextBox 47"/>
+          <p:cNvSpPr txBox="1"/>
+          <p:nvPr/>
+        </p:nvSpPr>
+        <p:spPr>
+          <a:xfrm>
+            <a:off x="4689786" y="4123551"/>
+            <a:ext cx="263214" cy="276999"/>
+          </a:xfrm>
+          <a:prstGeom prst="rect">
+            <a:avLst/>
+          </a:prstGeom>
+          <a:noFill/>
+        </p:spPr>
+        <p:txBody>
+          <a:bodyPr wrap="none" rtlCol="0">
+            <a:spAutoFit/>
+          </a:bodyPr>
+          <a:lstStyle/>
+          <a:p>
+            <a:r>
+              <a:rPr lang="en-US" sz="1200" dirty="0" smtClean="0"/>
+              <a:t>6</a:t>
+            </a:r>
+            <a:endParaRPr lang="en-US" dirty="0"/>
+          </a:p>
+        </p:txBody>
+      </p:sp>
+      <p:sp>
+        <p:nvSpPr>
+          <p:cNvPr id="49" name="TextBox 48"/>
+          <p:cNvSpPr txBox="1"/>
+          <p:nvPr/>
+        </p:nvSpPr>
+        <p:spPr>
+          <a:xfrm>
+            <a:off x="4461186" y="4275951"/>
+            <a:ext cx="263214" cy="276999"/>
+          </a:xfrm>
+          <a:prstGeom prst="rect">
+            <a:avLst/>
+          </a:prstGeom>
+          <a:noFill/>
+        </p:spPr>
+        <p:txBody>
+          <a:bodyPr wrap="none" rtlCol="0">
+            <a:spAutoFit/>
+          </a:bodyPr>
+          <a:lstStyle/>
+          <a:p>
+            <a:r>
+              <a:rPr lang="en-US" sz="1200" dirty="0" smtClean="0"/>
+              <a:t>7</a:t>
+            </a:r>
+            <a:endParaRPr lang="en-US" dirty="0"/>
+          </a:p>
+        </p:txBody>
+      </p:sp>
+      <p:sp>
+        <p:nvSpPr>
+          <p:cNvPr id="50" name="TextBox 49"/>
+          <p:cNvSpPr txBox="1"/>
+          <p:nvPr/>
+        </p:nvSpPr>
+        <p:spPr>
+          <a:xfrm>
+            <a:off x="4080186" y="4400550"/>
+            <a:ext cx="263214" cy="276999"/>
+          </a:xfrm>
+          <a:prstGeom prst="rect">
+            <a:avLst/>
+          </a:prstGeom>
+          <a:noFill/>
+        </p:spPr>
+        <p:txBody>
+          <a:bodyPr wrap="none" rtlCol="0">
+            <a:spAutoFit/>
+          </a:bodyPr>
+          <a:lstStyle/>
+          <a:p>
+            <a:r>
+              <a:rPr lang="en-US" sz="1200" smtClean="0"/>
+              <a:t>8</a:t>
+            </a:r>
+            <a:endParaRPr lang="en-US" dirty="0"/>
+          </a:p>
+        </p:txBody>
+      </p:sp>
+      <p:sp>
+        <p:nvSpPr>
+          <p:cNvPr id="51" name="Rectangle 50"/>
+          <p:cNvSpPr/>
+          <p:nvPr/>
+        </p:nvSpPr>
+        <p:spPr>
+          <a:xfrm>
+            <a:off x="4419600" y="666750"/>
+            <a:ext cx="1981200" cy="1600200"/>
+          </a:xfrm>
+          <a:prstGeom prst="rect">
+            <a:avLst/>
+          </a:prstGeom>
+          <a:noFill/>
+          <a:ln>
+            <a:prstDash val="sysDot"/>
+          </a:ln>
+        </p:spPr>
+        <p:style>
+          <a:lnRef idx="2">
+            <a:schemeClr val="accent1">
+              <a:shade val="50000"/>
+            </a:schemeClr>
+          </a:lnRef>
+          <a:fillRef idx="1">
+            <a:schemeClr val="accent1"/>
+          </a:fillRef>
+          <a:effectRef idx="0">
+            <a:schemeClr val="accent1"/>
+          </a:effectRef>
+          <a:fontRef idx="minor">
+            <a:schemeClr val="lt1"/>
+          </a:fontRef>
+        </p:style>
+        <p:txBody>
+          <a:bodyPr rtlCol="0" anchor="ctr"/>
+          <a:lstStyle/>
+          <a:p>
+            <a:pPr algn="ctr"/>
+            <a:endParaRPr lang="en-US"/>
+          </a:p>
+        </p:txBody>
+      </p:sp>
+      <p:cxnSp>
+        <p:nvCxnSpPr>
+          <p:cNvPr id="53" name="Straight Arrow Connector 52"/>
+          <p:cNvCxnSpPr/>
+          <p:nvPr/>
+        </p:nvCxnSpPr>
+        <p:spPr>
+          <a:xfrm flipH="1">
+            <a:off x="3200400" y="1885950"/>
+            <a:ext cx="1219200" cy="381000"/>
+          </a:xfrm>
+          <a:prstGeom prst="straightConnector1">
+            <a:avLst/>
+          </a:prstGeom>
+          <a:ln>
+            <a:tailEnd type="arrow"/>
+          </a:ln>
+        </p:spPr>
+        <p:style>
+          <a:lnRef idx="1">
+            <a:schemeClr val="accent1"/>
+          </a:lnRef>
+          <a:fillRef idx="0">
+            <a:schemeClr val="accent1"/>
+          </a:fillRef>
+          <a:effectRef idx="0">
+            <a:schemeClr val="accent1"/>
+          </a:effectRef>
+          <a:fontRef idx="minor">
+            <a:schemeClr val="tx1"/>
+          </a:fontRef>
+        </p:style>
+      </p:cxnSp>
+      <p:sp>
+        <p:nvSpPr>
+          <p:cNvPr id="54" name="TextBox 53"/>
+          <p:cNvSpPr txBox="1"/>
+          <p:nvPr/>
+        </p:nvSpPr>
+        <p:spPr>
+          <a:xfrm>
+            <a:off x="2491548" y="2266950"/>
+            <a:ext cx="1470852" cy="369332"/>
+          </a:xfrm>
+          <a:prstGeom prst="rect">
+            <a:avLst/>
+          </a:prstGeom>
+          <a:noFill/>
+        </p:spPr>
+        <p:txBody>
+          <a:bodyPr wrap="none" rtlCol="0">
+            <a:spAutoFit/>
+          </a:bodyPr>
+          <a:lstStyle/>
+          <a:p>
+            <a:r>
+              <a:rPr lang="en-US" dirty="0" smtClean="0"/>
+              <a:t>Control-plane</a:t>
+            </a:r>
+            <a:endParaRPr lang="en-US" dirty="0"/>
+          </a:p>
+        </p:txBody>
+      </p:sp>
+      <p:sp>
+        <p:nvSpPr>
+          <p:cNvPr id="55" name="Can 54"/>
+          <p:cNvSpPr/>
+          <p:nvPr/>
+        </p:nvSpPr>
+        <p:spPr>
+          <a:xfrm>
+            <a:off x="6477000" y="1581150"/>
+            <a:ext cx="762000" cy="533400"/>
+          </a:xfrm>
+          <a:prstGeom prst="can">
+            <a:avLst/>
+          </a:prstGeom>
+        </p:spPr>
+        <p:style>
+          <a:lnRef idx="2">
+            <a:schemeClr val="accent1">
+              <a:shade val="50000"/>
+            </a:schemeClr>
+          </a:lnRef>
+          <a:fillRef idx="1">
+            <a:schemeClr val="accent1"/>
+          </a:fillRef>
+          <a:effectRef idx="0">
+            <a:schemeClr val="accent1"/>
+          </a:effectRef>
+          <a:fontRef idx="minor">
+            <a:schemeClr val="lt1"/>
+          </a:fontRef>
+        </p:style>
+        <p:txBody>
+          <a:bodyPr rtlCol="0" anchor="ctr"/>
+          <a:lstStyle/>
+          <a:p>
+            <a:pPr algn="ctr"/>
+            <a:r>
+              <a:rPr lang="en-US" dirty="0" err="1" smtClean="0"/>
+              <a:t>etcd</a:t>
+            </a:r>
+            <a:endParaRPr lang="en-US" dirty="0"/>
+          </a:p>
+        </p:txBody>
+      </p:sp>
+      <p:cxnSp>
+        <p:nvCxnSpPr>
+          <p:cNvPr id="57" name="Straight Arrow Connector 56"/>
+          <p:cNvCxnSpPr>
+            <a:endCxn id="55" idx="2"/>
+          </p:cNvCxnSpPr>
+          <p:nvPr/>
+        </p:nvCxnSpPr>
+        <p:spPr>
+          <a:xfrm>
+            <a:off x="6019800" y="1504950"/>
+            <a:ext cx="457200" cy="342900"/>
+          </a:xfrm>
+          <a:prstGeom prst="straightConnector1">
+            <a:avLst/>
+          </a:prstGeom>
+          <a:ln>
+            <a:tailEnd type="arrow"/>
+          </a:ln>
+        </p:spPr>
+        <p:style>
+          <a:lnRef idx="1">
+            <a:schemeClr val="accent1"/>
+          </a:lnRef>
+          <a:fillRef idx="0">
+            <a:schemeClr val="accent1"/>
+          </a:fillRef>
+          <a:effectRef idx="0">
+            <a:schemeClr val="accent1"/>
+          </a:effectRef>
+          <a:fontRef idx="minor">
+            <a:schemeClr val="tx1"/>
+          </a:fontRef>
+        </p:style>
+      </p:cxnSp>
+      <p:cxnSp>
+        <p:nvCxnSpPr>
+          <p:cNvPr id="59" name="Straight Arrow Connector 58"/>
+          <p:cNvCxnSpPr/>
+          <p:nvPr/>
+        </p:nvCxnSpPr>
+        <p:spPr>
+          <a:xfrm flipV="1">
+            <a:off x="7239000" y="1352550"/>
+            <a:ext cx="381000" cy="381000"/>
+          </a:xfrm>
+          <a:prstGeom prst="straightConnector1">
+            <a:avLst/>
+          </a:prstGeom>
+          <a:ln>
+            <a:tailEnd type="arrow"/>
+          </a:ln>
+        </p:spPr>
+        <p:style>
+          <a:lnRef idx="1">
+            <a:schemeClr val="accent1"/>
+          </a:lnRef>
+          <a:fillRef idx="0">
+            <a:schemeClr val="accent1"/>
+          </a:fillRef>
+          <a:effectRef idx="0">
+            <a:schemeClr val="accent1"/>
+          </a:effectRef>
+          <a:fontRef idx="minor">
+            <a:schemeClr val="tx1"/>
+          </a:fontRef>
+        </p:style>
+      </p:cxnSp>
+      <p:sp>
+        <p:nvSpPr>
+          <p:cNvPr id="60" name="TextBox 59"/>
+          <p:cNvSpPr txBox="1"/>
+          <p:nvPr/>
+        </p:nvSpPr>
+        <p:spPr>
+          <a:xfrm>
+            <a:off x="7315200" y="1047750"/>
+            <a:ext cx="1213666" cy="369332"/>
+          </a:xfrm>
+          <a:prstGeom prst="rect">
+            <a:avLst/>
+          </a:prstGeom>
+          <a:noFill/>
+        </p:spPr>
+        <p:txBody>
+          <a:bodyPr wrap="none" rtlCol="0">
+            <a:spAutoFit/>
+          </a:bodyPr>
+          <a:lstStyle/>
+          <a:p>
+            <a:r>
+              <a:rPr lang="en-US" dirty="0" smtClean="0"/>
+              <a:t>data-plane</a:t>
+            </a:r>
+            <a:endParaRPr lang="en-US" dirty="0"/>
+          </a:p>
+        </p:txBody>
+      </p:sp>
+      <p:sp>
+        <p:nvSpPr>
+          <p:cNvPr id="64" name="Cloud 63"/>
+          <p:cNvSpPr/>
+          <p:nvPr/>
+        </p:nvSpPr>
+        <p:spPr>
+          <a:xfrm>
+            <a:off x="4800600" y="2419350"/>
+            <a:ext cx="2286000" cy="1295400"/>
+          </a:xfrm>
+          <a:prstGeom prst="cloud">
+            <a:avLst/>
+          </a:prstGeom>
+          <a:noFill/>
+          <a:ln w="3175"/>
+        </p:spPr>
+        <p:style>
+          <a:lnRef idx="2">
+            <a:schemeClr val="accent1">
+              <a:shade val="50000"/>
+            </a:schemeClr>
+          </a:lnRef>
+          <a:fillRef idx="1">
+            <a:schemeClr val="accent1"/>
+          </a:fillRef>
+          <a:effectRef idx="0">
+            <a:schemeClr val="accent1"/>
+          </a:effectRef>
+          <a:fontRef idx="minor">
+            <a:schemeClr val="lt1"/>
+          </a:fontRef>
+        </p:style>
+        <p:txBody>
+          <a:bodyPr rtlCol="0" anchor="ctr"/>
+          <a:lstStyle/>
+          <a:p>
+            <a:pPr algn="ctr"/>
+            <a:endParaRPr lang="en-US"/>
+          </a:p>
+        </p:txBody>
+      </p:sp>
+      <p:sp>
+        <p:nvSpPr>
+          <p:cNvPr id="65" name="TextBox 64"/>
+          <p:cNvSpPr txBox="1"/>
+          <p:nvPr/>
+        </p:nvSpPr>
+        <p:spPr>
+          <a:xfrm>
+            <a:off x="5638800" y="2800350"/>
+            <a:ext cx="2977097" cy="261610"/>
+          </a:xfrm>
+          <a:prstGeom prst="rect">
+            <a:avLst/>
+          </a:prstGeom>
+          <a:noFill/>
+        </p:spPr>
+        <p:txBody>
+          <a:bodyPr wrap="none" rtlCol="0">
+            <a:spAutoFit/>
+          </a:bodyPr>
+          <a:lstStyle/>
+          <a:p>
+            <a:r>
+              <a:rPr lang="en-US" sz="1100" dirty="0" smtClean="0"/>
+              <a:t>Calico (AWS) , flannel (Oracle) , cloud-weave(GC)</a:t>
+            </a:r>
+            <a:endParaRPr lang="en-US" dirty="0"/>
+          </a:p>
+        </p:txBody>
+      </p:sp>
+    </p:spTree>
+  </p:cSld>
+  <p:clrMapOvr>
+    <a:masterClrMapping/>
+  </p:clrMapOvr>
+</p:sld>
+</file>
+
+<file path=ppt/slides/slide19.xml><?xml version="1.0" encoding="utf-8"?>
+<p:sld xmlns:a="http://schemas.openxmlformats.org/drawingml/2006/main" xmlns:r="http://schemas.openxmlformats.org/officeDocument/2006/relationships" xmlns:p="http://schemas.openxmlformats.org/presentationml/2006/main">
+  <p:cSld>
+    <p:spTree>
+      <p:nvGrpSpPr>
+        <p:cNvPr id="1" name=""/>
+        <p:cNvGrpSpPr/>
+        <p:nvPr/>
+      </p:nvGrpSpPr>
+      <p:grpSpPr>
+        <a:xfrm>
+          <a:off x="0" y="0"/>
+          <a:ext cx="0" cy="0"/>
+          <a:chOff x="0" y="0"/>
+          <a:chExt cx="0" cy="0"/>
+        </a:xfrm>
+      </p:grpSpPr>
+      <p:sp>
+        <p:nvSpPr>
+          <p:cNvPr id="2" name="Rectangle 1"/>
+          <p:cNvSpPr/>
+          <p:nvPr/>
+        </p:nvSpPr>
+        <p:spPr>
+          <a:xfrm>
+            <a:off x="228600" y="1581150"/>
+            <a:ext cx="685800" cy="1905000"/>
+          </a:xfrm>
+          <a:prstGeom prst="rect">
+            <a:avLst/>
+          </a:prstGeom>
+        </p:spPr>
+        <p:style>
+          <a:lnRef idx="2">
+            <a:schemeClr val="accent1">
+              <a:shade val="50000"/>
+            </a:schemeClr>
+          </a:lnRef>
+          <a:fillRef idx="1">
+            <a:schemeClr val="accent1"/>
+          </a:fillRef>
+          <a:effectRef idx="0">
+            <a:schemeClr val="accent1"/>
+          </a:effectRef>
+          <a:fontRef idx="minor">
+            <a:schemeClr val="lt1"/>
+          </a:fontRef>
+        </p:style>
+        <p:txBody>
+          <a:bodyPr rtlCol="0" anchor="ctr"/>
+          <a:lstStyle/>
+          <a:p>
+            <a:pPr algn="ctr"/>
+            <a:r>
+              <a:rPr lang="en-US" dirty="0" smtClean="0"/>
+              <a:t>master</a:t>
+            </a:r>
+            <a:endParaRPr lang="en-US" dirty="0"/>
+          </a:p>
+        </p:txBody>
+      </p:sp>
+      <p:sp>
+        <p:nvSpPr>
+          <p:cNvPr id="3" name="Rectangle 2"/>
+          <p:cNvSpPr/>
+          <p:nvPr/>
+        </p:nvSpPr>
+        <p:spPr>
+          <a:xfrm>
+            <a:off x="2209800" y="285750"/>
+            <a:ext cx="6629400" cy="2057400"/>
+          </a:xfrm>
+          <a:prstGeom prst="rect">
+            <a:avLst/>
+          </a:prstGeom>
+          <a:noFill/>
+        </p:spPr>
+        <p:style>
+          <a:lnRef idx="2">
+            <a:schemeClr val="accent1">
+              <a:shade val="50000"/>
+            </a:schemeClr>
+          </a:lnRef>
+          <a:fillRef idx="1">
+            <a:schemeClr val="accent1"/>
+          </a:fillRef>
+          <a:effectRef idx="0">
+            <a:schemeClr val="accent1"/>
+          </a:effectRef>
+          <a:fontRef idx="minor">
+            <a:schemeClr val="lt1"/>
+          </a:fontRef>
+        </p:style>
+        <p:txBody>
+          <a:bodyPr rtlCol="0" anchor="ctr"/>
+          <a:lstStyle/>
+          <a:p>
+            <a:pPr algn="ctr"/>
+            <a:endParaRPr lang="en-US" dirty="0"/>
+          </a:p>
+        </p:txBody>
+      </p:sp>
+      <p:sp>
+        <p:nvSpPr>
+          <p:cNvPr id="4" name="Rectangle 3"/>
+          <p:cNvSpPr/>
+          <p:nvPr/>
+        </p:nvSpPr>
+        <p:spPr>
+          <a:xfrm>
+            <a:off x="2209800" y="2876550"/>
+            <a:ext cx="6629400" cy="2057400"/>
+          </a:xfrm>
+          <a:prstGeom prst="rect">
+            <a:avLst/>
+          </a:prstGeom>
+          <a:noFill/>
+        </p:spPr>
+        <p:style>
+          <a:lnRef idx="2">
+            <a:schemeClr val="accent1">
+              <a:shade val="50000"/>
+            </a:schemeClr>
+          </a:lnRef>
+          <a:fillRef idx="1">
+            <a:schemeClr val="accent1"/>
+          </a:fillRef>
+          <a:effectRef idx="0">
+            <a:schemeClr val="accent1"/>
+          </a:effectRef>
+          <a:fontRef idx="minor">
+            <a:schemeClr val="lt1"/>
+          </a:fontRef>
+        </p:style>
+        <p:txBody>
+          <a:bodyPr rtlCol="0" anchor="ctr"/>
+          <a:lstStyle/>
+          <a:p>
+            <a:pPr algn="ctr"/>
+            <a:endParaRPr lang="en-US" dirty="0"/>
+          </a:p>
+        </p:txBody>
+      </p:sp>
+      <p:sp>
+        <p:nvSpPr>
+          <p:cNvPr id="5" name="TextBox 4"/>
+          <p:cNvSpPr txBox="1"/>
+          <p:nvPr/>
+        </p:nvSpPr>
+        <p:spPr>
+          <a:xfrm>
+            <a:off x="2209800" y="84951"/>
+            <a:ext cx="1657826" cy="276999"/>
+          </a:xfrm>
+          <a:prstGeom prst="rect">
+            <a:avLst/>
+          </a:prstGeom>
+          <a:noFill/>
+        </p:spPr>
+        <p:txBody>
+          <a:bodyPr wrap="none" rtlCol="0">
+            <a:spAutoFit/>
+          </a:bodyPr>
+          <a:lstStyle/>
+          <a:p>
+            <a:r>
+              <a:rPr lang="en-US" sz="1200" dirty="0" smtClean="0"/>
+              <a:t>Node1: 192.168.99.100</a:t>
+            </a:r>
+            <a:endParaRPr lang="en-US" dirty="0"/>
+          </a:p>
+        </p:txBody>
+      </p:sp>
+      <p:sp>
+        <p:nvSpPr>
+          <p:cNvPr id="6" name="TextBox 5"/>
+          <p:cNvSpPr txBox="1"/>
+          <p:nvPr/>
+        </p:nvSpPr>
+        <p:spPr>
+          <a:xfrm>
+            <a:off x="2152174" y="2876550"/>
+            <a:ext cx="1657826" cy="276999"/>
+          </a:xfrm>
+          <a:prstGeom prst="rect">
+            <a:avLst/>
+          </a:prstGeom>
+          <a:noFill/>
+        </p:spPr>
+        <p:txBody>
+          <a:bodyPr wrap="none" rtlCol="0">
+            <a:spAutoFit/>
+          </a:bodyPr>
+          <a:lstStyle/>
+          <a:p>
+            <a:r>
+              <a:rPr lang="en-US" sz="1200" dirty="0" smtClean="0"/>
+              <a:t>Node2: 192.168.99.101</a:t>
+            </a:r>
+            <a:endParaRPr lang="en-US" dirty="0"/>
+          </a:p>
+        </p:txBody>
+      </p:sp>
+      <p:sp>
+        <p:nvSpPr>
+          <p:cNvPr id="7" name="TextBox 6"/>
+          <p:cNvSpPr txBox="1"/>
+          <p:nvPr/>
+        </p:nvSpPr>
+        <p:spPr>
+          <a:xfrm>
+            <a:off x="0" y="-19050"/>
+            <a:ext cx="2133600" cy="1600438"/>
+          </a:xfrm>
+          <a:prstGeom prst="rect">
+            <a:avLst/>
+          </a:prstGeom>
+          <a:noFill/>
+        </p:spPr>
+        <p:txBody>
+          <a:bodyPr wrap="square" rtlCol="0">
+            <a:spAutoFit/>
+          </a:bodyPr>
+          <a:lstStyle/>
+          <a:p>
+            <a:r>
+              <a:rPr lang="en-US" sz="1400" dirty="0" smtClean="0"/>
+              <a:t>POD-POD Communication</a:t>
+            </a:r>
+          </a:p>
+          <a:p>
+            <a:r>
+              <a:rPr lang="en-US" sz="1400" dirty="0" smtClean="0"/>
+              <a:t>Any pod should be able to talk to any other pod</a:t>
+            </a:r>
+          </a:p>
+          <a:p>
+            <a:r>
+              <a:rPr lang="en-US" sz="1400" dirty="0" smtClean="0"/>
+              <a:t>1. </a:t>
+            </a:r>
+            <a:r>
+              <a:rPr lang="en-US" sz="1400" dirty="0" err="1" smtClean="0"/>
+              <a:t>kube</a:t>
+            </a:r>
+            <a:r>
+              <a:rPr lang="en-US" sz="1400" dirty="0" smtClean="0"/>
+              <a:t>-proxy of all the nodes will make an entries in the </a:t>
+            </a:r>
+            <a:r>
+              <a:rPr lang="en-US" sz="1400" dirty="0" err="1" smtClean="0"/>
+              <a:t>iptables</a:t>
+            </a:r>
+            <a:r>
+              <a:rPr lang="en-US" sz="1400" dirty="0" smtClean="0"/>
+              <a:t> about the next hop</a:t>
+            </a:r>
+            <a:endParaRPr lang="en-US" dirty="0"/>
+          </a:p>
+        </p:txBody>
+      </p:sp>
+      <p:sp>
+        <p:nvSpPr>
+          <p:cNvPr id="8" name="Oval 7"/>
+          <p:cNvSpPr/>
+          <p:nvPr/>
+        </p:nvSpPr>
+        <p:spPr>
+          <a:xfrm>
+            <a:off x="4572000" y="819150"/>
+            <a:ext cx="1219200" cy="381000"/>
+          </a:xfrm>
+          <a:prstGeom prst="ellipse">
+            <a:avLst/>
+          </a:prstGeom>
+        </p:spPr>
+        <p:style>
+          <a:lnRef idx="2">
+            <a:schemeClr val="accent1">
+              <a:shade val="50000"/>
+            </a:schemeClr>
+          </a:lnRef>
+          <a:fillRef idx="1">
+            <a:schemeClr val="accent1"/>
+          </a:fillRef>
+          <a:effectRef idx="0">
+            <a:schemeClr val="accent1"/>
+          </a:effectRef>
+          <a:fontRef idx="minor">
+            <a:schemeClr val="lt1"/>
+          </a:fontRef>
+        </p:style>
+        <p:txBody>
+          <a:bodyPr rtlCol="0" anchor="ctr"/>
+          <a:lstStyle/>
+          <a:p>
+            <a:pPr algn="ctr"/>
+            <a:r>
+              <a:rPr lang="en-US" sz="1200" dirty="0" smtClean="0"/>
+              <a:t>ghost</a:t>
+            </a:r>
+            <a:endParaRPr lang="en-US" dirty="0"/>
+          </a:p>
+        </p:txBody>
+      </p:sp>
+      <p:sp>
+        <p:nvSpPr>
+          <p:cNvPr id="9" name="TextBox 8"/>
+          <p:cNvSpPr txBox="1"/>
+          <p:nvPr/>
+        </p:nvSpPr>
+        <p:spPr>
+          <a:xfrm>
+            <a:off x="5181600" y="1047750"/>
+            <a:ext cx="1071127" cy="430887"/>
+          </a:xfrm>
+          <a:prstGeom prst="rect">
+            <a:avLst/>
+          </a:prstGeom>
+          <a:noFill/>
+        </p:spPr>
+        <p:txBody>
+          <a:bodyPr wrap="none" rtlCol="0">
+            <a:spAutoFit/>
+          </a:bodyPr>
+          <a:lstStyle/>
+          <a:p>
+            <a:r>
+              <a:rPr lang="en-US" sz="1100" dirty="0" smtClean="0"/>
+              <a:t>172.17.0.2</a:t>
+            </a:r>
+          </a:p>
+          <a:p>
+            <a:r>
+              <a:rPr lang="en-US" sz="1100" dirty="0" smtClean="0"/>
+              <a:t>Ping 172.18.0.3</a:t>
+            </a:r>
+            <a:endParaRPr lang="en-US" dirty="0"/>
+          </a:p>
+        </p:txBody>
+      </p:sp>
+      <p:sp>
+        <p:nvSpPr>
+          <p:cNvPr id="10" name="Oval 9"/>
+          <p:cNvSpPr/>
+          <p:nvPr/>
+        </p:nvSpPr>
+        <p:spPr>
+          <a:xfrm>
+            <a:off x="4648200" y="3333750"/>
+            <a:ext cx="1219200" cy="381000"/>
+          </a:xfrm>
+          <a:prstGeom prst="ellipse">
+            <a:avLst/>
+          </a:prstGeom>
+        </p:spPr>
+        <p:style>
+          <a:lnRef idx="2">
+            <a:schemeClr val="accent1">
+              <a:shade val="50000"/>
+            </a:schemeClr>
+          </a:lnRef>
+          <a:fillRef idx="1">
+            <a:schemeClr val="accent1"/>
+          </a:fillRef>
+          <a:effectRef idx="0">
+            <a:schemeClr val="accent1"/>
+          </a:effectRef>
+          <a:fontRef idx="minor">
+            <a:schemeClr val="lt1"/>
+          </a:fontRef>
+        </p:style>
+        <p:txBody>
+          <a:bodyPr rtlCol="0" anchor="ctr"/>
+          <a:lstStyle/>
+          <a:p>
+            <a:pPr algn="ctr"/>
+            <a:r>
+              <a:rPr lang="en-US" sz="1400" dirty="0" smtClean="0"/>
+              <a:t>db</a:t>
+            </a:r>
+            <a:endParaRPr lang="en-US" dirty="0"/>
+          </a:p>
+        </p:txBody>
+      </p:sp>
+      <p:sp>
+        <p:nvSpPr>
+          <p:cNvPr id="11" name="TextBox 10"/>
+          <p:cNvSpPr txBox="1"/>
+          <p:nvPr/>
+        </p:nvSpPr>
+        <p:spPr>
+          <a:xfrm>
+            <a:off x="4843389" y="3714750"/>
+            <a:ext cx="795411" cy="261610"/>
+          </a:xfrm>
+          <a:prstGeom prst="rect">
+            <a:avLst/>
+          </a:prstGeom>
+          <a:noFill/>
+        </p:spPr>
+        <p:txBody>
+          <a:bodyPr wrap="none" rtlCol="0">
+            <a:spAutoFit/>
+          </a:bodyPr>
+          <a:lstStyle/>
+          <a:p>
+            <a:r>
+              <a:rPr lang="en-US" sz="1100" dirty="0" smtClean="0"/>
+              <a:t>172.18.0.3</a:t>
+            </a:r>
+            <a:endParaRPr lang="en-US" dirty="0"/>
+          </a:p>
+        </p:txBody>
+      </p:sp>
+      <p:sp>
+        <p:nvSpPr>
+          <p:cNvPr id="17" name="TextBox 16"/>
+          <p:cNvSpPr txBox="1"/>
+          <p:nvPr/>
+        </p:nvSpPr>
+        <p:spPr>
+          <a:xfrm>
+            <a:off x="2206103" y="1733550"/>
+            <a:ext cx="2558714" cy="600164"/>
+          </a:xfrm>
+          <a:prstGeom prst="rect">
+            <a:avLst/>
+          </a:prstGeom>
+          <a:noFill/>
+        </p:spPr>
+        <p:txBody>
+          <a:bodyPr wrap="none" rtlCol="0">
+            <a:spAutoFit/>
+          </a:bodyPr>
+          <a:lstStyle/>
+          <a:p>
+            <a:r>
+              <a:rPr lang="en-US" sz="1100" dirty="0" err="1" smtClean="0"/>
+              <a:t>kube</a:t>
+            </a:r>
+            <a:r>
+              <a:rPr lang="en-US" sz="1100" dirty="0" smtClean="0"/>
+              <a:t>-proxy</a:t>
+            </a:r>
+          </a:p>
+          <a:p>
+            <a:r>
+              <a:rPr lang="en-US" sz="1100" dirty="0" smtClean="0"/>
+              <a:t>172.18.0.0/16    next hop 192.168.99.101</a:t>
+            </a:r>
+          </a:p>
+          <a:p>
+            <a:r>
+              <a:rPr lang="en-US" sz="1100" dirty="0" smtClean="0"/>
+              <a:t>172.17.0.0/16    </a:t>
+            </a:r>
+            <a:r>
+              <a:rPr lang="en-US" sz="1100" dirty="0" smtClean="0"/>
+              <a:t>next hop </a:t>
+            </a:r>
+            <a:r>
+              <a:rPr lang="en-US" sz="1100" dirty="0" smtClean="0"/>
+              <a:t>192.168.99.100</a:t>
+            </a:r>
+            <a:endParaRPr lang="en-US" dirty="0"/>
+          </a:p>
+        </p:txBody>
+      </p:sp>
+      <p:sp>
+        <p:nvSpPr>
+          <p:cNvPr id="19" name="TextBox 18"/>
+          <p:cNvSpPr txBox="1"/>
+          <p:nvPr/>
+        </p:nvSpPr>
+        <p:spPr>
+          <a:xfrm>
+            <a:off x="228600" y="1581150"/>
+            <a:ext cx="841897" cy="261610"/>
+          </a:xfrm>
+          <a:prstGeom prst="rect">
+            <a:avLst/>
+          </a:prstGeom>
+          <a:noFill/>
+        </p:spPr>
+        <p:txBody>
+          <a:bodyPr wrap="none" rtlCol="0">
+            <a:spAutoFit/>
+          </a:bodyPr>
+          <a:lstStyle/>
+          <a:p>
+            <a:r>
+              <a:rPr lang="en-US" sz="1100" dirty="0" err="1" smtClean="0"/>
+              <a:t>Kube</a:t>
+            </a:r>
+            <a:r>
+              <a:rPr lang="en-US" sz="1100" dirty="0" smtClean="0"/>
+              <a:t>-proxy</a:t>
+            </a:r>
+            <a:endParaRPr lang="en-US" dirty="0"/>
+          </a:p>
+        </p:txBody>
+      </p:sp>
+      <p:sp>
+        <p:nvSpPr>
+          <p:cNvPr id="20" name="Cloud 19"/>
+          <p:cNvSpPr/>
+          <p:nvPr/>
+        </p:nvSpPr>
+        <p:spPr>
+          <a:xfrm>
+            <a:off x="762000" y="1352550"/>
+            <a:ext cx="1600200" cy="2590800"/>
+          </a:xfrm>
+          <a:prstGeom prst="cloud">
+            <a:avLst/>
+          </a:prstGeom>
+          <a:noFill/>
+          <a:ln w="3175"/>
+        </p:spPr>
+        <p:style>
+          <a:lnRef idx="2">
+            <a:schemeClr val="accent1">
+              <a:shade val="50000"/>
+            </a:schemeClr>
+          </a:lnRef>
+          <a:fillRef idx="1">
+            <a:schemeClr val="accent1"/>
+          </a:fillRef>
+          <a:effectRef idx="0">
+            <a:schemeClr val="accent1"/>
+          </a:effectRef>
+          <a:fontRef idx="minor">
+            <a:schemeClr val="lt1"/>
+          </a:fontRef>
+        </p:style>
+        <p:txBody>
+          <a:bodyPr rtlCol="0" anchor="ctr"/>
+          <a:lstStyle/>
+          <a:p>
+            <a:pPr algn="ctr"/>
+            <a:endParaRPr lang="en-US"/>
+          </a:p>
+        </p:txBody>
+      </p:sp>
+      <p:sp>
+        <p:nvSpPr>
+          <p:cNvPr id="21" name="TextBox 20"/>
+          <p:cNvSpPr txBox="1"/>
+          <p:nvPr/>
+        </p:nvSpPr>
+        <p:spPr>
+          <a:xfrm>
+            <a:off x="2209800" y="4324350"/>
+            <a:ext cx="2558714" cy="600164"/>
+          </a:xfrm>
+          <a:prstGeom prst="rect">
+            <a:avLst/>
+          </a:prstGeom>
+          <a:noFill/>
+        </p:spPr>
+        <p:txBody>
+          <a:bodyPr wrap="none" rtlCol="0">
+            <a:spAutoFit/>
+          </a:bodyPr>
+          <a:lstStyle/>
+          <a:p>
+            <a:r>
+              <a:rPr lang="en-US" sz="1100" dirty="0" err="1" smtClean="0"/>
+              <a:t>kube</a:t>
+            </a:r>
+            <a:r>
+              <a:rPr lang="en-US" sz="1100" dirty="0" smtClean="0"/>
+              <a:t>-proxy</a:t>
+            </a:r>
+          </a:p>
+          <a:p>
+            <a:r>
+              <a:rPr lang="en-US" sz="1100" dirty="0" smtClean="0"/>
+              <a:t>172.18.0.0/16    next hop 192.168.99.101</a:t>
+            </a:r>
+          </a:p>
+          <a:p>
+            <a:r>
+              <a:rPr lang="en-US" sz="1100" dirty="0" smtClean="0"/>
+              <a:t>172.17.0.0/16    </a:t>
+            </a:r>
+            <a:r>
+              <a:rPr lang="en-US" sz="1100" dirty="0" smtClean="0"/>
+              <a:t>next hop </a:t>
+            </a:r>
+            <a:r>
+              <a:rPr lang="en-US" sz="1100" dirty="0" smtClean="0"/>
+              <a:t>192.168.99.100</a:t>
+            </a:r>
+            <a:endParaRPr lang="en-US" dirty="0"/>
+          </a:p>
+        </p:txBody>
+      </p:sp>
+      <p:cxnSp>
+        <p:nvCxnSpPr>
+          <p:cNvPr id="23" name="Straight Arrow Connector 22"/>
+          <p:cNvCxnSpPr>
+            <a:endCxn id="8" idx="3"/>
+          </p:cNvCxnSpPr>
+          <p:nvPr/>
+        </p:nvCxnSpPr>
+        <p:spPr>
+          <a:xfrm flipH="1" flipV="1">
+            <a:off x="4750548" y="1144354"/>
+            <a:ext cx="354852" cy="284396"/>
+          </a:xfrm>
+          <a:prstGeom prst="straightConnector1">
+            <a:avLst/>
+          </a:prstGeom>
+          <a:ln>
+            <a:tailEnd type="arrow"/>
+          </a:ln>
+        </p:spPr>
+        <p:style>
+          <a:lnRef idx="1">
+            <a:schemeClr val="accent1"/>
+          </a:lnRef>
+          <a:fillRef idx="0">
+            <a:schemeClr val="accent1"/>
+          </a:fillRef>
+          <a:effectRef idx="0">
+            <a:schemeClr val="accent1"/>
+          </a:effectRef>
+          <a:fontRef idx="minor">
+            <a:schemeClr val="tx1"/>
+          </a:fontRef>
+        </p:style>
+      </p:cxnSp>
+      <p:cxnSp>
+        <p:nvCxnSpPr>
+          <p:cNvPr id="25" name="Straight Arrow Connector 24"/>
+          <p:cNvCxnSpPr>
+            <a:stCxn id="8" idx="2"/>
+          </p:cNvCxnSpPr>
+          <p:nvPr/>
+        </p:nvCxnSpPr>
+        <p:spPr>
+          <a:xfrm flipH="1" flipV="1">
+            <a:off x="3200400" y="361950"/>
+            <a:ext cx="1371600" cy="647700"/>
+          </a:xfrm>
+          <a:prstGeom prst="straightConnector1">
+            <a:avLst/>
+          </a:prstGeom>
+          <a:ln>
+            <a:tailEnd type="arrow"/>
+          </a:ln>
+        </p:spPr>
+        <p:style>
+          <a:lnRef idx="1">
+            <a:schemeClr val="accent1"/>
+          </a:lnRef>
+          <a:fillRef idx="0">
+            <a:schemeClr val="accent1"/>
+          </a:fillRef>
+          <a:effectRef idx="0">
+            <a:schemeClr val="accent1"/>
+          </a:effectRef>
+          <a:fontRef idx="minor">
+            <a:schemeClr val="tx1"/>
+          </a:fontRef>
+        </p:style>
+      </p:cxnSp>
+      <p:cxnSp>
+        <p:nvCxnSpPr>
+          <p:cNvPr id="27" name="Straight Arrow Connector 26"/>
+          <p:cNvCxnSpPr>
+            <a:endCxn id="6" idx="0"/>
+          </p:cNvCxnSpPr>
+          <p:nvPr/>
+        </p:nvCxnSpPr>
+        <p:spPr>
+          <a:xfrm flipH="1">
+            <a:off x="2981087" y="514350"/>
+            <a:ext cx="143113" cy="2362200"/>
+          </a:xfrm>
+          <a:prstGeom prst="straightConnector1">
+            <a:avLst/>
+          </a:prstGeom>
+          <a:ln>
+            <a:tailEnd type="arrow"/>
+          </a:ln>
+        </p:spPr>
+        <p:style>
+          <a:lnRef idx="1">
+            <a:schemeClr val="accent1"/>
+          </a:lnRef>
+          <a:fillRef idx="0">
+            <a:schemeClr val="accent1"/>
+          </a:fillRef>
+          <a:effectRef idx="0">
+            <a:schemeClr val="accent1"/>
+          </a:effectRef>
+          <a:fontRef idx="minor">
+            <a:schemeClr val="tx1"/>
+          </a:fontRef>
+        </p:style>
+      </p:cxnSp>
+      <p:cxnSp>
+        <p:nvCxnSpPr>
+          <p:cNvPr id="29" name="Straight Arrow Connector 28"/>
+          <p:cNvCxnSpPr>
+            <a:stCxn id="6" idx="2"/>
+            <a:endCxn id="10" idx="2"/>
+          </p:cNvCxnSpPr>
+          <p:nvPr/>
+        </p:nvCxnSpPr>
+        <p:spPr>
+          <a:xfrm>
+            <a:off x="2981087" y="3153549"/>
+            <a:ext cx="1667113" cy="370701"/>
           </a:xfrm>
           <a:prstGeom prst="straightConnector1">
             <a:avLst/>
@@ -8737,6 +13403,1146 @@
           <a:prstGeom prst="line">
             <a:avLst/>
           </a:prstGeom>
+        </p:spPr>
+        <p:style>
+          <a:lnRef idx="1">
+            <a:schemeClr val="accent1"/>
+          </a:lnRef>
+          <a:fillRef idx="0">
+            <a:schemeClr val="accent1"/>
+          </a:fillRef>
+          <a:effectRef idx="0">
+            <a:schemeClr val="accent1"/>
+          </a:effectRef>
+          <a:fontRef idx="minor">
+            <a:schemeClr val="tx1"/>
+          </a:fontRef>
+        </p:style>
+      </p:cxnSp>
+    </p:spTree>
+  </p:cSld>
+  <p:clrMapOvr>
+    <a:masterClrMapping/>
+  </p:clrMapOvr>
+</p:sld>
+</file>
+
+<file path=ppt/slides/slide20.xml><?xml version="1.0" encoding="utf-8"?>
+<p:sld xmlns:a="http://schemas.openxmlformats.org/drawingml/2006/main" xmlns:r="http://schemas.openxmlformats.org/officeDocument/2006/relationships" xmlns:p="http://schemas.openxmlformats.org/presentationml/2006/main">
+  <p:cSld>
+    <p:spTree>
+      <p:nvGrpSpPr>
+        <p:cNvPr id="1" name=""/>
+        <p:cNvGrpSpPr/>
+        <p:nvPr/>
+      </p:nvGrpSpPr>
+      <p:grpSpPr>
+        <a:xfrm>
+          <a:off x="0" y="0"/>
+          <a:ext cx="0" cy="0"/>
+          <a:chOff x="0" y="0"/>
+          <a:chExt cx="0" cy="0"/>
+        </a:xfrm>
+      </p:grpSpPr>
+      <p:sp>
+        <p:nvSpPr>
+          <p:cNvPr id="2" name="Rectangle 1"/>
+          <p:cNvSpPr/>
+          <p:nvPr/>
+        </p:nvSpPr>
+        <p:spPr>
+          <a:xfrm>
+            <a:off x="228600" y="1581150"/>
+            <a:ext cx="685800" cy="1905000"/>
+          </a:xfrm>
+          <a:prstGeom prst="rect">
+            <a:avLst/>
+          </a:prstGeom>
+        </p:spPr>
+        <p:style>
+          <a:lnRef idx="2">
+            <a:schemeClr val="accent1">
+              <a:shade val="50000"/>
+            </a:schemeClr>
+          </a:lnRef>
+          <a:fillRef idx="1">
+            <a:schemeClr val="accent1"/>
+          </a:fillRef>
+          <a:effectRef idx="0">
+            <a:schemeClr val="accent1"/>
+          </a:effectRef>
+          <a:fontRef idx="minor">
+            <a:schemeClr val="lt1"/>
+          </a:fontRef>
+        </p:style>
+        <p:txBody>
+          <a:bodyPr rtlCol="0" anchor="ctr"/>
+          <a:lstStyle/>
+          <a:p>
+            <a:pPr algn="ctr"/>
+            <a:r>
+              <a:rPr lang="en-US" dirty="0" smtClean="0"/>
+              <a:t>master</a:t>
+            </a:r>
+            <a:endParaRPr lang="en-US" dirty="0"/>
+          </a:p>
+        </p:txBody>
+      </p:sp>
+      <p:sp>
+        <p:nvSpPr>
+          <p:cNvPr id="3" name="Rectangle 2"/>
+          <p:cNvSpPr/>
+          <p:nvPr/>
+        </p:nvSpPr>
+        <p:spPr>
+          <a:xfrm>
+            <a:off x="2209800" y="285750"/>
+            <a:ext cx="6629400" cy="2057400"/>
+          </a:xfrm>
+          <a:prstGeom prst="rect">
+            <a:avLst/>
+          </a:prstGeom>
+          <a:noFill/>
+        </p:spPr>
+        <p:style>
+          <a:lnRef idx="2">
+            <a:schemeClr val="accent1">
+              <a:shade val="50000"/>
+            </a:schemeClr>
+          </a:lnRef>
+          <a:fillRef idx="1">
+            <a:schemeClr val="accent1"/>
+          </a:fillRef>
+          <a:effectRef idx="0">
+            <a:schemeClr val="accent1"/>
+          </a:effectRef>
+          <a:fontRef idx="minor">
+            <a:schemeClr val="lt1"/>
+          </a:fontRef>
+        </p:style>
+        <p:txBody>
+          <a:bodyPr rtlCol="0" anchor="ctr"/>
+          <a:lstStyle/>
+          <a:p>
+            <a:pPr algn="ctr"/>
+            <a:endParaRPr lang="en-US" dirty="0"/>
+          </a:p>
+        </p:txBody>
+      </p:sp>
+      <p:sp>
+        <p:nvSpPr>
+          <p:cNvPr id="4" name="Rectangle 3"/>
+          <p:cNvSpPr/>
+          <p:nvPr/>
+        </p:nvSpPr>
+        <p:spPr>
+          <a:xfrm>
+            <a:off x="2209800" y="2876550"/>
+            <a:ext cx="6629400" cy="2057400"/>
+          </a:xfrm>
+          <a:prstGeom prst="rect">
+            <a:avLst/>
+          </a:prstGeom>
+          <a:noFill/>
+        </p:spPr>
+        <p:style>
+          <a:lnRef idx="2">
+            <a:schemeClr val="accent1">
+              <a:shade val="50000"/>
+            </a:schemeClr>
+          </a:lnRef>
+          <a:fillRef idx="1">
+            <a:schemeClr val="accent1"/>
+          </a:fillRef>
+          <a:effectRef idx="0">
+            <a:schemeClr val="accent1"/>
+          </a:effectRef>
+          <a:fontRef idx="minor">
+            <a:schemeClr val="lt1"/>
+          </a:fontRef>
+        </p:style>
+        <p:txBody>
+          <a:bodyPr rtlCol="0" anchor="ctr"/>
+          <a:lstStyle/>
+          <a:p>
+            <a:pPr algn="ctr"/>
+            <a:endParaRPr lang="en-US" dirty="0"/>
+          </a:p>
+        </p:txBody>
+      </p:sp>
+      <p:sp>
+        <p:nvSpPr>
+          <p:cNvPr id="5" name="TextBox 4"/>
+          <p:cNvSpPr txBox="1"/>
+          <p:nvPr/>
+        </p:nvSpPr>
+        <p:spPr>
+          <a:xfrm>
+            <a:off x="2209800" y="84951"/>
+            <a:ext cx="1657826" cy="276999"/>
+          </a:xfrm>
+          <a:prstGeom prst="rect">
+            <a:avLst/>
+          </a:prstGeom>
+          <a:noFill/>
+        </p:spPr>
+        <p:txBody>
+          <a:bodyPr wrap="none" rtlCol="0">
+            <a:spAutoFit/>
+          </a:bodyPr>
+          <a:lstStyle/>
+          <a:p>
+            <a:r>
+              <a:rPr lang="en-US" sz="1200" dirty="0" smtClean="0"/>
+              <a:t>Node1: 192.168.99.100</a:t>
+            </a:r>
+            <a:endParaRPr lang="en-US" dirty="0"/>
+          </a:p>
+        </p:txBody>
+      </p:sp>
+      <p:sp>
+        <p:nvSpPr>
+          <p:cNvPr id="6" name="TextBox 5"/>
+          <p:cNvSpPr txBox="1"/>
+          <p:nvPr/>
+        </p:nvSpPr>
+        <p:spPr>
+          <a:xfrm>
+            <a:off x="2152174" y="2876550"/>
+            <a:ext cx="1657826" cy="276999"/>
+          </a:xfrm>
+          <a:prstGeom prst="rect">
+            <a:avLst/>
+          </a:prstGeom>
+          <a:noFill/>
+        </p:spPr>
+        <p:txBody>
+          <a:bodyPr wrap="none" rtlCol="0">
+            <a:spAutoFit/>
+          </a:bodyPr>
+          <a:lstStyle/>
+          <a:p>
+            <a:r>
+              <a:rPr lang="en-US" sz="1200" dirty="0" smtClean="0"/>
+              <a:t>Node2: 192.168.99.101</a:t>
+            </a:r>
+            <a:endParaRPr lang="en-US" dirty="0"/>
+          </a:p>
+        </p:txBody>
+      </p:sp>
+      <p:sp>
+        <p:nvSpPr>
+          <p:cNvPr id="8" name="Oval 7"/>
+          <p:cNvSpPr/>
+          <p:nvPr/>
+        </p:nvSpPr>
+        <p:spPr>
+          <a:xfrm>
+            <a:off x="5943600" y="438150"/>
+            <a:ext cx="1219200" cy="381000"/>
+          </a:xfrm>
+          <a:prstGeom prst="ellipse">
+            <a:avLst/>
+          </a:prstGeom>
+        </p:spPr>
+        <p:style>
+          <a:lnRef idx="2">
+            <a:schemeClr val="accent1">
+              <a:shade val="50000"/>
+            </a:schemeClr>
+          </a:lnRef>
+          <a:fillRef idx="1">
+            <a:schemeClr val="accent1"/>
+          </a:fillRef>
+          <a:effectRef idx="0">
+            <a:schemeClr val="accent1"/>
+          </a:effectRef>
+          <a:fontRef idx="minor">
+            <a:schemeClr val="lt1"/>
+          </a:fontRef>
+        </p:style>
+        <p:txBody>
+          <a:bodyPr rtlCol="0" anchor="ctr"/>
+          <a:lstStyle/>
+          <a:p>
+            <a:pPr algn="ctr"/>
+            <a:r>
+              <a:rPr lang="en-US" sz="1200" dirty="0" smtClean="0"/>
+              <a:t>ghost</a:t>
+            </a:r>
+            <a:endParaRPr lang="en-US" dirty="0"/>
+          </a:p>
+        </p:txBody>
+      </p:sp>
+      <p:sp>
+        <p:nvSpPr>
+          <p:cNvPr id="9" name="TextBox 8"/>
+          <p:cNvSpPr txBox="1"/>
+          <p:nvPr/>
+        </p:nvSpPr>
+        <p:spPr>
+          <a:xfrm>
+            <a:off x="6781800" y="209550"/>
+            <a:ext cx="795411" cy="261610"/>
+          </a:xfrm>
+          <a:prstGeom prst="rect">
+            <a:avLst/>
+          </a:prstGeom>
+          <a:noFill/>
+        </p:spPr>
+        <p:txBody>
+          <a:bodyPr wrap="none" rtlCol="0">
+            <a:spAutoFit/>
+          </a:bodyPr>
+          <a:lstStyle/>
+          <a:p>
+            <a:r>
+              <a:rPr lang="en-US" sz="1100" dirty="0" smtClean="0"/>
+              <a:t>172.17.0.2</a:t>
+            </a:r>
+          </a:p>
+        </p:txBody>
+      </p:sp>
+      <p:sp>
+        <p:nvSpPr>
+          <p:cNvPr id="10" name="Oval 9"/>
+          <p:cNvSpPr/>
+          <p:nvPr/>
+        </p:nvSpPr>
+        <p:spPr>
+          <a:xfrm>
+            <a:off x="4648200" y="3333750"/>
+            <a:ext cx="1219200" cy="381000"/>
+          </a:xfrm>
+          <a:prstGeom prst="ellipse">
+            <a:avLst/>
+          </a:prstGeom>
+        </p:spPr>
+        <p:style>
+          <a:lnRef idx="2">
+            <a:schemeClr val="accent1">
+              <a:shade val="50000"/>
+            </a:schemeClr>
+          </a:lnRef>
+          <a:fillRef idx="1">
+            <a:schemeClr val="accent1"/>
+          </a:fillRef>
+          <a:effectRef idx="0">
+            <a:schemeClr val="accent1"/>
+          </a:effectRef>
+          <a:fontRef idx="minor">
+            <a:schemeClr val="lt1"/>
+          </a:fontRef>
+        </p:style>
+        <p:txBody>
+          <a:bodyPr rtlCol="0" anchor="ctr"/>
+          <a:lstStyle/>
+          <a:p>
+            <a:pPr algn="ctr"/>
+            <a:r>
+              <a:rPr lang="en-US" sz="1400" dirty="0" smtClean="0"/>
+              <a:t>db</a:t>
+            </a:r>
+            <a:endParaRPr lang="en-US" dirty="0"/>
+          </a:p>
+        </p:txBody>
+      </p:sp>
+      <p:sp>
+        <p:nvSpPr>
+          <p:cNvPr id="11" name="TextBox 10"/>
+          <p:cNvSpPr txBox="1"/>
+          <p:nvPr/>
+        </p:nvSpPr>
+        <p:spPr>
+          <a:xfrm>
+            <a:off x="4843389" y="3714750"/>
+            <a:ext cx="1122423" cy="261610"/>
+          </a:xfrm>
+          <a:prstGeom prst="rect">
+            <a:avLst/>
+          </a:prstGeom>
+          <a:noFill/>
+        </p:spPr>
+        <p:txBody>
+          <a:bodyPr wrap="none" rtlCol="0">
+            <a:spAutoFit/>
+          </a:bodyPr>
+          <a:lstStyle/>
+          <a:p>
+            <a:r>
+              <a:rPr lang="en-US" sz="1100" dirty="0" smtClean="0"/>
+              <a:t>172.18.0.3:3306</a:t>
+            </a:r>
+            <a:endParaRPr lang="en-US" dirty="0"/>
+          </a:p>
+        </p:txBody>
+      </p:sp>
+      <p:sp>
+        <p:nvSpPr>
+          <p:cNvPr id="17" name="TextBox 16"/>
+          <p:cNvSpPr txBox="1"/>
+          <p:nvPr/>
+        </p:nvSpPr>
+        <p:spPr>
+          <a:xfrm>
+            <a:off x="2209800" y="1428750"/>
+            <a:ext cx="3226845" cy="954107"/>
+          </a:xfrm>
+          <a:prstGeom prst="rect">
+            <a:avLst/>
+          </a:prstGeom>
+          <a:noFill/>
+        </p:spPr>
+        <p:txBody>
+          <a:bodyPr wrap="square" rtlCol="0">
+            <a:spAutoFit/>
+          </a:bodyPr>
+          <a:lstStyle/>
+          <a:p>
+            <a:r>
+              <a:rPr lang="en-US" sz="1100" dirty="0" smtClean="0"/>
+              <a:t>canal</a:t>
+            </a:r>
+          </a:p>
+          <a:p>
+            <a:r>
+              <a:rPr lang="en-US" sz="1100" dirty="0" err="1" smtClean="0"/>
+              <a:t>kube</a:t>
+            </a:r>
+            <a:r>
+              <a:rPr lang="en-US" sz="1100" dirty="0" smtClean="0"/>
+              <a:t>-proxy</a:t>
+            </a:r>
+          </a:p>
+          <a:p>
+            <a:r>
+              <a:rPr lang="en-US" sz="1100" dirty="0" smtClean="0"/>
+              <a:t>172.18.0.0/16    next hop 192.168.99.101</a:t>
+            </a:r>
+          </a:p>
+          <a:p>
+            <a:r>
+              <a:rPr lang="en-US" sz="1100" dirty="0" smtClean="0"/>
+              <a:t>172.17.0.0/16    </a:t>
+            </a:r>
+            <a:r>
+              <a:rPr lang="en-US" sz="1100" dirty="0" smtClean="0"/>
+              <a:t>next hop </a:t>
+            </a:r>
+            <a:r>
+              <a:rPr lang="en-US" sz="1100" dirty="0" smtClean="0"/>
+              <a:t>192.168.99.100</a:t>
+            </a:r>
+            <a:endParaRPr lang="en-US" sz="900" dirty="0" smtClean="0"/>
+          </a:p>
+          <a:p>
+            <a:r>
+              <a:rPr lang="en-US" sz="1200" dirty="0" smtClean="0"/>
+              <a:t>10.99.207.110:8888</a:t>
+            </a:r>
+            <a:r>
+              <a:rPr lang="en-US" sz="1200" dirty="0" smtClean="0">
+                <a:sym typeface="Wingdings" pitchFamily="2" charset="2"/>
+              </a:rPr>
+              <a:t></a:t>
+            </a:r>
+            <a:r>
+              <a:rPr lang="en-US" sz="1200" dirty="0" smtClean="0"/>
+              <a:t>lookup</a:t>
+            </a:r>
+            <a:r>
+              <a:rPr lang="en-US" sz="1200" dirty="0" smtClean="0">
+                <a:sym typeface="Wingdings" pitchFamily="2" charset="2"/>
+              </a:rPr>
+              <a:t> </a:t>
+            </a:r>
+            <a:r>
+              <a:rPr lang="en-US" sz="1200" dirty="0" smtClean="0">
+                <a:sym typeface="Wingdings" pitchFamily="2" charset="2"/>
+              </a:rPr>
+              <a:t>172.18.0.3:3306</a:t>
+            </a:r>
+            <a:endParaRPr lang="en-US" dirty="0"/>
+          </a:p>
+        </p:txBody>
+      </p:sp>
+      <p:sp>
+        <p:nvSpPr>
+          <p:cNvPr id="19" name="TextBox 18"/>
+          <p:cNvSpPr txBox="1"/>
+          <p:nvPr/>
+        </p:nvSpPr>
+        <p:spPr>
+          <a:xfrm>
+            <a:off x="228600" y="1581150"/>
+            <a:ext cx="841897" cy="261610"/>
+          </a:xfrm>
+          <a:prstGeom prst="rect">
+            <a:avLst/>
+          </a:prstGeom>
+          <a:noFill/>
+        </p:spPr>
+        <p:txBody>
+          <a:bodyPr wrap="none" rtlCol="0">
+            <a:spAutoFit/>
+          </a:bodyPr>
+          <a:lstStyle/>
+          <a:p>
+            <a:r>
+              <a:rPr lang="en-US" sz="1100" dirty="0" err="1" smtClean="0"/>
+              <a:t>Kube</a:t>
+            </a:r>
+            <a:r>
+              <a:rPr lang="en-US" sz="1100" dirty="0" smtClean="0"/>
+              <a:t>-proxy</a:t>
+            </a:r>
+            <a:endParaRPr lang="en-US" dirty="0"/>
+          </a:p>
+        </p:txBody>
+      </p:sp>
+      <p:sp>
+        <p:nvSpPr>
+          <p:cNvPr id="20" name="Cloud 19"/>
+          <p:cNvSpPr/>
+          <p:nvPr/>
+        </p:nvSpPr>
+        <p:spPr>
+          <a:xfrm>
+            <a:off x="762000" y="1352550"/>
+            <a:ext cx="1600200" cy="2590800"/>
+          </a:xfrm>
+          <a:prstGeom prst="cloud">
+            <a:avLst/>
+          </a:prstGeom>
+          <a:noFill/>
+          <a:ln w="3175"/>
+        </p:spPr>
+        <p:style>
+          <a:lnRef idx="2">
+            <a:schemeClr val="accent1">
+              <a:shade val="50000"/>
+            </a:schemeClr>
+          </a:lnRef>
+          <a:fillRef idx="1">
+            <a:schemeClr val="accent1"/>
+          </a:fillRef>
+          <a:effectRef idx="0">
+            <a:schemeClr val="accent1"/>
+          </a:effectRef>
+          <a:fontRef idx="minor">
+            <a:schemeClr val="lt1"/>
+          </a:fontRef>
+        </p:style>
+        <p:txBody>
+          <a:bodyPr rtlCol="0" anchor="ctr"/>
+          <a:lstStyle/>
+          <a:p>
+            <a:pPr algn="ctr"/>
+            <a:endParaRPr lang="en-US"/>
+          </a:p>
+        </p:txBody>
+      </p:sp>
+      <p:sp>
+        <p:nvSpPr>
+          <p:cNvPr id="21" name="TextBox 20"/>
+          <p:cNvSpPr txBox="1"/>
+          <p:nvPr/>
+        </p:nvSpPr>
+        <p:spPr>
+          <a:xfrm>
+            <a:off x="2209800" y="4019550"/>
+            <a:ext cx="2648482" cy="938719"/>
+          </a:xfrm>
+          <a:prstGeom prst="rect">
+            <a:avLst/>
+          </a:prstGeom>
+          <a:noFill/>
+        </p:spPr>
+        <p:txBody>
+          <a:bodyPr wrap="none" rtlCol="0">
+            <a:spAutoFit/>
+          </a:bodyPr>
+          <a:lstStyle/>
+          <a:p>
+            <a:r>
+              <a:rPr lang="en-US" sz="1100" dirty="0" smtClean="0"/>
+              <a:t>canal</a:t>
+            </a:r>
+            <a:endParaRPr lang="en-US" sz="1100" dirty="0" smtClean="0"/>
+          </a:p>
+          <a:p>
+            <a:r>
+              <a:rPr lang="en-US" sz="1100" dirty="0" err="1" smtClean="0"/>
+              <a:t>kube</a:t>
+            </a:r>
+            <a:r>
+              <a:rPr lang="en-US" sz="1100" dirty="0" smtClean="0"/>
+              <a:t>-proxy</a:t>
+            </a:r>
+          </a:p>
+          <a:p>
+            <a:r>
+              <a:rPr lang="en-US" sz="1100" dirty="0" smtClean="0"/>
+              <a:t>172.18.0.0/16    next hop 192.168.99.101</a:t>
+            </a:r>
+          </a:p>
+          <a:p>
+            <a:r>
+              <a:rPr lang="en-US" sz="1100" dirty="0" smtClean="0"/>
+              <a:t>172.17.0.0/16    </a:t>
+            </a:r>
+            <a:r>
+              <a:rPr lang="en-US" sz="1100" dirty="0" smtClean="0"/>
+              <a:t>next hop </a:t>
+            </a:r>
+            <a:r>
+              <a:rPr lang="en-US" sz="1100" dirty="0" smtClean="0"/>
+              <a:t>192.168.99.100</a:t>
+            </a:r>
+          </a:p>
+          <a:p>
+            <a:r>
+              <a:rPr lang="en-US" sz="1100" dirty="0" smtClean="0"/>
+              <a:t>10.99.207.110</a:t>
+            </a:r>
+            <a:r>
+              <a:rPr lang="en-US" sz="1100" dirty="0" smtClean="0">
+                <a:sym typeface="Wingdings" pitchFamily="2" charset="2"/>
+              </a:rPr>
+              <a:t></a:t>
+            </a:r>
+            <a:r>
+              <a:rPr lang="en-US" sz="1100" dirty="0" smtClean="0"/>
+              <a:t>lookup</a:t>
+            </a:r>
+            <a:r>
+              <a:rPr lang="en-US" sz="1100" dirty="0" smtClean="0">
+                <a:sym typeface="Wingdings" pitchFamily="2" charset="2"/>
+              </a:rPr>
+              <a:t> </a:t>
+            </a:r>
+            <a:r>
+              <a:rPr lang="en-US" sz="1100" dirty="0" smtClean="0">
+                <a:sym typeface="Wingdings" pitchFamily="2" charset="2"/>
+              </a:rPr>
+              <a:t>172.18.0.3:3306</a:t>
+            </a:r>
+            <a:endParaRPr lang="en-US" dirty="0"/>
+          </a:p>
+        </p:txBody>
+      </p:sp>
+      <p:sp>
+        <p:nvSpPr>
+          <p:cNvPr id="22" name="TextBox 21"/>
+          <p:cNvSpPr txBox="1"/>
+          <p:nvPr/>
+        </p:nvSpPr>
+        <p:spPr>
+          <a:xfrm>
+            <a:off x="6096000" y="742950"/>
+            <a:ext cx="3019416" cy="1015663"/>
+          </a:xfrm>
+          <a:prstGeom prst="rect">
+            <a:avLst/>
+          </a:prstGeom>
+          <a:noFill/>
+        </p:spPr>
+        <p:txBody>
+          <a:bodyPr wrap="none" rtlCol="0">
+            <a:spAutoFit/>
+          </a:bodyPr>
+          <a:lstStyle/>
+          <a:p>
+            <a:pPr marL="228600" indent="-228600">
+              <a:buAutoNum type="arabicPeriod"/>
+            </a:pPr>
+            <a:r>
+              <a:rPr lang="en-US" sz="1200" dirty="0" err="1" smtClean="0"/>
+              <a:t>Jdbc</a:t>
+            </a:r>
+            <a:r>
+              <a:rPr lang="en-US" sz="1200" dirty="0" smtClean="0"/>
+              <a:t>: db-svc:8888</a:t>
+            </a:r>
+          </a:p>
+          <a:p>
+            <a:pPr marL="342900" indent="-342900">
+              <a:buAutoNum type="arabicPeriod" startAt="2"/>
+            </a:pPr>
+            <a:r>
+              <a:rPr lang="en-US" sz="1200" dirty="0" smtClean="0"/>
+              <a:t>Checks /etc/</a:t>
+            </a:r>
+            <a:r>
+              <a:rPr lang="en-US" sz="1200" dirty="0" err="1" smtClean="0"/>
+              <a:t>resolv.conf</a:t>
+            </a:r>
+            <a:endParaRPr lang="en-US" sz="1200" dirty="0" smtClean="0"/>
+          </a:p>
+          <a:p>
+            <a:pPr marL="342900" indent="-342900">
+              <a:buAutoNum type="arabicPeriod" startAt="2"/>
+            </a:pPr>
+            <a:r>
+              <a:rPr lang="en-US" sz="1200" dirty="0" smtClean="0"/>
+              <a:t>Talks to </a:t>
+            </a:r>
+            <a:r>
+              <a:rPr lang="en-US" sz="1200" dirty="0" err="1" smtClean="0"/>
+              <a:t>dns</a:t>
+            </a:r>
+            <a:r>
+              <a:rPr lang="en-US" sz="1200" dirty="0" smtClean="0"/>
+              <a:t> and </a:t>
+            </a:r>
+            <a:r>
+              <a:rPr lang="en-US" sz="1200" dirty="0" err="1" smtClean="0"/>
+              <a:t>dns</a:t>
+            </a:r>
+            <a:r>
+              <a:rPr lang="en-US" sz="1200" dirty="0" smtClean="0"/>
+              <a:t> will reply back with</a:t>
+            </a:r>
+          </a:p>
+          <a:p>
+            <a:pPr marL="342900" indent="-342900"/>
+            <a:r>
+              <a:rPr lang="en-US" sz="1200" dirty="0" smtClean="0"/>
+              <a:t>10.99.207.110</a:t>
+            </a:r>
+          </a:p>
+          <a:p>
+            <a:pPr marL="342900" indent="-342900"/>
+            <a:r>
+              <a:rPr lang="en-US" sz="1200" dirty="0" smtClean="0"/>
+              <a:t>4. Connection for 10.99.207.110:8888</a:t>
+            </a:r>
+            <a:endParaRPr lang="en-US" dirty="0"/>
+          </a:p>
+        </p:txBody>
+      </p:sp>
+      <p:cxnSp>
+        <p:nvCxnSpPr>
+          <p:cNvPr id="26" name="Straight Arrow Connector 25"/>
+          <p:cNvCxnSpPr>
+            <a:endCxn id="8" idx="2"/>
+          </p:cNvCxnSpPr>
+          <p:nvPr/>
+        </p:nvCxnSpPr>
+        <p:spPr>
+          <a:xfrm flipH="1" flipV="1">
+            <a:off x="5943600" y="628650"/>
+            <a:ext cx="228600" cy="952500"/>
+          </a:xfrm>
+          <a:prstGeom prst="straightConnector1">
+            <a:avLst/>
+          </a:prstGeom>
+          <a:ln>
+            <a:tailEnd type="arrow"/>
+          </a:ln>
+        </p:spPr>
+        <p:style>
+          <a:lnRef idx="1">
+            <a:schemeClr val="accent1"/>
+          </a:lnRef>
+          <a:fillRef idx="0">
+            <a:schemeClr val="accent1"/>
+          </a:fillRef>
+          <a:effectRef idx="0">
+            <a:schemeClr val="accent1"/>
+          </a:effectRef>
+          <a:fontRef idx="minor">
+            <a:schemeClr val="tx1"/>
+          </a:fontRef>
+        </p:style>
+      </p:cxnSp>
+      <p:cxnSp>
+        <p:nvCxnSpPr>
+          <p:cNvPr id="30" name="Straight Arrow Connector 29"/>
+          <p:cNvCxnSpPr>
+            <a:stCxn id="8" idx="2"/>
+            <a:endCxn id="5" idx="3"/>
+          </p:cNvCxnSpPr>
+          <p:nvPr/>
+        </p:nvCxnSpPr>
+        <p:spPr>
+          <a:xfrm flipH="1" flipV="1">
+            <a:off x="3867626" y="223451"/>
+            <a:ext cx="2075974" cy="405199"/>
+          </a:xfrm>
+          <a:prstGeom prst="straightConnector1">
+            <a:avLst/>
+          </a:prstGeom>
+          <a:ln>
+            <a:tailEnd type="arrow"/>
+          </a:ln>
+        </p:spPr>
+        <p:style>
+          <a:lnRef idx="1">
+            <a:schemeClr val="accent1"/>
+          </a:lnRef>
+          <a:fillRef idx="0">
+            <a:schemeClr val="accent1"/>
+          </a:fillRef>
+          <a:effectRef idx="0">
+            <a:schemeClr val="accent1"/>
+          </a:effectRef>
+          <a:fontRef idx="minor">
+            <a:schemeClr val="tx1"/>
+          </a:fontRef>
+        </p:style>
+      </p:cxnSp>
+      <p:cxnSp>
+        <p:nvCxnSpPr>
+          <p:cNvPr id="32" name="Straight Arrow Connector 31"/>
+          <p:cNvCxnSpPr/>
+          <p:nvPr/>
+        </p:nvCxnSpPr>
+        <p:spPr>
+          <a:xfrm flipH="1">
+            <a:off x="1143000" y="361950"/>
+            <a:ext cx="1676400" cy="228600"/>
+          </a:xfrm>
+          <a:prstGeom prst="straightConnector1">
+            <a:avLst/>
+          </a:prstGeom>
+          <a:ln>
+            <a:tailEnd type="arrow"/>
+          </a:ln>
+        </p:spPr>
+        <p:style>
+          <a:lnRef idx="1">
+            <a:schemeClr val="accent1"/>
+          </a:lnRef>
+          <a:fillRef idx="0">
+            <a:schemeClr val="accent1"/>
+          </a:fillRef>
+          <a:effectRef idx="0">
+            <a:schemeClr val="accent1"/>
+          </a:effectRef>
+          <a:fontRef idx="minor">
+            <a:schemeClr val="tx1"/>
+          </a:fontRef>
+        </p:style>
+      </p:cxnSp>
+      <p:cxnSp>
+        <p:nvCxnSpPr>
+          <p:cNvPr id="34" name="Straight Arrow Connector 33"/>
+          <p:cNvCxnSpPr/>
+          <p:nvPr/>
+        </p:nvCxnSpPr>
+        <p:spPr>
+          <a:xfrm>
+            <a:off x="2286000" y="438150"/>
+            <a:ext cx="457200" cy="838200"/>
+          </a:xfrm>
+          <a:prstGeom prst="straightConnector1">
+            <a:avLst/>
+          </a:prstGeom>
+          <a:ln>
+            <a:tailEnd type="arrow"/>
+          </a:ln>
+        </p:spPr>
+        <p:style>
+          <a:lnRef idx="1">
+            <a:schemeClr val="accent1"/>
+          </a:lnRef>
+          <a:fillRef idx="0">
+            <a:schemeClr val="accent1"/>
+          </a:fillRef>
+          <a:effectRef idx="0">
+            <a:schemeClr val="accent1"/>
+          </a:effectRef>
+          <a:fontRef idx="minor">
+            <a:schemeClr val="tx1"/>
+          </a:fontRef>
+        </p:style>
+      </p:cxnSp>
+      <p:sp>
+        <p:nvSpPr>
+          <p:cNvPr id="35" name="TextBox 34"/>
+          <p:cNvSpPr txBox="1"/>
+          <p:nvPr/>
+        </p:nvSpPr>
+        <p:spPr>
+          <a:xfrm>
+            <a:off x="5943600" y="1047750"/>
+            <a:ext cx="263214" cy="276999"/>
+          </a:xfrm>
+          <a:prstGeom prst="rect">
+            <a:avLst/>
+          </a:prstGeom>
+          <a:noFill/>
+        </p:spPr>
+        <p:txBody>
+          <a:bodyPr wrap="none" rtlCol="0">
+            <a:spAutoFit/>
+          </a:bodyPr>
+          <a:lstStyle/>
+          <a:p>
+            <a:r>
+              <a:rPr lang="en-US" sz="1200" dirty="0" smtClean="0"/>
+              <a:t>5</a:t>
+            </a:r>
+            <a:endParaRPr lang="en-US" dirty="0"/>
+          </a:p>
+        </p:txBody>
+      </p:sp>
+      <p:sp>
+        <p:nvSpPr>
+          <p:cNvPr id="36" name="TextBox 35"/>
+          <p:cNvSpPr txBox="1"/>
+          <p:nvPr/>
+        </p:nvSpPr>
+        <p:spPr>
+          <a:xfrm>
+            <a:off x="5105400" y="361950"/>
+            <a:ext cx="263214" cy="276999"/>
+          </a:xfrm>
+          <a:prstGeom prst="rect">
+            <a:avLst/>
+          </a:prstGeom>
+          <a:noFill/>
+        </p:spPr>
+        <p:txBody>
+          <a:bodyPr wrap="none" rtlCol="0">
+            <a:spAutoFit/>
+          </a:bodyPr>
+          <a:lstStyle/>
+          <a:p>
+            <a:r>
+              <a:rPr lang="en-US" sz="1200" dirty="0" smtClean="0"/>
+              <a:t>6</a:t>
+            </a:r>
+            <a:endParaRPr lang="en-US" dirty="0"/>
+          </a:p>
+        </p:txBody>
+      </p:sp>
+      <p:sp>
+        <p:nvSpPr>
+          <p:cNvPr id="37" name="TextBox 36"/>
+          <p:cNvSpPr txBox="1"/>
+          <p:nvPr/>
+        </p:nvSpPr>
+        <p:spPr>
+          <a:xfrm>
+            <a:off x="2362200" y="285750"/>
+            <a:ext cx="263214" cy="276999"/>
+          </a:xfrm>
+          <a:prstGeom prst="rect">
+            <a:avLst/>
+          </a:prstGeom>
+          <a:noFill/>
+        </p:spPr>
+        <p:txBody>
+          <a:bodyPr wrap="none" rtlCol="0">
+            <a:spAutoFit/>
+          </a:bodyPr>
+          <a:lstStyle/>
+          <a:p>
+            <a:r>
+              <a:rPr lang="en-US" sz="1200" dirty="0" smtClean="0"/>
+              <a:t>7</a:t>
+            </a:r>
+            <a:endParaRPr lang="en-US" dirty="0"/>
+          </a:p>
+        </p:txBody>
+      </p:sp>
+      <p:sp>
+        <p:nvSpPr>
+          <p:cNvPr id="38" name="TextBox 37"/>
+          <p:cNvSpPr txBox="1"/>
+          <p:nvPr/>
+        </p:nvSpPr>
+        <p:spPr>
+          <a:xfrm>
+            <a:off x="2438400" y="742950"/>
+            <a:ext cx="1357166" cy="276999"/>
+          </a:xfrm>
+          <a:prstGeom prst="rect">
+            <a:avLst/>
+          </a:prstGeom>
+          <a:noFill/>
+        </p:spPr>
+        <p:txBody>
+          <a:bodyPr wrap="none" rtlCol="0">
+            <a:spAutoFit/>
+          </a:bodyPr>
+          <a:lstStyle/>
+          <a:p>
+            <a:r>
+              <a:rPr lang="en-US" sz="1200" dirty="0" smtClean="0"/>
+              <a:t>8: </a:t>
+            </a:r>
+            <a:r>
+              <a:rPr lang="en-US" sz="1200" dirty="0" err="1" smtClean="0"/>
+              <a:t>inflight</a:t>
+            </a:r>
+            <a:r>
+              <a:rPr lang="en-US" sz="1200" dirty="0" smtClean="0"/>
+              <a:t> snagging</a:t>
+            </a:r>
+            <a:endParaRPr lang="en-US" dirty="0"/>
+          </a:p>
+        </p:txBody>
+      </p:sp>
+      <p:cxnSp>
+        <p:nvCxnSpPr>
+          <p:cNvPr id="40" name="Straight Arrow Connector 39"/>
+          <p:cNvCxnSpPr/>
+          <p:nvPr/>
+        </p:nvCxnSpPr>
+        <p:spPr>
+          <a:xfrm>
+            <a:off x="2743200" y="1276350"/>
+            <a:ext cx="152400" cy="381000"/>
+          </a:xfrm>
+          <a:prstGeom prst="straightConnector1">
+            <a:avLst/>
+          </a:prstGeom>
+          <a:ln>
+            <a:tailEnd type="arrow"/>
+          </a:ln>
+        </p:spPr>
+        <p:style>
+          <a:lnRef idx="1">
+            <a:schemeClr val="accent1"/>
+          </a:lnRef>
+          <a:fillRef idx="0">
+            <a:schemeClr val="accent1"/>
+          </a:fillRef>
+          <a:effectRef idx="0">
+            <a:schemeClr val="accent1"/>
+          </a:effectRef>
+          <a:fontRef idx="minor">
+            <a:schemeClr val="tx1"/>
+          </a:fontRef>
+        </p:style>
+      </p:cxnSp>
+      <p:sp>
+        <p:nvSpPr>
+          <p:cNvPr id="41" name="TextBox 40"/>
+          <p:cNvSpPr txBox="1"/>
+          <p:nvPr/>
+        </p:nvSpPr>
+        <p:spPr>
+          <a:xfrm>
+            <a:off x="3200400" y="1352550"/>
+            <a:ext cx="2651623" cy="461665"/>
+          </a:xfrm>
+          <a:prstGeom prst="rect">
+            <a:avLst/>
+          </a:prstGeom>
+          <a:noFill/>
+        </p:spPr>
+        <p:txBody>
+          <a:bodyPr wrap="none" rtlCol="0">
+            <a:spAutoFit/>
+          </a:bodyPr>
+          <a:lstStyle/>
+          <a:p>
+            <a:r>
+              <a:rPr lang="en-US" sz="1200" dirty="0" smtClean="0"/>
+              <a:t>9 lookup and convert 10.. To 172.18.0.3</a:t>
+            </a:r>
+          </a:p>
+          <a:p>
+            <a:r>
+              <a:rPr lang="en-US" sz="1200" dirty="0" smtClean="0"/>
+              <a:t>10  POD to POD communication</a:t>
+            </a:r>
+            <a:endParaRPr lang="en-US" dirty="0"/>
+          </a:p>
+        </p:txBody>
+      </p:sp>
+      <p:cxnSp>
+        <p:nvCxnSpPr>
+          <p:cNvPr id="43" name="Straight Arrow Connector 42"/>
+          <p:cNvCxnSpPr/>
+          <p:nvPr/>
+        </p:nvCxnSpPr>
+        <p:spPr>
+          <a:xfrm flipH="1">
+            <a:off x="4648200" y="1809750"/>
+            <a:ext cx="685800" cy="152400"/>
+          </a:xfrm>
+          <a:prstGeom prst="straightConnector1">
+            <a:avLst/>
+          </a:prstGeom>
+          <a:ln>
+            <a:tailEnd type="arrow"/>
+          </a:ln>
+        </p:spPr>
+        <p:style>
+          <a:lnRef idx="1">
+            <a:schemeClr val="accent1"/>
+          </a:lnRef>
+          <a:fillRef idx="0">
+            <a:schemeClr val="accent1"/>
+          </a:fillRef>
+          <a:effectRef idx="0">
+            <a:schemeClr val="accent1"/>
+          </a:effectRef>
+          <a:fontRef idx="minor">
+            <a:schemeClr val="tx1"/>
+          </a:fontRef>
+        </p:style>
+      </p:cxnSp>
+      <p:cxnSp>
+        <p:nvCxnSpPr>
+          <p:cNvPr id="45" name="Straight Arrow Connector 44"/>
+          <p:cNvCxnSpPr>
+            <a:endCxn id="6" idx="3"/>
+          </p:cNvCxnSpPr>
+          <p:nvPr/>
+        </p:nvCxnSpPr>
+        <p:spPr>
+          <a:xfrm flipH="1">
+            <a:off x="3810000" y="2038350"/>
+            <a:ext cx="762000" cy="976700"/>
+          </a:xfrm>
+          <a:prstGeom prst="straightConnector1">
+            <a:avLst/>
+          </a:prstGeom>
+          <a:ln>
+            <a:tailEnd type="arrow"/>
+          </a:ln>
+        </p:spPr>
+        <p:style>
+          <a:lnRef idx="1">
+            <a:schemeClr val="accent1"/>
+          </a:lnRef>
+          <a:fillRef idx="0">
+            <a:schemeClr val="accent1"/>
+          </a:fillRef>
+          <a:effectRef idx="0">
+            <a:schemeClr val="accent1"/>
+          </a:effectRef>
+          <a:fontRef idx="minor">
+            <a:schemeClr val="tx1"/>
+          </a:fontRef>
+        </p:style>
+      </p:cxnSp>
+      <p:cxnSp>
+        <p:nvCxnSpPr>
+          <p:cNvPr id="47" name="Straight Arrow Connector 46"/>
+          <p:cNvCxnSpPr>
+            <a:stCxn id="6" idx="3"/>
+            <a:endCxn id="10" idx="2"/>
+          </p:cNvCxnSpPr>
+          <p:nvPr/>
+        </p:nvCxnSpPr>
+        <p:spPr>
+          <a:xfrm>
+            <a:off x="3810000" y="3015050"/>
+            <a:ext cx="838200" cy="509200"/>
+          </a:xfrm>
+          <a:prstGeom prst="straightConnector1">
+            <a:avLst/>
+          </a:prstGeom>
+          <a:ln>
+            <a:tailEnd type="arrow"/>
+          </a:ln>
         </p:spPr>
         <p:style>
           <a:lnRef idx="1">
@@ -14987,11 +20793,7 @@
             </a:r>
             <a:r>
               <a:rPr lang="en-US" dirty="0" smtClean="0"/>
-              <a:t>: </a:t>
-            </a:r>
-            <a:r>
-              <a:rPr lang="en-US" dirty="0" smtClean="0"/>
-              <a:t>192.168.99.101:9999</a:t>
+              <a:t>: 192.168.99.101:9999</a:t>
             </a:r>
           </a:p>
         </p:txBody>
@@ -15210,11 +21012,7 @@
             </a:r>
             <a:r>
               <a:rPr lang="en-US" dirty="0" smtClean="0"/>
-              <a:t>: </a:t>
-            </a:r>
-            <a:r>
-              <a:rPr lang="en-US" dirty="0" smtClean="0"/>
-              <a:t>172.17.0.6:3306</a:t>
+              <a:t>: 172.17.0.6:3306</a:t>
             </a:r>
           </a:p>
         </p:txBody>

--- a/rough-diag.pptx
+++ b/rough-diag.pptx
@@ -25,6 +25,8 @@
     <p:sldId id="273" r:id="rId19"/>
     <p:sldId id="274" r:id="rId20"/>
     <p:sldId id="275" r:id="rId21"/>
+    <p:sldId id="276" r:id="rId22"/>
+    <p:sldId id="277" r:id="rId23"/>
   </p:sldIdLst>
   <p:sldSz cx="9144000" cy="5143500" type="screen16x9"/>
   <p:notesSz cx="6858000" cy="9144000"/>
@@ -9883,7 +9885,7 @@
         <p:spPr>
           <a:xfrm>
             <a:off x="3048000" y="4835723"/>
-            <a:ext cx="670376" cy="307777"/>
+            <a:ext cx="1418978" cy="307777"/>
           </a:xfrm>
           <a:prstGeom prst="rect">
             <a:avLst/>
@@ -9898,7 +9900,7 @@
           <a:p>
             <a:r>
               <a:rPr lang="en-US" sz="1400" dirty="0" smtClean="0"/>
-              <a:t>Node1</a:t>
+              <a:t>Node1 k8snode1</a:t>
             </a:r>
             <a:endParaRPr lang="en-US" dirty="0"/>
           </a:p>
@@ -10033,7 +10035,7 @@
         <p:spPr>
           <a:xfrm>
             <a:off x="5867400" y="285750"/>
-            <a:ext cx="1139351" cy="307777"/>
+            <a:ext cx="1980222" cy="307777"/>
           </a:xfrm>
           <a:prstGeom prst="rect">
             <a:avLst/>
@@ -10048,7 +10050,7 @@
           <a:p>
             <a:r>
               <a:rPr lang="en-US" sz="1400" dirty="0" smtClean="0"/>
-              <a:t>Master Node</a:t>
+              <a:t>Master Node: k8smaster</a:t>
             </a:r>
             <a:endParaRPr lang="en-US" dirty="0"/>
           </a:p>
@@ -11108,6 +11110,178 @@
             <a:r>
               <a:rPr lang="en-US" sz="1100" dirty="0" smtClean="0"/>
               <a:t>Calico (AWS) , flannel (Oracle) , cloud-weave(GC)</a:t>
+            </a:r>
+            <a:endParaRPr lang="en-US" dirty="0"/>
+          </a:p>
+        </p:txBody>
+      </p:sp>
+      <p:sp>
+        <p:nvSpPr>
+          <p:cNvPr id="66" name="Rectangle 65"/>
+          <p:cNvSpPr/>
+          <p:nvPr/>
+        </p:nvSpPr>
+        <p:spPr>
+          <a:xfrm>
+            <a:off x="0" y="2724150"/>
+            <a:ext cx="1219200" cy="2419350"/>
+          </a:xfrm>
+          <a:prstGeom prst="rect">
+            <a:avLst/>
+          </a:prstGeom>
+        </p:spPr>
+        <p:style>
+          <a:lnRef idx="2">
+            <a:schemeClr val="accent1">
+              <a:shade val="50000"/>
+            </a:schemeClr>
+          </a:lnRef>
+          <a:fillRef idx="1">
+            <a:schemeClr val="accent1"/>
+          </a:fillRef>
+          <a:effectRef idx="0">
+            <a:schemeClr val="accent1"/>
+          </a:effectRef>
+          <a:fontRef idx="minor">
+            <a:schemeClr val="lt1"/>
+          </a:fontRef>
+        </p:style>
+        <p:txBody>
+          <a:bodyPr rtlCol="0" anchor="ctr"/>
+          <a:lstStyle/>
+          <a:p>
+            <a:pPr marL="228600" indent="-228600" algn="ctr">
+              <a:buAutoNum type="arabicPeriod"/>
+            </a:pPr>
+            <a:r>
+              <a:rPr lang="en-US" sz="1200" dirty="0" err="1" smtClean="0"/>
+              <a:t>Docker</a:t>
+            </a:r>
+            <a:endParaRPr lang="en-US" sz="1200" dirty="0" smtClean="0"/>
+          </a:p>
+          <a:p>
+            <a:pPr marL="342900" indent="-342900" algn="ctr">
+              <a:buAutoNum type="arabicPeriod"/>
+            </a:pPr>
+            <a:r>
+              <a:rPr lang="en-US" sz="1200" dirty="0" smtClean="0"/>
+              <a:t>K8s packages downloaded</a:t>
+            </a:r>
+            <a:endParaRPr lang="en-US" dirty="0"/>
+          </a:p>
+        </p:txBody>
+      </p:sp>
+      <p:sp>
+        <p:nvSpPr>
+          <p:cNvPr id="67" name="TextBox 66"/>
+          <p:cNvSpPr txBox="1"/>
+          <p:nvPr/>
+        </p:nvSpPr>
+        <p:spPr>
+          <a:xfrm>
+            <a:off x="0" y="2343150"/>
+            <a:ext cx="1147815" cy="369332"/>
+          </a:xfrm>
+          <a:prstGeom prst="rect">
+            <a:avLst/>
+          </a:prstGeom>
+          <a:noFill/>
+        </p:spPr>
+        <p:txBody>
+          <a:bodyPr wrap="none" rtlCol="0">
+            <a:spAutoFit/>
+          </a:bodyPr>
+          <a:lstStyle/>
+          <a:p>
+            <a:r>
+              <a:rPr lang="en-US" dirty="0" smtClean="0"/>
+              <a:t>k8smaster</a:t>
+            </a:r>
+            <a:endParaRPr lang="en-US" dirty="0"/>
+          </a:p>
+        </p:txBody>
+      </p:sp>
+      <p:sp>
+        <p:nvSpPr>
+          <p:cNvPr id="68" name="Rectangle 67"/>
+          <p:cNvSpPr/>
+          <p:nvPr/>
+        </p:nvSpPr>
+        <p:spPr>
+          <a:xfrm>
+            <a:off x="1371600" y="2724150"/>
+            <a:ext cx="1219200" cy="2419350"/>
+          </a:xfrm>
+          <a:prstGeom prst="rect">
+            <a:avLst/>
+          </a:prstGeom>
+        </p:spPr>
+        <p:style>
+          <a:lnRef idx="2">
+            <a:schemeClr val="accent1">
+              <a:shade val="50000"/>
+            </a:schemeClr>
+          </a:lnRef>
+          <a:fillRef idx="1">
+            <a:schemeClr val="accent1"/>
+          </a:fillRef>
+          <a:effectRef idx="0">
+            <a:schemeClr val="accent1"/>
+          </a:effectRef>
+          <a:fontRef idx="minor">
+            <a:schemeClr val="lt1"/>
+          </a:fontRef>
+        </p:style>
+        <p:txBody>
+          <a:bodyPr rtlCol="0" anchor="ctr"/>
+          <a:lstStyle/>
+          <a:p>
+            <a:pPr marL="228600" indent="-228600" algn="ctr">
+              <a:buAutoNum type="arabicPeriod"/>
+            </a:pPr>
+            <a:r>
+              <a:rPr lang="en-US" sz="1200" dirty="0" err="1" smtClean="0"/>
+              <a:t>Docker</a:t>
+            </a:r>
+            <a:endParaRPr lang="en-US" sz="1200" dirty="0" smtClean="0"/>
+          </a:p>
+          <a:p>
+            <a:pPr marL="342900" indent="-342900" algn="ctr">
+              <a:buAutoNum type="arabicPeriod"/>
+            </a:pPr>
+            <a:r>
+              <a:rPr lang="en-US" sz="1200" dirty="0" smtClean="0"/>
+              <a:t>K8s packages downloaded</a:t>
+            </a:r>
+            <a:endParaRPr lang="en-US" dirty="0"/>
+          </a:p>
+        </p:txBody>
+      </p:sp>
+      <p:sp>
+        <p:nvSpPr>
+          <p:cNvPr id="69" name="TextBox 68"/>
+          <p:cNvSpPr txBox="1"/>
+          <p:nvPr/>
+        </p:nvSpPr>
+        <p:spPr>
+          <a:xfrm>
+            <a:off x="1371600" y="2419350"/>
+            <a:ext cx="1093569" cy="369332"/>
+          </a:xfrm>
+          <a:prstGeom prst="rect">
+            <a:avLst/>
+          </a:prstGeom>
+          <a:noFill/>
+        </p:spPr>
+        <p:txBody>
+          <a:bodyPr wrap="none" rtlCol="0">
+            <a:spAutoFit/>
+          </a:bodyPr>
+          <a:lstStyle/>
+          <a:p>
+            <a:r>
+              <a:rPr lang="en-US" dirty="0" smtClean="0"/>
+              <a:t>k8snode1</a:t>
             </a:r>
             <a:endParaRPr lang="en-US" dirty="0"/>
           </a:p>
@@ -14559,6 +14733,2011 @@
           </a:fontRef>
         </p:style>
       </p:cxnSp>
+    </p:spTree>
+  </p:cSld>
+  <p:clrMapOvr>
+    <a:masterClrMapping/>
+  </p:clrMapOvr>
+</p:sld>
+</file>
+
+<file path=ppt/slides/slide21.xml><?xml version="1.0" encoding="utf-8"?>
+<p:sld xmlns:a="http://schemas.openxmlformats.org/drawingml/2006/main" xmlns:r="http://schemas.openxmlformats.org/officeDocument/2006/relationships" xmlns:p="http://schemas.openxmlformats.org/presentationml/2006/main">
+  <p:cSld>
+    <p:spTree>
+      <p:nvGrpSpPr>
+        <p:cNvPr id="1" name=""/>
+        <p:cNvGrpSpPr/>
+        <p:nvPr/>
+      </p:nvGrpSpPr>
+      <p:grpSpPr>
+        <a:xfrm>
+          <a:off x="0" y="0"/>
+          <a:ext cx="0" cy="0"/>
+          <a:chOff x="0" y="0"/>
+          <a:chExt cx="0" cy="0"/>
+        </a:xfrm>
+      </p:grpSpPr>
+      <p:sp>
+        <p:nvSpPr>
+          <p:cNvPr id="2" name="Rectangle 1"/>
+          <p:cNvSpPr/>
+          <p:nvPr/>
+        </p:nvSpPr>
+        <p:spPr>
+          <a:xfrm>
+            <a:off x="3200400" y="285750"/>
+            <a:ext cx="4800600" cy="2438400"/>
+          </a:xfrm>
+          <a:prstGeom prst="rect">
+            <a:avLst/>
+          </a:prstGeom>
+          <a:noFill/>
+        </p:spPr>
+        <p:style>
+          <a:lnRef idx="2">
+            <a:schemeClr val="accent1">
+              <a:shade val="50000"/>
+            </a:schemeClr>
+          </a:lnRef>
+          <a:fillRef idx="1">
+            <a:schemeClr val="accent1"/>
+          </a:fillRef>
+          <a:effectRef idx="0">
+            <a:schemeClr val="accent1"/>
+          </a:effectRef>
+          <a:fontRef idx="minor">
+            <a:schemeClr val="lt1"/>
+          </a:fontRef>
+        </p:style>
+        <p:txBody>
+          <a:bodyPr rtlCol="0" anchor="ctr"/>
+          <a:lstStyle/>
+          <a:p>
+            <a:pPr algn="ctr"/>
+            <a:endParaRPr lang="en-US"/>
+          </a:p>
+        </p:txBody>
+      </p:sp>
+      <p:sp>
+        <p:nvSpPr>
+          <p:cNvPr id="3" name="TextBox 2"/>
+          <p:cNvSpPr txBox="1"/>
+          <p:nvPr/>
+        </p:nvSpPr>
+        <p:spPr>
+          <a:xfrm>
+            <a:off x="3200400" y="285750"/>
+            <a:ext cx="2323072" cy="369332"/>
+          </a:xfrm>
+          <a:prstGeom prst="rect">
+            <a:avLst/>
+          </a:prstGeom>
+          <a:noFill/>
+        </p:spPr>
+        <p:txBody>
+          <a:bodyPr wrap="none" rtlCol="0">
+            <a:spAutoFit/>
+          </a:bodyPr>
+          <a:lstStyle/>
+          <a:p>
+            <a:r>
+              <a:rPr lang="en-US" dirty="0" smtClean="0"/>
+              <a:t>Node1 192.168.99.100</a:t>
+            </a:r>
+            <a:endParaRPr lang="en-US" dirty="0"/>
+          </a:p>
+        </p:txBody>
+      </p:sp>
+      <p:sp>
+        <p:nvSpPr>
+          <p:cNvPr id="4" name="Rectangle 3"/>
+          <p:cNvSpPr/>
+          <p:nvPr/>
+        </p:nvSpPr>
+        <p:spPr>
+          <a:xfrm>
+            <a:off x="228600" y="304800"/>
+            <a:ext cx="2209800" cy="2419350"/>
+          </a:xfrm>
+          <a:prstGeom prst="rect">
+            <a:avLst/>
+          </a:prstGeom>
+          <a:noFill/>
+        </p:spPr>
+        <p:style>
+          <a:lnRef idx="2">
+            <a:schemeClr val="accent1">
+              <a:shade val="50000"/>
+            </a:schemeClr>
+          </a:lnRef>
+          <a:fillRef idx="1">
+            <a:schemeClr val="accent1"/>
+          </a:fillRef>
+          <a:effectRef idx="0">
+            <a:schemeClr val="accent1"/>
+          </a:effectRef>
+          <a:fontRef idx="minor">
+            <a:schemeClr val="lt1"/>
+          </a:fontRef>
+        </p:style>
+        <p:txBody>
+          <a:bodyPr rtlCol="0" anchor="ctr"/>
+          <a:lstStyle/>
+          <a:p>
+            <a:pPr algn="ctr"/>
+            <a:endParaRPr lang="en-US"/>
+          </a:p>
+        </p:txBody>
+      </p:sp>
+      <p:sp>
+        <p:nvSpPr>
+          <p:cNvPr id="5" name="TextBox 4"/>
+          <p:cNvSpPr txBox="1"/>
+          <p:nvPr/>
+        </p:nvSpPr>
+        <p:spPr>
+          <a:xfrm>
+            <a:off x="228600" y="361950"/>
+            <a:ext cx="809837" cy="369332"/>
+          </a:xfrm>
+          <a:prstGeom prst="rect">
+            <a:avLst/>
+          </a:prstGeom>
+          <a:noFill/>
+        </p:spPr>
+        <p:txBody>
+          <a:bodyPr wrap="none" rtlCol="0">
+            <a:spAutoFit/>
+          </a:bodyPr>
+          <a:lstStyle/>
+          <a:p>
+            <a:r>
+              <a:rPr lang="en-US" dirty="0" smtClean="0"/>
+              <a:t>Node2</a:t>
+            </a:r>
+            <a:endParaRPr lang="en-US" dirty="0"/>
+          </a:p>
+        </p:txBody>
+      </p:sp>
+      <p:sp>
+        <p:nvSpPr>
+          <p:cNvPr id="6" name="Rectangle 5"/>
+          <p:cNvSpPr/>
+          <p:nvPr/>
+        </p:nvSpPr>
+        <p:spPr>
+          <a:xfrm>
+            <a:off x="4267200" y="819150"/>
+            <a:ext cx="1600200" cy="1371600"/>
+          </a:xfrm>
+          <a:prstGeom prst="rect">
+            <a:avLst/>
+          </a:prstGeom>
+          <a:noFill/>
+          <a:ln>
+            <a:noFill/>
+          </a:ln>
+        </p:spPr>
+        <p:style>
+          <a:lnRef idx="2">
+            <a:schemeClr val="accent1">
+              <a:shade val="50000"/>
+            </a:schemeClr>
+          </a:lnRef>
+          <a:fillRef idx="1">
+            <a:schemeClr val="accent1"/>
+          </a:fillRef>
+          <a:effectRef idx="0">
+            <a:schemeClr val="accent1"/>
+          </a:effectRef>
+          <a:fontRef idx="minor">
+            <a:schemeClr val="lt1"/>
+          </a:fontRef>
+        </p:style>
+        <p:txBody>
+          <a:bodyPr rtlCol="0" anchor="ctr"/>
+          <a:lstStyle/>
+          <a:p>
+            <a:pPr algn="ctr"/>
+            <a:endParaRPr lang="en-US"/>
+          </a:p>
+        </p:txBody>
+      </p:sp>
+      <p:sp>
+        <p:nvSpPr>
+          <p:cNvPr id="7" name="Rectangle 6"/>
+          <p:cNvSpPr/>
+          <p:nvPr/>
+        </p:nvSpPr>
+        <p:spPr>
+          <a:xfrm>
+            <a:off x="5486400" y="971550"/>
+            <a:ext cx="1600200" cy="1447800"/>
+          </a:xfrm>
+          <a:prstGeom prst="rect">
+            <a:avLst/>
+          </a:prstGeom>
+          <a:noFill/>
+        </p:spPr>
+        <p:style>
+          <a:lnRef idx="2">
+            <a:schemeClr val="accent1">
+              <a:shade val="50000"/>
+            </a:schemeClr>
+          </a:lnRef>
+          <a:fillRef idx="1">
+            <a:schemeClr val="accent1"/>
+          </a:fillRef>
+          <a:effectRef idx="0">
+            <a:schemeClr val="accent1"/>
+          </a:effectRef>
+          <a:fontRef idx="minor">
+            <a:schemeClr val="lt1"/>
+          </a:fontRef>
+        </p:style>
+        <p:txBody>
+          <a:bodyPr rtlCol="0" anchor="ctr"/>
+          <a:lstStyle/>
+          <a:p>
+            <a:pPr algn="ctr"/>
+            <a:endParaRPr lang="en-US"/>
+          </a:p>
+        </p:txBody>
+      </p:sp>
+      <p:sp>
+        <p:nvSpPr>
+          <p:cNvPr id="8" name="TextBox 7"/>
+          <p:cNvSpPr txBox="1"/>
+          <p:nvPr/>
+        </p:nvSpPr>
+        <p:spPr>
+          <a:xfrm>
+            <a:off x="5486400" y="666750"/>
+            <a:ext cx="550151" cy="369332"/>
+          </a:xfrm>
+          <a:prstGeom prst="rect">
+            <a:avLst/>
+          </a:prstGeom>
+          <a:noFill/>
+        </p:spPr>
+        <p:txBody>
+          <a:bodyPr wrap="none" rtlCol="0">
+            <a:spAutoFit/>
+          </a:bodyPr>
+          <a:lstStyle/>
+          <a:p>
+            <a:r>
+              <a:rPr lang="en-US" dirty="0" smtClean="0"/>
+              <a:t>pod</a:t>
+            </a:r>
+            <a:endParaRPr lang="en-US" dirty="0"/>
+          </a:p>
+        </p:txBody>
+      </p:sp>
+      <p:sp>
+        <p:nvSpPr>
+          <p:cNvPr id="9" name="Oval 8"/>
+          <p:cNvSpPr/>
+          <p:nvPr/>
+        </p:nvSpPr>
+        <p:spPr>
+          <a:xfrm>
+            <a:off x="5943600" y="1276350"/>
+            <a:ext cx="1219200" cy="1143000"/>
+          </a:xfrm>
+          <a:prstGeom prst="ellipse">
+            <a:avLst/>
+          </a:prstGeom>
+        </p:spPr>
+        <p:style>
+          <a:lnRef idx="2">
+            <a:schemeClr val="accent1">
+              <a:shade val="50000"/>
+            </a:schemeClr>
+          </a:lnRef>
+          <a:fillRef idx="1">
+            <a:schemeClr val="accent1"/>
+          </a:fillRef>
+          <a:effectRef idx="0">
+            <a:schemeClr val="accent1"/>
+          </a:effectRef>
+          <a:fontRef idx="minor">
+            <a:schemeClr val="lt1"/>
+          </a:fontRef>
+        </p:style>
+        <p:txBody>
+          <a:bodyPr rtlCol="0" anchor="ctr"/>
+          <a:lstStyle/>
+          <a:p>
+            <a:pPr algn="ctr"/>
+            <a:r>
+              <a:rPr lang="en-US" sz="1600" dirty="0" err="1" smtClean="0"/>
+              <a:t>Mysql</a:t>
+            </a:r>
+            <a:endParaRPr lang="en-US" sz="1600" dirty="0" smtClean="0"/>
+          </a:p>
+          <a:p>
+            <a:pPr algn="ctr"/>
+            <a:r>
+              <a:rPr lang="en-US" sz="1600" dirty="0" smtClean="0"/>
+              <a:t>/</a:t>
+            </a:r>
+            <a:r>
+              <a:rPr lang="en-US" sz="1600" dirty="0" err="1" smtClean="0"/>
+              <a:t>var</a:t>
+            </a:r>
+            <a:r>
+              <a:rPr lang="en-US" sz="1600" dirty="0" smtClean="0"/>
+              <a:t>/lib/</a:t>
+            </a:r>
+            <a:r>
+              <a:rPr lang="en-US" sz="1600" dirty="0" err="1" smtClean="0"/>
+              <a:t>mysql</a:t>
+            </a:r>
+            <a:endParaRPr lang="en-US" sz="1600" dirty="0"/>
+          </a:p>
+        </p:txBody>
+      </p:sp>
+      <p:sp>
+        <p:nvSpPr>
+          <p:cNvPr id="15" name="Rounded Rectangle 14"/>
+          <p:cNvSpPr/>
+          <p:nvPr/>
+        </p:nvSpPr>
+        <p:spPr>
+          <a:xfrm>
+            <a:off x="304800" y="2571750"/>
+            <a:ext cx="7543800" cy="533400"/>
+          </a:xfrm>
+          <a:prstGeom prst="roundRect">
+            <a:avLst/>
+          </a:prstGeom>
+        </p:spPr>
+        <p:style>
+          <a:lnRef idx="2">
+            <a:schemeClr val="accent1">
+              <a:shade val="50000"/>
+            </a:schemeClr>
+          </a:lnRef>
+          <a:fillRef idx="1">
+            <a:schemeClr val="accent1"/>
+          </a:fillRef>
+          <a:effectRef idx="0">
+            <a:schemeClr val="accent1"/>
+          </a:effectRef>
+          <a:fontRef idx="minor">
+            <a:schemeClr val="lt1"/>
+          </a:fontRef>
+        </p:style>
+        <p:txBody>
+          <a:bodyPr rtlCol="0" anchor="ctr"/>
+          <a:lstStyle/>
+          <a:p>
+            <a:pPr algn="ctr"/>
+            <a:r>
+              <a:rPr lang="en-US" dirty="0" smtClean="0"/>
+              <a:t>/</a:t>
+            </a:r>
+            <a:r>
+              <a:rPr lang="en-US" dirty="0" err="1" smtClean="0"/>
+              <a:t>mnt</a:t>
+            </a:r>
+            <a:r>
+              <a:rPr lang="en-US" dirty="0" smtClean="0"/>
+              <a:t>/sda2/data</a:t>
+            </a:r>
+            <a:endParaRPr lang="en-US" dirty="0"/>
+          </a:p>
+        </p:txBody>
+      </p:sp>
+      <p:sp>
+        <p:nvSpPr>
+          <p:cNvPr id="16" name="Rectangle 15"/>
+          <p:cNvSpPr/>
+          <p:nvPr/>
+        </p:nvSpPr>
+        <p:spPr>
+          <a:xfrm>
+            <a:off x="838200" y="2724150"/>
+            <a:ext cx="1066800" cy="304800"/>
+          </a:xfrm>
+          <a:prstGeom prst="rect">
+            <a:avLst/>
+          </a:prstGeom>
+        </p:spPr>
+        <p:style>
+          <a:lnRef idx="2">
+            <a:schemeClr val="accent1">
+              <a:shade val="50000"/>
+            </a:schemeClr>
+          </a:lnRef>
+          <a:fillRef idx="1">
+            <a:schemeClr val="accent1"/>
+          </a:fillRef>
+          <a:effectRef idx="0">
+            <a:schemeClr val="accent1"/>
+          </a:effectRef>
+          <a:fontRef idx="minor">
+            <a:schemeClr val="lt1"/>
+          </a:fontRef>
+        </p:style>
+        <p:txBody>
+          <a:bodyPr rtlCol="0" anchor="ctr"/>
+          <a:lstStyle/>
+          <a:p>
+            <a:pPr algn="ctr"/>
+            <a:r>
+              <a:rPr lang="en-US" dirty="0" err="1" smtClean="0"/>
+              <a:t>Proj</a:t>
+            </a:r>
+            <a:r>
+              <a:rPr lang="en-US" dirty="0" smtClean="0"/>
+              <a:t> (1G)</a:t>
+            </a:r>
+            <a:endParaRPr lang="en-US" dirty="0"/>
+          </a:p>
+        </p:txBody>
+      </p:sp>
+      <p:sp>
+        <p:nvSpPr>
+          <p:cNvPr id="17" name="Rectangle 16"/>
+          <p:cNvSpPr/>
+          <p:nvPr/>
+        </p:nvSpPr>
+        <p:spPr>
+          <a:xfrm>
+            <a:off x="5181600" y="2724150"/>
+            <a:ext cx="1219200" cy="304800"/>
+          </a:xfrm>
+          <a:prstGeom prst="rect">
+            <a:avLst/>
+          </a:prstGeom>
+        </p:spPr>
+        <p:style>
+          <a:lnRef idx="2">
+            <a:schemeClr val="accent1">
+              <a:shade val="50000"/>
+            </a:schemeClr>
+          </a:lnRef>
+          <a:fillRef idx="1">
+            <a:schemeClr val="accent1"/>
+          </a:fillRef>
+          <a:effectRef idx="0">
+            <a:schemeClr val="accent1"/>
+          </a:effectRef>
+          <a:fontRef idx="minor">
+            <a:schemeClr val="lt1"/>
+          </a:fontRef>
+        </p:style>
+        <p:txBody>
+          <a:bodyPr rtlCol="0" anchor="ctr"/>
+          <a:lstStyle/>
+          <a:p>
+            <a:pPr algn="ctr"/>
+            <a:r>
+              <a:rPr lang="en-US" dirty="0" smtClean="0"/>
+              <a:t>Proj2 (.5G)</a:t>
+            </a:r>
+            <a:endParaRPr lang="en-US" dirty="0"/>
+          </a:p>
+        </p:txBody>
+      </p:sp>
+      <p:sp>
+        <p:nvSpPr>
+          <p:cNvPr id="18" name="TextBox 17"/>
+          <p:cNvSpPr txBox="1"/>
+          <p:nvPr/>
+        </p:nvSpPr>
+        <p:spPr>
+          <a:xfrm>
+            <a:off x="762000" y="2507218"/>
+            <a:ext cx="433580" cy="369332"/>
+          </a:xfrm>
+          <a:prstGeom prst="rect">
+            <a:avLst/>
+          </a:prstGeom>
+          <a:noFill/>
+        </p:spPr>
+        <p:txBody>
+          <a:bodyPr wrap="none" rtlCol="0">
+            <a:spAutoFit/>
+          </a:bodyPr>
+          <a:lstStyle/>
+          <a:p>
+            <a:r>
+              <a:rPr lang="en-US" dirty="0" smtClean="0"/>
+              <a:t>PV</a:t>
+            </a:r>
+            <a:endParaRPr lang="en-US" dirty="0"/>
+          </a:p>
+        </p:txBody>
+      </p:sp>
+      <p:sp>
+        <p:nvSpPr>
+          <p:cNvPr id="19" name="TextBox 18"/>
+          <p:cNvSpPr txBox="1"/>
+          <p:nvPr/>
+        </p:nvSpPr>
+        <p:spPr>
+          <a:xfrm>
+            <a:off x="5181600" y="2495550"/>
+            <a:ext cx="433580" cy="369332"/>
+          </a:xfrm>
+          <a:prstGeom prst="rect">
+            <a:avLst/>
+          </a:prstGeom>
+          <a:noFill/>
+        </p:spPr>
+        <p:txBody>
+          <a:bodyPr wrap="none" rtlCol="0">
+            <a:spAutoFit/>
+          </a:bodyPr>
+          <a:lstStyle/>
+          <a:p>
+            <a:r>
+              <a:rPr lang="en-US" dirty="0" smtClean="0"/>
+              <a:t>PV</a:t>
+            </a:r>
+            <a:endParaRPr lang="en-US" dirty="0"/>
+          </a:p>
+        </p:txBody>
+      </p:sp>
+      <p:sp>
+        <p:nvSpPr>
+          <p:cNvPr id="21" name="TextBox 20"/>
+          <p:cNvSpPr txBox="1"/>
+          <p:nvPr/>
+        </p:nvSpPr>
+        <p:spPr>
+          <a:xfrm>
+            <a:off x="2362200" y="2647950"/>
+            <a:ext cx="554960" cy="369332"/>
+          </a:xfrm>
+          <a:prstGeom prst="rect">
+            <a:avLst/>
+          </a:prstGeom>
+          <a:noFill/>
+          <a:ln w="3175">
+            <a:solidFill>
+              <a:schemeClr val="tx1"/>
+            </a:solidFill>
+          </a:ln>
+        </p:spPr>
+        <p:txBody>
+          <a:bodyPr wrap="none" rtlCol="0">
+            <a:spAutoFit/>
+          </a:bodyPr>
+          <a:lstStyle/>
+          <a:p>
+            <a:r>
+              <a:rPr lang="en-US" dirty="0" smtClean="0"/>
+              <a:t>PVC</a:t>
+            </a:r>
+            <a:endParaRPr lang="en-US" dirty="0"/>
+          </a:p>
+        </p:txBody>
+      </p:sp>
+      <p:cxnSp>
+        <p:nvCxnSpPr>
+          <p:cNvPr id="23" name="Straight Arrow Connector 22"/>
+          <p:cNvCxnSpPr>
+            <a:stCxn id="21" idx="1"/>
+            <a:endCxn id="16" idx="3"/>
+          </p:cNvCxnSpPr>
+          <p:nvPr/>
+        </p:nvCxnSpPr>
+        <p:spPr>
+          <a:xfrm flipH="1">
+            <a:off x="1905000" y="2832616"/>
+            <a:ext cx="457200" cy="43934"/>
+          </a:xfrm>
+          <a:prstGeom prst="straightConnector1">
+            <a:avLst/>
+          </a:prstGeom>
+          <a:ln>
+            <a:solidFill>
+              <a:srgbClr val="FF0000"/>
+            </a:solidFill>
+            <a:tailEnd type="arrow"/>
+          </a:ln>
+        </p:spPr>
+        <p:style>
+          <a:lnRef idx="1">
+            <a:schemeClr val="accent1"/>
+          </a:lnRef>
+          <a:fillRef idx="0">
+            <a:schemeClr val="accent1"/>
+          </a:fillRef>
+          <a:effectRef idx="0">
+            <a:schemeClr val="accent1"/>
+          </a:effectRef>
+          <a:fontRef idx="minor">
+            <a:schemeClr val="tx1"/>
+          </a:fontRef>
+        </p:style>
+      </p:cxnSp>
+      <p:cxnSp>
+        <p:nvCxnSpPr>
+          <p:cNvPr id="29" name="Straight Arrow Connector 28"/>
+          <p:cNvCxnSpPr>
+            <a:stCxn id="9" idx="5"/>
+            <a:endCxn id="21" idx="0"/>
+          </p:cNvCxnSpPr>
+          <p:nvPr/>
+        </p:nvCxnSpPr>
+        <p:spPr>
+          <a:xfrm flipH="1">
+            <a:off x="2639680" y="2251962"/>
+            <a:ext cx="4344572" cy="395988"/>
+          </a:xfrm>
+          <a:prstGeom prst="straightConnector1">
+            <a:avLst/>
+          </a:prstGeom>
+          <a:ln>
+            <a:solidFill>
+              <a:srgbClr val="FF0000"/>
+            </a:solidFill>
+            <a:tailEnd type="arrow"/>
+          </a:ln>
+        </p:spPr>
+        <p:style>
+          <a:lnRef idx="1">
+            <a:schemeClr val="accent1"/>
+          </a:lnRef>
+          <a:fillRef idx="0">
+            <a:schemeClr val="accent1"/>
+          </a:fillRef>
+          <a:effectRef idx="0">
+            <a:schemeClr val="accent1"/>
+          </a:effectRef>
+          <a:fontRef idx="minor">
+            <a:schemeClr val="tx1"/>
+          </a:fontRef>
+        </p:style>
+      </p:cxnSp>
+    </p:spTree>
+  </p:cSld>
+  <p:clrMapOvr>
+    <a:masterClrMapping/>
+  </p:clrMapOvr>
+</p:sld>
+</file>
+
+<file path=ppt/slides/slide22.xml><?xml version="1.0" encoding="utf-8"?>
+<p:sld xmlns:a="http://schemas.openxmlformats.org/drawingml/2006/main" xmlns:r="http://schemas.openxmlformats.org/officeDocument/2006/relationships" xmlns:p="http://schemas.openxmlformats.org/presentationml/2006/main">
+  <p:cSld>
+    <p:spTree>
+      <p:nvGrpSpPr>
+        <p:cNvPr id="1" name=""/>
+        <p:cNvGrpSpPr/>
+        <p:nvPr/>
+      </p:nvGrpSpPr>
+      <p:grpSpPr>
+        <a:xfrm>
+          <a:off x="0" y="0"/>
+          <a:ext cx="0" cy="0"/>
+          <a:chOff x="0" y="0"/>
+          <a:chExt cx="0" cy="0"/>
+        </a:xfrm>
+      </p:grpSpPr>
+      <p:sp>
+        <p:nvSpPr>
+          <p:cNvPr id="2" name="Rectangle 1"/>
+          <p:cNvSpPr/>
+          <p:nvPr/>
+        </p:nvSpPr>
+        <p:spPr>
+          <a:xfrm>
+            <a:off x="4495800" y="514350"/>
+            <a:ext cx="1981200" cy="2286000"/>
+          </a:xfrm>
+          <a:prstGeom prst="rect">
+            <a:avLst/>
+          </a:prstGeom>
+          <a:noFill/>
+        </p:spPr>
+        <p:style>
+          <a:lnRef idx="2">
+            <a:schemeClr val="accent1">
+              <a:shade val="50000"/>
+            </a:schemeClr>
+          </a:lnRef>
+          <a:fillRef idx="1">
+            <a:schemeClr val="accent1"/>
+          </a:fillRef>
+          <a:effectRef idx="0">
+            <a:schemeClr val="accent1"/>
+          </a:effectRef>
+          <a:fontRef idx="minor">
+            <a:schemeClr val="lt1"/>
+          </a:fontRef>
+        </p:style>
+        <p:txBody>
+          <a:bodyPr rtlCol="0" anchor="ctr"/>
+          <a:lstStyle/>
+          <a:p>
+            <a:pPr algn="ctr"/>
+            <a:endParaRPr lang="en-US"/>
+          </a:p>
+        </p:txBody>
+      </p:sp>
+      <p:sp>
+        <p:nvSpPr>
+          <p:cNvPr id="3" name="TextBox 2"/>
+          <p:cNvSpPr txBox="1"/>
+          <p:nvPr/>
+        </p:nvSpPr>
+        <p:spPr>
+          <a:xfrm>
+            <a:off x="4495800" y="209550"/>
+            <a:ext cx="1147815" cy="369332"/>
+          </a:xfrm>
+          <a:prstGeom prst="rect">
+            <a:avLst/>
+          </a:prstGeom>
+          <a:noFill/>
+        </p:spPr>
+        <p:txBody>
+          <a:bodyPr wrap="none" rtlCol="0">
+            <a:spAutoFit/>
+          </a:bodyPr>
+          <a:lstStyle/>
+          <a:p>
+            <a:r>
+              <a:rPr lang="en-US" dirty="0" smtClean="0"/>
+              <a:t>k8smaster</a:t>
+            </a:r>
+            <a:endParaRPr lang="en-US" dirty="0"/>
+          </a:p>
+        </p:txBody>
+      </p:sp>
+      <p:sp>
+        <p:nvSpPr>
+          <p:cNvPr id="4" name="Rectangle 3"/>
+          <p:cNvSpPr/>
+          <p:nvPr/>
+        </p:nvSpPr>
+        <p:spPr>
+          <a:xfrm>
+            <a:off x="7162800" y="514350"/>
+            <a:ext cx="1981200" cy="2286000"/>
+          </a:xfrm>
+          <a:prstGeom prst="rect">
+            <a:avLst/>
+          </a:prstGeom>
+          <a:noFill/>
+        </p:spPr>
+        <p:style>
+          <a:lnRef idx="2">
+            <a:schemeClr val="accent1">
+              <a:shade val="50000"/>
+            </a:schemeClr>
+          </a:lnRef>
+          <a:fillRef idx="1">
+            <a:schemeClr val="accent1"/>
+          </a:fillRef>
+          <a:effectRef idx="0">
+            <a:schemeClr val="accent1"/>
+          </a:effectRef>
+          <a:fontRef idx="minor">
+            <a:schemeClr val="lt1"/>
+          </a:fontRef>
+        </p:style>
+        <p:txBody>
+          <a:bodyPr rtlCol="0" anchor="ctr"/>
+          <a:lstStyle/>
+          <a:p>
+            <a:pPr algn="ctr"/>
+            <a:endParaRPr lang="en-US"/>
+          </a:p>
+        </p:txBody>
+      </p:sp>
+      <p:sp>
+        <p:nvSpPr>
+          <p:cNvPr id="5" name="TextBox 4"/>
+          <p:cNvSpPr txBox="1"/>
+          <p:nvPr/>
+        </p:nvSpPr>
+        <p:spPr>
+          <a:xfrm>
+            <a:off x="7162800" y="209550"/>
+            <a:ext cx="976549" cy="369332"/>
+          </a:xfrm>
+          <a:prstGeom prst="rect">
+            <a:avLst/>
+          </a:prstGeom>
+          <a:noFill/>
+        </p:spPr>
+        <p:txBody>
+          <a:bodyPr wrap="none" rtlCol="0">
+            <a:spAutoFit/>
+          </a:bodyPr>
+          <a:lstStyle/>
+          <a:p>
+            <a:r>
+              <a:rPr lang="en-US" dirty="0" smtClean="0"/>
+              <a:t>k8snode</a:t>
+            </a:r>
+            <a:endParaRPr lang="en-US" dirty="0"/>
+          </a:p>
+        </p:txBody>
+      </p:sp>
+      <p:sp>
+        <p:nvSpPr>
+          <p:cNvPr id="6" name="TextBox 5"/>
+          <p:cNvSpPr txBox="1"/>
+          <p:nvPr/>
+        </p:nvSpPr>
+        <p:spPr>
+          <a:xfrm>
+            <a:off x="5658571" y="2419350"/>
+            <a:ext cx="818429" cy="369332"/>
+          </a:xfrm>
+          <a:prstGeom prst="rect">
+            <a:avLst/>
+          </a:prstGeom>
+          <a:noFill/>
+        </p:spPr>
+        <p:txBody>
+          <a:bodyPr wrap="none" rtlCol="0">
+            <a:spAutoFit/>
+          </a:bodyPr>
+          <a:lstStyle/>
+          <a:p>
+            <a:r>
+              <a:rPr lang="en-US" dirty="0" err="1" smtClean="0"/>
+              <a:t>docker</a:t>
+            </a:r>
+            <a:endParaRPr lang="en-US" dirty="0"/>
+          </a:p>
+        </p:txBody>
+      </p:sp>
+      <p:sp>
+        <p:nvSpPr>
+          <p:cNvPr id="7" name="TextBox 6"/>
+          <p:cNvSpPr txBox="1"/>
+          <p:nvPr/>
+        </p:nvSpPr>
+        <p:spPr>
+          <a:xfrm>
+            <a:off x="8325571" y="2419350"/>
+            <a:ext cx="818429" cy="369332"/>
+          </a:xfrm>
+          <a:prstGeom prst="rect">
+            <a:avLst/>
+          </a:prstGeom>
+          <a:noFill/>
+        </p:spPr>
+        <p:txBody>
+          <a:bodyPr wrap="none" rtlCol="0">
+            <a:spAutoFit/>
+          </a:bodyPr>
+          <a:lstStyle/>
+          <a:p>
+            <a:r>
+              <a:rPr lang="en-US" smtClean="0"/>
+              <a:t>docker</a:t>
+            </a:r>
+            <a:endParaRPr lang="en-US" dirty="0"/>
+          </a:p>
+        </p:txBody>
+      </p:sp>
+      <p:sp>
+        <p:nvSpPr>
+          <p:cNvPr id="8" name="Rectangle 7"/>
+          <p:cNvSpPr/>
+          <p:nvPr/>
+        </p:nvSpPr>
+        <p:spPr>
+          <a:xfrm>
+            <a:off x="228600" y="1943100"/>
+            <a:ext cx="2743200" cy="2895600"/>
+          </a:xfrm>
+          <a:prstGeom prst="rect">
+            <a:avLst/>
+          </a:prstGeom>
+          <a:noFill/>
+        </p:spPr>
+        <p:style>
+          <a:lnRef idx="2">
+            <a:schemeClr val="accent1">
+              <a:shade val="50000"/>
+            </a:schemeClr>
+          </a:lnRef>
+          <a:fillRef idx="1">
+            <a:schemeClr val="accent1"/>
+          </a:fillRef>
+          <a:effectRef idx="0">
+            <a:schemeClr val="accent1"/>
+          </a:effectRef>
+          <a:fontRef idx="minor">
+            <a:schemeClr val="lt1"/>
+          </a:fontRef>
+        </p:style>
+        <p:txBody>
+          <a:bodyPr rtlCol="0" anchor="ctr"/>
+          <a:lstStyle/>
+          <a:p>
+            <a:pPr algn="ctr"/>
+            <a:endParaRPr lang="en-US" dirty="0"/>
+          </a:p>
+        </p:txBody>
+      </p:sp>
+      <p:sp>
+        <p:nvSpPr>
+          <p:cNvPr id="9" name="TextBox 8"/>
+          <p:cNvSpPr txBox="1"/>
+          <p:nvPr/>
+        </p:nvSpPr>
+        <p:spPr>
+          <a:xfrm>
+            <a:off x="914400" y="4774168"/>
+            <a:ext cx="655949" cy="369332"/>
+          </a:xfrm>
+          <a:prstGeom prst="rect">
+            <a:avLst/>
+          </a:prstGeom>
+          <a:noFill/>
+        </p:spPr>
+        <p:txBody>
+          <a:bodyPr wrap="none" rtlCol="0">
+            <a:spAutoFit/>
+          </a:bodyPr>
+          <a:lstStyle/>
+          <a:p>
+            <a:r>
+              <a:rPr lang="en-US" dirty="0" smtClean="0"/>
+              <a:t>build</a:t>
+            </a:r>
+            <a:endParaRPr lang="en-US" dirty="0"/>
+          </a:p>
+        </p:txBody>
+      </p:sp>
+      <p:sp>
+        <p:nvSpPr>
+          <p:cNvPr id="10" name="TextBox 9"/>
+          <p:cNvSpPr txBox="1"/>
+          <p:nvPr/>
+        </p:nvSpPr>
+        <p:spPr>
+          <a:xfrm>
+            <a:off x="234949" y="2005905"/>
+            <a:ext cx="2867708" cy="2031325"/>
+          </a:xfrm>
+          <a:prstGeom prst="rect">
+            <a:avLst/>
+          </a:prstGeom>
+          <a:noFill/>
+        </p:spPr>
+        <p:txBody>
+          <a:bodyPr wrap="none" rtlCol="0">
+            <a:spAutoFit/>
+          </a:bodyPr>
+          <a:lstStyle/>
+          <a:p>
+            <a:pPr marL="342900" indent="-342900">
+              <a:buAutoNum type="arabicPeriod"/>
+            </a:pPr>
+            <a:r>
+              <a:rPr lang="en-US" sz="1400" dirty="0" smtClean="0"/>
+              <a:t>Install java</a:t>
+            </a:r>
+          </a:p>
+          <a:p>
+            <a:pPr marL="342900" indent="-342900">
+              <a:buAutoNum type="arabicPeriod"/>
+            </a:pPr>
+            <a:r>
+              <a:rPr lang="en-US" sz="1400" dirty="0" smtClean="0"/>
+              <a:t>Jenkins</a:t>
+            </a:r>
+          </a:p>
+          <a:p>
+            <a:pPr marL="342900" indent="-342900">
+              <a:buAutoNum type="arabicPeriod"/>
+            </a:pPr>
+            <a:r>
+              <a:rPr lang="en-US" sz="1400" dirty="0" smtClean="0"/>
+              <a:t>Configure project</a:t>
+            </a:r>
+          </a:p>
+          <a:p>
+            <a:pPr marL="342900" indent="-342900">
+              <a:buAutoNum type="arabicPeriod"/>
+            </a:pPr>
+            <a:r>
+              <a:rPr lang="en-US" sz="1400" dirty="0" smtClean="0"/>
+              <a:t>Checkout code from </a:t>
+            </a:r>
+            <a:r>
+              <a:rPr lang="en-US" sz="1400" dirty="0" err="1" smtClean="0"/>
+              <a:t>github</a:t>
+            </a:r>
+            <a:endParaRPr lang="en-US" sz="1400" dirty="0" smtClean="0"/>
+          </a:p>
+          <a:p>
+            <a:pPr marL="342900" indent="-342900">
+              <a:buAutoNum type="arabicPeriod"/>
+            </a:pPr>
+            <a:r>
+              <a:rPr lang="en-US" sz="1400" dirty="0" smtClean="0"/>
+              <a:t>Compile, tests</a:t>
+            </a:r>
+          </a:p>
+          <a:p>
+            <a:pPr marL="342900" indent="-342900">
+              <a:buAutoNum type="arabicPeriod"/>
+            </a:pPr>
+            <a:r>
+              <a:rPr lang="en-US" sz="1400" dirty="0" smtClean="0"/>
+              <a:t>Artifacts created (</a:t>
+            </a:r>
+            <a:r>
+              <a:rPr lang="en-US" sz="1400" dirty="0" err="1" smtClean="0"/>
+              <a:t>jar,war,files</a:t>
+            </a:r>
+            <a:r>
+              <a:rPr lang="en-US" sz="1400" dirty="0" smtClean="0"/>
+              <a:t>)</a:t>
+            </a:r>
+          </a:p>
+          <a:p>
+            <a:pPr marL="342900" indent="-342900">
+              <a:buAutoNum type="arabicPeriod"/>
+            </a:pPr>
+            <a:r>
+              <a:rPr lang="en-US" sz="1400" dirty="0" err="1" smtClean="0"/>
+              <a:t>Docker</a:t>
+            </a:r>
+            <a:r>
+              <a:rPr lang="en-US" sz="1400" dirty="0" smtClean="0"/>
+              <a:t> build </a:t>
+            </a:r>
+            <a:r>
+              <a:rPr lang="en-US" sz="1400" dirty="0" smtClean="0">
+                <a:sym typeface="Wingdings" pitchFamily="2" charset="2"/>
+              </a:rPr>
+              <a:t> create an image</a:t>
+            </a:r>
+          </a:p>
+          <a:p>
+            <a:pPr marL="342900" indent="-342900">
+              <a:buAutoNum type="arabicPeriod"/>
+            </a:pPr>
+            <a:r>
+              <a:rPr lang="en-US" sz="1400" dirty="0" err="1" smtClean="0">
+                <a:sym typeface="Wingdings" pitchFamily="2" charset="2"/>
+              </a:rPr>
+              <a:t>Docker</a:t>
+            </a:r>
+            <a:r>
+              <a:rPr lang="en-US" sz="1400" dirty="0" smtClean="0">
+                <a:sym typeface="Wingdings" pitchFamily="2" charset="2"/>
+              </a:rPr>
+              <a:t> image push</a:t>
+            </a:r>
+          </a:p>
+          <a:p>
+            <a:pPr marL="342900" indent="-342900">
+              <a:buAutoNum type="arabicPeriod"/>
+            </a:pPr>
+            <a:r>
+              <a:rPr lang="en-US" sz="1400" dirty="0" err="1" smtClean="0">
+                <a:sym typeface="Wingdings" pitchFamily="2" charset="2"/>
+              </a:rPr>
+              <a:t>Kubectl</a:t>
+            </a:r>
+            <a:r>
+              <a:rPr lang="en-US" sz="1400" dirty="0" smtClean="0">
+                <a:sym typeface="Wingdings" pitchFamily="2" charset="2"/>
+              </a:rPr>
+              <a:t> apply –f dep.yml</a:t>
+            </a:r>
+            <a:endParaRPr lang="en-US" sz="1400" dirty="0"/>
+          </a:p>
+        </p:txBody>
+      </p:sp>
+      <p:sp>
+        <p:nvSpPr>
+          <p:cNvPr id="11" name="Cloud 10"/>
+          <p:cNvSpPr/>
+          <p:nvPr/>
+        </p:nvSpPr>
+        <p:spPr>
+          <a:xfrm>
+            <a:off x="228600" y="209550"/>
+            <a:ext cx="2590800" cy="838200"/>
+          </a:xfrm>
+          <a:prstGeom prst="cloud">
+            <a:avLst/>
+          </a:prstGeom>
+        </p:spPr>
+        <p:style>
+          <a:lnRef idx="2">
+            <a:schemeClr val="accent1">
+              <a:shade val="50000"/>
+            </a:schemeClr>
+          </a:lnRef>
+          <a:fillRef idx="1">
+            <a:schemeClr val="accent1"/>
+          </a:fillRef>
+          <a:effectRef idx="0">
+            <a:schemeClr val="accent1"/>
+          </a:effectRef>
+          <a:fontRef idx="minor">
+            <a:schemeClr val="lt1"/>
+          </a:fontRef>
+        </p:style>
+        <p:txBody>
+          <a:bodyPr rtlCol="0" anchor="ctr"/>
+          <a:lstStyle/>
+          <a:p>
+            <a:pPr algn="ctr"/>
+            <a:r>
+              <a:rPr lang="en-US" sz="1200" dirty="0" smtClean="0"/>
+              <a:t>Github.com</a:t>
+            </a:r>
+          </a:p>
+          <a:p>
+            <a:pPr algn="ctr"/>
+            <a:r>
+              <a:rPr lang="en-US" sz="1200" dirty="0" err="1" smtClean="0"/>
+              <a:t>Func</a:t>
+            </a:r>
+            <a:r>
+              <a:rPr lang="en-US" sz="1200" dirty="0" smtClean="0"/>
+              <a:t> code, </a:t>
+            </a:r>
+            <a:r>
+              <a:rPr lang="en-US" sz="1200" dirty="0" err="1" smtClean="0"/>
+              <a:t>Dockerfile</a:t>
+            </a:r>
+            <a:r>
+              <a:rPr lang="en-US" sz="1200" dirty="0" smtClean="0"/>
+              <a:t>, dep.yml </a:t>
+            </a:r>
+            <a:endParaRPr lang="en-US" sz="1200" dirty="0"/>
+          </a:p>
+        </p:txBody>
+      </p:sp>
+      <p:cxnSp>
+        <p:nvCxnSpPr>
+          <p:cNvPr id="13" name="Straight Arrow Connector 12"/>
+          <p:cNvCxnSpPr/>
+          <p:nvPr/>
+        </p:nvCxnSpPr>
+        <p:spPr>
+          <a:xfrm>
+            <a:off x="1524000" y="895350"/>
+            <a:ext cx="533400" cy="1981200"/>
+          </a:xfrm>
+          <a:prstGeom prst="straightConnector1">
+            <a:avLst/>
+          </a:prstGeom>
+          <a:ln>
+            <a:tailEnd type="arrow"/>
+          </a:ln>
+        </p:spPr>
+        <p:style>
+          <a:lnRef idx="1">
+            <a:schemeClr val="accent1"/>
+          </a:lnRef>
+          <a:fillRef idx="0">
+            <a:schemeClr val="accent1"/>
+          </a:fillRef>
+          <a:effectRef idx="0">
+            <a:schemeClr val="accent1"/>
+          </a:effectRef>
+          <a:fontRef idx="minor">
+            <a:schemeClr val="tx1"/>
+          </a:fontRef>
+        </p:style>
+      </p:cxnSp>
+      <p:sp>
+        <p:nvSpPr>
+          <p:cNvPr id="14" name="Right Brace 13"/>
+          <p:cNvSpPr/>
+          <p:nvPr/>
+        </p:nvSpPr>
+        <p:spPr>
+          <a:xfrm>
+            <a:off x="2743200" y="2628900"/>
+            <a:ext cx="228600" cy="762000"/>
+          </a:xfrm>
+          <a:prstGeom prst="rightBrace">
+            <a:avLst/>
+          </a:prstGeom>
+        </p:spPr>
+        <p:style>
+          <a:lnRef idx="1">
+            <a:schemeClr val="accent1"/>
+          </a:lnRef>
+          <a:fillRef idx="0">
+            <a:schemeClr val="accent1"/>
+          </a:fillRef>
+          <a:effectRef idx="0">
+            <a:schemeClr val="accent1"/>
+          </a:effectRef>
+          <a:fontRef idx="minor">
+            <a:schemeClr val="tx1"/>
+          </a:fontRef>
+        </p:style>
+        <p:txBody>
+          <a:bodyPr rtlCol="0" anchor="ctr"/>
+          <a:lstStyle/>
+          <a:p>
+            <a:pPr algn="ctr"/>
+            <a:endParaRPr lang="en-US"/>
+          </a:p>
+        </p:txBody>
+      </p:sp>
+      <p:sp>
+        <p:nvSpPr>
+          <p:cNvPr id="15" name="TextBox 14"/>
+          <p:cNvSpPr txBox="1"/>
+          <p:nvPr/>
+        </p:nvSpPr>
+        <p:spPr>
+          <a:xfrm>
+            <a:off x="3048000" y="2792968"/>
+            <a:ext cx="365806" cy="369332"/>
+          </a:xfrm>
+          <a:prstGeom prst="rect">
+            <a:avLst/>
+          </a:prstGeom>
+          <a:noFill/>
+        </p:spPr>
+        <p:txBody>
+          <a:bodyPr wrap="none" rtlCol="0">
+            <a:spAutoFit/>
+          </a:bodyPr>
+          <a:lstStyle/>
+          <a:p>
+            <a:r>
+              <a:rPr lang="en-US" dirty="0" smtClean="0"/>
+              <a:t>CI</a:t>
+            </a:r>
+            <a:endParaRPr lang="en-US" dirty="0"/>
+          </a:p>
+        </p:txBody>
+      </p:sp>
+      <p:sp>
+        <p:nvSpPr>
+          <p:cNvPr id="16" name="TextBox 15"/>
+          <p:cNvSpPr txBox="1"/>
+          <p:nvPr/>
+        </p:nvSpPr>
+        <p:spPr>
+          <a:xfrm>
+            <a:off x="1676400" y="4533900"/>
+            <a:ext cx="1827360" cy="307777"/>
+          </a:xfrm>
+          <a:prstGeom prst="rect">
+            <a:avLst/>
+          </a:prstGeom>
+          <a:noFill/>
+        </p:spPr>
+        <p:txBody>
+          <a:bodyPr wrap="none" rtlCol="0">
+            <a:spAutoFit/>
+          </a:bodyPr>
+          <a:lstStyle/>
+          <a:p>
+            <a:r>
+              <a:rPr lang="en-US" sz="1400" dirty="0" err="1" smtClean="0"/>
+              <a:t>Docker</a:t>
+            </a:r>
+            <a:r>
+              <a:rPr lang="en-US" sz="1400" dirty="0" smtClean="0"/>
+              <a:t>, </a:t>
+            </a:r>
+            <a:r>
+              <a:rPr lang="en-US" sz="1400" dirty="0" err="1" smtClean="0"/>
+              <a:t>kubectl</a:t>
+            </a:r>
+            <a:r>
+              <a:rPr lang="en-US" sz="1400" dirty="0" smtClean="0"/>
+              <a:t>, </a:t>
+            </a:r>
+            <a:r>
+              <a:rPr lang="en-US" sz="1400" dirty="0" err="1" smtClean="0"/>
+              <a:t>config</a:t>
+            </a:r>
+            <a:endParaRPr lang="en-US" dirty="0"/>
+          </a:p>
+        </p:txBody>
+      </p:sp>
+      <p:cxnSp>
+        <p:nvCxnSpPr>
+          <p:cNvPr id="18" name="Straight Arrow Connector 17"/>
+          <p:cNvCxnSpPr>
+            <a:endCxn id="16" idx="0"/>
+          </p:cNvCxnSpPr>
+          <p:nvPr/>
+        </p:nvCxnSpPr>
+        <p:spPr>
+          <a:xfrm>
+            <a:off x="1143000" y="3467100"/>
+            <a:ext cx="1447080" cy="1066800"/>
+          </a:xfrm>
+          <a:prstGeom prst="straightConnector1">
+            <a:avLst/>
+          </a:prstGeom>
+          <a:ln>
+            <a:tailEnd type="arrow"/>
+          </a:ln>
+        </p:spPr>
+        <p:style>
+          <a:lnRef idx="1">
+            <a:schemeClr val="accent1"/>
+          </a:lnRef>
+          <a:fillRef idx="0">
+            <a:schemeClr val="accent1"/>
+          </a:fillRef>
+          <a:effectRef idx="0">
+            <a:schemeClr val="accent1"/>
+          </a:effectRef>
+          <a:fontRef idx="minor">
+            <a:schemeClr val="tx1"/>
+          </a:fontRef>
+        </p:style>
+      </p:cxnSp>
+      <p:cxnSp>
+        <p:nvCxnSpPr>
+          <p:cNvPr id="20" name="Straight Arrow Connector 19"/>
+          <p:cNvCxnSpPr/>
+          <p:nvPr/>
+        </p:nvCxnSpPr>
+        <p:spPr>
+          <a:xfrm flipH="1" flipV="1">
+            <a:off x="2209800" y="3467100"/>
+            <a:ext cx="380268" cy="1066800"/>
+          </a:xfrm>
+          <a:prstGeom prst="straightConnector1">
+            <a:avLst/>
+          </a:prstGeom>
+          <a:ln>
+            <a:tailEnd type="arrow"/>
+          </a:ln>
+        </p:spPr>
+        <p:style>
+          <a:lnRef idx="1">
+            <a:schemeClr val="accent1"/>
+          </a:lnRef>
+          <a:fillRef idx="0">
+            <a:schemeClr val="accent1"/>
+          </a:fillRef>
+          <a:effectRef idx="0">
+            <a:schemeClr val="accent1"/>
+          </a:effectRef>
+          <a:fontRef idx="minor">
+            <a:schemeClr val="tx1"/>
+          </a:fontRef>
+        </p:style>
+      </p:cxnSp>
+      <p:cxnSp>
+        <p:nvCxnSpPr>
+          <p:cNvPr id="22" name="Straight Arrow Connector 21"/>
+          <p:cNvCxnSpPr/>
+          <p:nvPr/>
+        </p:nvCxnSpPr>
+        <p:spPr>
+          <a:xfrm flipV="1">
+            <a:off x="2057400" y="1428750"/>
+            <a:ext cx="457200" cy="2362200"/>
+          </a:xfrm>
+          <a:prstGeom prst="straightConnector1">
+            <a:avLst/>
+          </a:prstGeom>
+          <a:ln>
+            <a:tailEnd type="arrow"/>
+          </a:ln>
+        </p:spPr>
+        <p:style>
+          <a:lnRef idx="1">
+            <a:schemeClr val="accent1"/>
+          </a:lnRef>
+          <a:fillRef idx="0">
+            <a:schemeClr val="accent1"/>
+          </a:fillRef>
+          <a:effectRef idx="0">
+            <a:schemeClr val="accent1"/>
+          </a:effectRef>
+          <a:fontRef idx="minor">
+            <a:schemeClr val="tx1"/>
+          </a:fontRef>
+        </p:style>
+      </p:cxnSp>
+      <p:sp>
+        <p:nvSpPr>
+          <p:cNvPr id="23" name="Cloud 22"/>
+          <p:cNvSpPr/>
+          <p:nvPr/>
+        </p:nvSpPr>
+        <p:spPr>
+          <a:xfrm>
+            <a:off x="2438400" y="971550"/>
+            <a:ext cx="1905000" cy="457200"/>
+          </a:xfrm>
+          <a:prstGeom prst="cloud">
+            <a:avLst/>
+          </a:prstGeom>
+        </p:spPr>
+        <p:style>
+          <a:lnRef idx="2">
+            <a:schemeClr val="accent1">
+              <a:shade val="50000"/>
+            </a:schemeClr>
+          </a:lnRef>
+          <a:fillRef idx="1">
+            <a:schemeClr val="accent1"/>
+          </a:fillRef>
+          <a:effectRef idx="0">
+            <a:schemeClr val="accent1"/>
+          </a:effectRef>
+          <a:fontRef idx="minor">
+            <a:schemeClr val="lt1"/>
+          </a:fontRef>
+        </p:style>
+        <p:txBody>
+          <a:bodyPr rtlCol="0" anchor="ctr"/>
+          <a:lstStyle/>
+          <a:p>
+            <a:pPr algn="ctr"/>
+            <a:r>
+              <a:rPr lang="en-US" sz="1200" dirty="0" smtClean="0"/>
+              <a:t>Hub.docker.com</a:t>
+            </a:r>
+            <a:endParaRPr lang="en-US" dirty="0"/>
+          </a:p>
+        </p:txBody>
+      </p:sp>
+      <p:sp>
+        <p:nvSpPr>
+          <p:cNvPr id="24" name="Right Brace 23"/>
+          <p:cNvSpPr/>
+          <p:nvPr/>
+        </p:nvSpPr>
+        <p:spPr>
+          <a:xfrm>
+            <a:off x="2971800" y="3390900"/>
+            <a:ext cx="152400" cy="381000"/>
+          </a:xfrm>
+          <a:prstGeom prst="rightBrace">
+            <a:avLst/>
+          </a:prstGeom>
+        </p:spPr>
+        <p:style>
+          <a:lnRef idx="1">
+            <a:schemeClr val="accent1"/>
+          </a:lnRef>
+          <a:fillRef idx="0">
+            <a:schemeClr val="accent1"/>
+          </a:fillRef>
+          <a:effectRef idx="0">
+            <a:schemeClr val="accent1"/>
+          </a:effectRef>
+          <a:fontRef idx="minor">
+            <a:schemeClr val="tx1"/>
+          </a:fontRef>
+        </p:style>
+        <p:txBody>
+          <a:bodyPr rtlCol="0" anchor="ctr"/>
+          <a:lstStyle/>
+          <a:p>
+            <a:pPr algn="ctr"/>
+            <a:endParaRPr lang="en-US"/>
+          </a:p>
+        </p:txBody>
+      </p:sp>
+      <p:sp>
+        <p:nvSpPr>
+          <p:cNvPr id="25" name="TextBox 24"/>
+          <p:cNvSpPr txBox="1"/>
+          <p:nvPr/>
+        </p:nvSpPr>
+        <p:spPr>
+          <a:xfrm>
+            <a:off x="3048000" y="3402568"/>
+            <a:ext cx="1446230" cy="369332"/>
+          </a:xfrm>
+          <a:prstGeom prst="rect">
+            <a:avLst/>
+          </a:prstGeom>
+          <a:noFill/>
+        </p:spPr>
+        <p:txBody>
+          <a:bodyPr wrap="none" rtlCol="0">
+            <a:spAutoFit/>
+          </a:bodyPr>
+          <a:lstStyle/>
+          <a:p>
+            <a:r>
+              <a:rPr lang="en-US" dirty="0" smtClean="0"/>
+              <a:t>Cont Delivery</a:t>
+            </a:r>
+            <a:endParaRPr lang="en-US" dirty="0"/>
+          </a:p>
+        </p:txBody>
+      </p:sp>
+      <p:cxnSp>
+        <p:nvCxnSpPr>
+          <p:cNvPr id="29" name="Straight Arrow Connector 28"/>
+          <p:cNvCxnSpPr/>
+          <p:nvPr/>
+        </p:nvCxnSpPr>
+        <p:spPr>
+          <a:xfrm flipV="1">
+            <a:off x="2438400" y="1276350"/>
+            <a:ext cx="2133600" cy="2667000"/>
+          </a:xfrm>
+          <a:prstGeom prst="straightConnector1">
+            <a:avLst/>
+          </a:prstGeom>
+          <a:ln>
+            <a:tailEnd type="arrow"/>
+          </a:ln>
+        </p:spPr>
+        <p:style>
+          <a:lnRef idx="1">
+            <a:schemeClr val="accent1"/>
+          </a:lnRef>
+          <a:fillRef idx="0">
+            <a:schemeClr val="accent1"/>
+          </a:fillRef>
+          <a:effectRef idx="0">
+            <a:schemeClr val="accent1"/>
+          </a:effectRef>
+          <a:fontRef idx="minor">
+            <a:schemeClr val="tx1"/>
+          </a:fontRef>
+        </p:style>
+      </p:cxnSp>
+      <p:sp>
+        <p:nvSpPr>
+          <p:cNvPr id="30" name="TextBox 29"/>
+          <p:cNvSpPr txBox="1"/>
+          <p:nvPr/>
+        </p:nvSpPr>
+        <p:spPr>
+          <a:xfrm>
+            <a:off x="4572000" y="1123950"/>
+            <a:ext cx="825803" cy="276999"/>
+          </a:xfrm>
+          <a:prstGeom prst="rect">
+            <a:avLst/>
+          </a:prstGeom>
+          <a:noFill/>
+        </p:spPr>
+        <p:txBody>
+          <a:bodyPr wrap="none" rtlCol="0">
+            <a:spAutoFit/>
+          </a:bodyPr>
+          <a:lstStyle/>
+          <a:p>
+            <a:r>
+              <a:rPr lang="en-US" sz="1200" dirty="0" err="1" smtClean="0"/>
+              <a:t>Api</a:t>
+            </a:r>
+            <a:r>
+              <a:rPr lang="en-US" sz="1200" dirty="0" smtClean="0"/>
+              <a:t>-server</a:t>
+            </a:r>
+            <a:endParaRPr lang="en-US" sz="1200" dirty="0"/>
+          </a:p>
+        </p:txBody>
+      </p:sp>
+      <p:sp>
+        <p:nvSpPr>
+          <p:cNvPr id="31" name="TextBox 30"/>
+          <p:cNvSpPr txBox="1"/>
+          <p:nvPr/>
+        </p:nvSpPr>
+        <p:spPr>
+          <a:xfrm>
+            <a:off x="4495800" y="1581150"/>
+            <a:ext cx="1408975" cy="276999"/>
+          </a:xfrm>
+          <a:prstGeom prst="rect">
+            <a:avLst/>
+          </a:prstGeom>
+          <a:noFill/>
+        </p:spPr>
+        <p:txBody>
+          <a:bodyPr wrap="none" rtlCol="0">
+            <a:spAutoFit/>
+          </a:bodyPr>
+          <a:lstStyle/>
+          <a:p>
+            <a:r>
+              <a:rPr lang="en-US" sz="1200" dirty="0" smtClean="0"/>
+              <a:t>Controller-manager</a:t>
+            </a:r>
+            <a:endParaRPr lang="en-US" sz="1200" dirty="0"/>
+          </a:p>
+        </p:txBody>
+      </p:sp>
+      <p:sp>
+        <p:nvSpPr>
+          <p:cNvPr id="32" name="TextBox 31"/>
+          <p:cNvSpPr txBox="1"/>
+          <p:nvPr/>
+        </p:nvSpPr>
+        <p:spPr>
+          <a:xfrm>
+            <a:off x="4572000" y="2114550"/>
+            <a:ext cx="793807" cy="276999"/>
+          </a:xfrm>
+          <a:prstGeom prst="rect">
+            <a:avLst/>
+          </a:prstGeom>
+          <a:noFill/>
+        </p:spPr>
+        <p:txBody>
+          <a:bodyPr wrap="none" rtlCol="0">
+            <a:spAutoFit/>
+          </a:bodyPr>
+          <a:lstStyle/>
+          <a:p>
+            <a:r>
+              <a:rPr lang="en-US" sz="1200" dirty="0" smtClean="0"/>
+              <a:t>scheduler</a:t>
+            </a:r>
+            <a:endParaRPr lang="en-US" sz="1200" dirty="0"/>
+          </a:p>
+        </p:txBody>
+      </p:sp>
+      <p:cxnSp>
+        <p:nvCxnSpPr>
+          <p:cNvPr id="34" name="Straight Arrow Connector 33"/>
+          <p:cNvCxnSpPr>
+            <a:endCxn id="31" idx="0"/>
+          </p:cNvCxnSpPr>
+          <p:nvPr/>
+        </p:nvCxnSpPr>
+        <p:spPr>
+          <a:xfrm>
+            <a:off x="4953000" y="1276350"/>
+            <a:ext cx="247288" cy="304800"/>
+          </a:xfrm>
+          <a:prstGeom prst="straightConnector1">
+            <a:avLst/>
+          </a:prstGeom>
+          <a:ln>
+            <a:tailEnd type="arrow"/>
+          </a:ln>
+        </p:spPr>
+        <p:style>
+          <a:lnRef idx="1">
+            <a:schemeClr val="accent1"/>
+          </a:lnRef>
+          <a:fillRef idx="0">
+            <a:schemeClr val="accent1"/>
+          </a:fillRef>
+          <a:effectRef idx="0">
+            <a:schemeClr val="accent1"/>
+          </a:effectRef>
+          <a:fontRef idx="minor">
+            <a:schemeClr val="tx1"/>
+          </a:fontRef>
+        </p:style>
+      </p:cxnSp>
+      <p:cxnSp>
+        <p:nvCxnSpPr>
+          <p:cNvPr id="36" name="Straight Arrow Connector 35"/>
+          <p:cNvCxnSpPr>
+            <a:stCxn id="31" idx="2"/>
+            <a:endCxn id="32" idx="0"/>
+          </p:cNvCxnSpPr>
+          <p:nvPr/>
+        </p:nvCxnSpPr>
+        <p:spPr>
+          <a:xfrm flipH="1">
+            <a:off x="4968904" y="1858149"/>
+            <a:ext cx="231384" cy="256401"/>
+          </a:xfrm>
+          <a:prstGeom prst="straightConnector1">
+            <a:avLst/>
+          </a:prstGeom>
+          <a:ln>
+            <a:tailEnd type="arrow"/>
+          </a:ln>
+        </p:spPr>
+        <p:style>
+          <a:lnRef idx="1">
+            <a:schemeClr val="accent1"/>
+          </a:lnRef>
+          <a:fillRef idx="0">
+            <a:schemeClr val="accent1"/>
+          </a:fillRef>
+          <a:effectRef idx="0">
+            <a:schemeClr val="accent1"/>
+          </a:effectRef>
+          <a:fontRef idx="minor">
+            <a:schemeClr val="tx1"/>
+          </a:fontRef>
+        </p:style>
+      </p:cxnSp>
+      <p:cxnSp>
+        <p:nvCxnSpPr>
+          <p:cNvPr id="38" name="Straight Arrow Connector 37"/>
+          <p:cNvCxnSpPr>
+            <a:stCxn id="32" idx="3"/>
+          </p:cNvCxnSpPr>
+          <p:nvPr/>
+        </p:nvCxnSpPr>
+        <p:spPr>
+          <a:xfrm flipV="1">
+            <a:off x="5365807" y="742950"/>
+            <a:ext cx="1873193" cy="1510100"/>
+          </a:xfrm>
+          <a:prstGeom prst="straightConnector1">
+            <a:avLst/>
+          </a:prstGeom>
+          <a:ln>
+            <a:tailEnd type="arrow"/>
+          </a:ln>
+        </p:spPr>
+        <p:style>
+          <a:lnRef idx="1">
+            <a:schemeClr val="accent1"/>
+          </a:lnRef>
+          <a:fillRef idx="0">
+            <a:schemeClr val="accent1"/>
+          </a:fillRef>
+          <a:effectRef idx="0">
+            <a:schemeClr val="accent1"/>
+          </a:effectRef>
+          <a:fontRef idx="minor">
+            <a:schemeClr val="tx1"/>
+          </a:fontRef>
+        </p:style>
+      </p:cxnSp>
+      <p:sp>
+        <p:nvSpPr>
+          <p:cNvPr id="39" name="TextBox 38"/>
+          <p:cNvSpPr txBox="1"/>
+          <p:nvPr/>
+        </p:nvSpPr>
+        <p:spPr>
+          <a:xfrm>
+            <a:off x="7239000" y="590550"/>
+            <a:ext cx="653192" cy="276999"/>
+          </a:xfrm>
+          <a:prstGeom prst="rect">
+            <a:avLst/>
+          </a:prstGeom>
+          <a:noFill/>
+        </p:spPr>
+        <p:txBody>
+          <a:bodyPr wrap="none" rtlCol="0">
+            <a:spAutoFit/>
+          </a:bodyPr>
+          <a:lstStyle/>
+          <a:p>
+            <a:r>
+              <a:rPr lang="en-US" sz="1200" dirty="0" err="1" smtClean="0"/>
+              <a:t>kubelet</a:t>
+            </a:r>
+            <a:endParaRPr lang="en-US" dirty="0"/>
+          </a:p>
+        </p:txBody>
+      </p:sp>
+      <p:sp>
+        <p:nvSpPr>
+          <p:cNvPr id="40" name="Oval 39"/>
+          <p:cNvSpPr/>
+          <p:nvPr/>
+        </p:nvSpPr>
+        <p:spPr>
+          <a:xfrm>
+            <a:off x="7924800" y="742950"/>
+            <a:ext cx="914400" cy="457200"/>
+          </a:xfrm>
+          <a:prstGeom prst="ellipse">
+            <a:avLst/>
+          </a:prstGeom>
+        </p:spPr>
+        <p:style>
+          <a:lnRef idx="2">
+            <a:schemeClr val="accent1">
+              <a:shade val="50000"/>
+            </a:schemeClr>
+          </a:lnRef>
+          <a:fillRef idx="1">
+            <a:schemeClr val="accent1"/>
+          </a:fillRef>
+          <a:effectRef idx="0">
+            <a:schemeClr val="accent1"/>
+          </a:effectRef>
+          <a:fontRef idx="minor">
+            <a:schemeClr val="lt1"/>
+          </a:fontRef>
+        </p:style>
+        <p:txBody>
+          <a:bodyPr rtlCol="0" anchor="ctr"/>
+          <a:lstStyle/>
+          <a:p>
+            <a:pPr algn="ctr"/>
+            <a:endParaRPr lang="en-US"/>
+          </a:p>
+        </p:txBody>
+      </p:sp>
+      <p:cxnSp>
+        <p:nvCxnSpPr>
+          <p:cNvPr id="42" name="Straight Arrow Connector 41"/>
+          <p:cNvCxnSpPr>
+            <a:stCxn id="39" idx="2"/>
+          </p:cNvCxnSpPr>
+          <p:nvPr/>
+        </p:nvCxnSpPr>
+        <p:spPr>
+          <a:xfrm>
+            <a:off x="7565596" y="867549"/>
+            <a:ext cx="816404" cy="1628001"/>
+          </a:xfrm>
+          <a:prstGeom prst="straightConnector1">
+            <a:avLst/>
+          </a:prstGeom>
+          <a:ln>
+            <a:tailEnd type="arrow"/>
+          </a:ln>
+        </p:spPr>
+        <p:style>
+          <a:lnRef idx="1">
+            <a:schemeClr val="accent1"/>
+          </a:lnRef>
+          <a:fillRef idx="0">
+            <a:schemeClr val="accent1"/>
+          </a:fillRef>
+          <a:effectRef idx="0">
+            <a:schemeClr val="accent1"/>
+          </a:effectRef>
+          <a:fontRef idx="minor">
+            <a:schemeClr val="tx1"/>
+          </a:fontRef>
+        </p:style>
+      </p:cxnSp>
+      <p:cxnSp>
+        <p:nvCxnSpPr>
+          <p:cNvPr id="44" name="Straight Arrow Connector 43"/>
+          <p:cNvCxnSpPr>
+            <a:stCxn id="7" idx="1"/>
+          </p:cNvCxnSpPr>
+          <p:nvPr/>
+        </p:nvCxnSpPr>
+        <p:spPr>
+          <a:xfrm flipH="1" flipV="1">
+            <a:off x="4038600" y="1428750"/>
+            <a:ext cx="4286971" cy="1175266"/>
+          </a:xfrm>
+          <a:prstGeom prst="straightConnector1">
+            <a:avLst/>
+          </a:prstGeom>
+          <a:ln>
+            <a:tailEnd type="arrow"/>
+          </a:ln>
+        </p:spPr>
+        <p:style>
+          <a:lnRef idx="1">
+            <a:schemeClr val="accent1"/>
+          </a:lnRef>
+          <a:fillRef idx="0">
+            <a:schemeClr val="accent1"/>
+          </a:fillRef>
+          <a:effectRef idx="0">
+            <a:schemeClr val="accent1"/>
+          </a:effectRef>
+          <a:fontRef idx="minor">
+            <a:schemeClr val="tx1"/>
+          </a:fontRef>
+        </p:style>
+      </p:cxnSp>
+      <p:cxnSp>
+        <p:nvCxnSpPr>
+          <p:cNvPr id="46" name="Straight Arrow Connector 45"/>
+          <p:cNvCxnSpPr>
+            <a:stCxn id="23" idx="0"/>
+            <a:endCxn id="40" idx="2"/>
+          </p:cNvCxnSpPr>
+          <p:nvPr/>
+        </p:nvCxnSpPr>
+        <p:spPr>
+          <a:xfrm flipV="1">
+            <a:off x="4341813" y="971550"/>
+            <a:ext cx="3582987" cy="228600"/>
+          </a:xfrm>
+          <a:prstGeom prst="straightConnector1">
+            <a:avLst/>
+          </a:prstGeom>
+          <a:ln>
+            <a:tailEnd type="arrow"/>
+          </a:ln>
+        </p:spPr>
+        <p:style>
+          <a:lnRef idx="1">
+            <a:schemeClr val="accent1"/>
+          </a:lnRef>
+          <a:fillRef idx="0">
+            <a:schemeClr val="accent1"/>
+          </a:fillRef>
+          <a:effectRef idx="0">
+            <a:schemeClr val="accent1"/>
+          </a:effectRef>
+          <a:fontRef idx="minor">
+            <a:schemeClr val="tx1"/>
+          </a:fontRef>
+        </p:style>
+      </p:cxnSp>
+      <p:sp>
+        <p:nvSpPr>
+          <p:cNvPr id="47" name="Right Brace 46"/>
+          <p:cNvSpPr/>
+          <p:nvPr/>
+        </p:nvSpPr>
+        <p:spPr>
+          <a:xfrm>
+            <a:off x="2667000" y="3771900"/>
+            <a:ext cx="152400" cy="304800"/>
+          </a:xfrm>
+          <a:prstGeom prst="rightBrace">
+            <a:avLst/>
+          </a:prstGeom>
+        </p:spPr>
+        <p:style>
+          <a:lnRef idx="1">
+            <a:schemeClr val="accent1"/>
+          </a:lnRef>
+          <a:fillRef idx="0">
+            <a:schemeClr val="accent1"/>
+          </a:fillRef>
+          <a:effectRef idx="0">
+            <a:schemeClr val="accent1"/>
+          </a:effectRef>
+          <a:fontRef idx="minor">
+            <a:schemeClr val="tx1"/>
+          </a:fontRef>
+        </p:style>
+        <p:txBody>
+          <a:bodyPr rtlCol="0" anchor="ctr"/>
+          <a:lstStyle/>
+          <a:p>
+            <a:pPr algn="ctr"/>
+            <a:endParaRPr lang="en-US"/>
+          </a:p>
+        </p:txBody>
+      </p:sp>
+      <p:sp>
+        <p:nvSpPr>
+          <p:cNvPr id="48" name="TextBox 47"/>
+          <p:cNvSpPr txBox="1"/>
+          <p:nvPr/>
+        </p:nvSpPr>
+        <p:spPr>
+          <a:xfrm>
+            <a:off x="2819400" y="3771900"/>
+            <a:ext cx="1833515" cy="369332"/>
+          </a:xfrm>
+          <a:prstGeom prst="rect">
+            <a:avLst/>
+          </a:prstGeom>
+          <a:noFill/>
+        </p:spPr>
+        <p:txBody>
+          <a:bodyPr wrap="none" rtlCol="0">
+            <a:spAutoFit/>
+          </a:bodyPr>
+          <a:lstStyle/>
+          <a:p>
+            <a:r>
+              <a:rPr lang="en-US" dirty="0" smtClean="0"/>
+              <a:t>Cont Deployment</a:t>
+            </a:r>
+            <a:endParaRPr lang="en-US" dirty="0"/>
+          </a:p>
+        </p:txBody>
+      </p:sp>
     </p:spTree>
   </p:cSld>
   <p:clrMapOvr>
